--- a/tortuga bay 0.3.pptx
+++ b/tortuga bay 0.3.pptx
@@ -293,7 +293,7 @@
     </p:spTree>
     <p:extLst>
       <p:ext uri="{BB962C8B-B14F-4D97-AF65-F5344CB8AC3E}">
-        <p14:creationId xmlns="" xmlns:p14="http://schemas.microsoft.com/office/powerpoint/2010/main" val="2213009851"/>
+        <p14:creationId xmlns:p14="http://schemas.microsoft.com/office/powerpoint/2010/main" xmlns="" val="2213009851"/>
       </p:ext>
     </p:extLst>
   </p:cSld>
@@ -554,7 +554,7 @@
     </p:spTree>
     <p:extLst>
       <p:ext uri="{BB962C8B-B14F-4D97-AF65-F5344CB8AC3E}">
-        <p14:creationId xmlns="" xmlns:p14="http://schemas.microsoft.com/office/powerpoint/2010/main" val="2501243732"/>
+        <p14:creationId xmlns:p14="http://schemas.microsoft.com/office/powerpoint/2010/main" xmlns="" val="2501243732"/>
       </p:ext>
     </p:extLst>
   </p:cSld>
@@ -855,7 +855,7 @@
     </p:spTree>
     <p:extLst>
       <p:ext uri="{BB962C8B-B14F-4D97-AF65-F5344CB8AC3E}">
-        <p14:creationId xmlns="" xmlns:p14="http://schemas.microsoft.com/office/powerpoint/2010/main" val="2070404567"/>
+        <p14:creationId xmlns:p14="http://schemas.microsoft.com/office/powerpoint/2010/main" xmlns="" val="2070404567"/>
       </p:ext>
     </p:extLst>
   </p:cSld>
@@ -1037,7 +1037,7 @@
     </p:spTree>
     <p:extLst>
       <p:ext uri="{BB962C8B-B14F-4D97-AF65-F5344CB8AC3E}">
-        <p14:creationId xmlns="" xmlns:p14="http://schemas.microsoft.com/office/powerpoint/2010/main" val="2365711366"/>
+        <p14:creationId xmlns:p14="http://schemas.microsoft.com/office/powerpoint/2010/main" xmlns="" val="2365711366"/>
       </p:ext>
     </p:extLst>
   </p:cSld>
@@ -1222,7 +1222,7 @@
     </p:spTree>
     <p:extLst>
       <p:ext uri="{BB962C8B-B14F-4D97-AF65-F5344CB8AC3E}">
-        <p14:creationId xmlns="" xmlns:p14="http://schemas.microsoft.com/office/powerpoint/2010/main" val="707905946"/>
+        <p14:creationId xmlns:p14="http://schemas.microsoft.com/office/powerpoint/2010/main" xmlns="" val="707905946"/>
       </p:ext>
     </p:extLst>
   </p:cSld>
@@ -1397,7 +1397,7 @@
     </p:spTree>
     <p:extLst>
       <p:ext uri="{BB962C8B-B14F-4D97-AF65-F5344CB8AC3E}">
-        <p14:creationId xmlns="" xmlns:p14="http://schemas.microsoft.com/office/powerpoint/2010/main" val="1869324206"/>
+        <p14:creationId xmlns:p14="http://schemas.microsoft.com/office/powerpoint/2010/main" xmlns="" val="1869324206"/>
       </p:ext>
     </p:extLst>
   </p:cSld>
@@ -1648,7 +1648,7 @@
     </p:spTree>
     <p:extLst>
       <p:ext uri="{BB962C8B-B14F-4D97-AF65-F5344CB8AC3E}">
-        <p14:creationId xmlns="" xmlns:p14="http://schemas.microsoft.com/office/powerpoint/2010/main" val="4219159056"/>
+        <p14:creationId xmlns:p14="http://schemas.microsoft.com/office/powerpoint/2010/main" xmlns="" val="4219159056"/>
       </p:ext>
     </p:extLst>
   </p:cSld>
@@ -1941,7 +1941,7 @@
     </p:spTree>
     <p:extLst>
       <p:ext uri="{BB962C8B-B14F-4D97-AF65-F5344CB8AC3E}">
-        <p14:creationId xmlns="" xmlns:p14="http://schemas.microsoft.com/office/powerpoint/2010/main" val="1106473477"/>
+        <p14:creationId xmlns:p14="http://schemas.microsoft.com/office/powerpoint/2010/main" xmlns="" val="1106473477"/>
       </p:ext>
     </p:extLst>
   </p:cSld>
@@ -2368,7 +2368,7 @@
     </p:spTree>
     <p:extLst>
       <p:ext uri="{BB962C8B-B14F-4D97-AF65-F5344CB8AC3E}">
-        <p14:creationId xmlns="" xmlns:p14="http://schemas.microsoft.com/office/powerpoint/2010/main" val="2304094589"/>
+        <p14:creationId xmlns:p14="http://schemas.microsoft.com/office/powerpoint/2010/main" xmlns="" val="2304094589"/>
       </p:ext>
     </p:extLst>
   </p:cSld>
@@ -2491,7 +2491,7 @@
     </p:spTree>
     <p:extLst>
       <p:ext uri="{BB962C8B-B14F-4D97-AF65-F5344CB8AC3E}">
-        <p14:creationId xmlns="" xmlns:p14="http://schemas.microsoft.com/office/powerpoint/2010/main" val="1861322463"/>
+        <p14:creationId xmlns:p14="http://schemas.microsoft.com/office/powerpoint/2010/main" xmlns="" val="1861322463"/>
       </p:ext>
     </p:extLst>
   </p:cSld>
@@ -2591,7 +2591,7 @@
     </p:spTree>
     <p:extLst>
       <p:ext uri="{BB962C8B-B14F-4D97-AF65-F5344CB8AC3E}">
-        <p14:creationId xmlns="" xmlns:p14="http://schemas.microsoft.com/office/powerpoint/2010/main" val="1290982777"/>
+        <p14:creationId xmlns:p14="http://schemas.microsoft.com/office/powerpoint/2010/main" xmlns="" val="1290982777"/>
       </p:ext>
     </p:extLst>
   </p:cSld>
@@ -2873,7 +2873,7 @@
     </p:spTree>
     <p:extLst>
       <p:ext uri="{BB962C8B-B14F-4D97-AF65-F5344CB8AC3E}">
-        <p14:creationId xmlns="" xmlns:p14="http://schemas.microsoft.com/office/powerpoint/2010/main" val="1936420163"/>
+        <p14:creationId xmlns:p14="http://schemas.microsoft.com/office/powerpoint/2010/main" xmlns="" val="1936420163"/>
       </p:ext>
     </p:extLst>
   </p:cSld>
@@ -3131,7 +3131,7 @@
     </p:spTree>
     <p:extLst>
       <p:ext uri="{BB962C8B-B14F-4D97-AF65-F5344CB8AC3E}">
-        <p14:creationId xmlns="" xmlns:p14="http://schemas.microsoft.com/office/powerpoint/2010/main" val="3541544067"/>
+        <p14:creationId xmlns:p14="http://schemas.microsoft.com/office/powerpoint/2010/main" xmlns="" val="3541544067"/>
       </p:ext>
     </p:extLst>
   </p:cSld>
@@ -3415,7 +3415,7 @@
               </a:duotone>
               <a:extLst>
                 <a:ext uri="{BEBA8EAE-BF5A-486C-A8C5-ECC9F3942E4B}">
-                  <a14:imgProps xmlns="" xmlns:a14="http://schemas.microsoft.com/office/drawing/2010/main">
+                  <a14:imgProps xmlns:a14="http://schemas.microsoft.com/office/drawing/2010/main" xmlns="">
                     <a14:imgLayer r:embed="rId14">
                       <a14:imgEffect>
                         <a14:saturation sat="0"/>
@@ -3424,7 +3424,7 @@
                   </a14:imgProps>
                 </a:ext>
                 <a:ext uri="{28A0092B-C50C-407E-A947-70E740481C1C}">
-                  <a14:useLocalDpi xmlns="" xmlns:a14="http://schemas.microsoft.com/office/drawing/2010/main" val="0"/>
+                  <a14:useLocalDpi xmlns:a14="http://schemas.microsoft.com/office/drawing/2010/main" xmlns="" val="0"/>
                 </a:ext>
               </a:extLst>
             </a:blip>
@@ -3454,7 +3454,7 @@
             <a:blip r:embed="rId15" cstate="print">
               <a:extLst>
                 <a:ext uri="{28A0092B-C50C-407E-A947-70E740481C1C}">
-                  <a14:useLocalDpi xmlns="" xmlns:a14="http://schemas.microsoft.com/office/drawing/2010/main" val="0"/>
+                  <a14:useLocalDpi xmlns:a14="http://schemas.microsoft.com/office/drawing/2010/main" xmlns="" val="0"/>
                 </a:ext>
               </a:extLst>
             </a:blip>
@@ -3476,7 +3476,7 @@
     </p:spTree>
     <p:extLst>
       <p:ext uri="{BB962C8B-B14F-4D97-AF65-F5344CB8AC3E}">
-        <p14:creationId xmlns="" xmlns:p14="http://schemas.microsoft.com/office/powerpoint/2010/main" val="3586662826"/>
+        <p14:creationId xmlns:p14="http://schemas.microsoft.com/office/powerpoint/2010/main" xmlns="" val="3586662826"/>
       </p:ext>
     </p:extLst>
   </p:cSld>
@@ -3946,7 +3946,7 @@
             <a:blip r:embed="rId2" cstate="print">
               <a:extLst>
                 <a:ext uri="{28A0092B-C50C-407E-A947-70E740481C1C}">
-                  <a14:useLocalDpi xmlns="" xmlns:a14="http://schemas.microsoft.com/office/drawing/2010/main" val="0"/>
+                  <a14:useLocalDpi xmlns:a14="http://schemas.microsoft.com/office/drawing/2010/main" xmlns="" val="0"/>
                 </a:ext>
               </a:extLst>
             </a:blip>
@@ -4226,7 +4226,7 @@
               </a:duotone>
               <a:extLst>
                 <a:ext uri="{28A0092B-C50C-407E-A947-70E740481C1C}">
-                  <a14:useLocalDpi xmlns="" xmlns:a14="http://schemas.microsoft.com/office/drawing/2010/main" val="0"/>
+                  <a14:useLocalDpi xmlns:a14="http://schemas.microsoft.com/office/drawing/2010/main" xmlns="" val="0"/>
                 </a:ext>
               </a:extLst>
             </a:blip>
@@ -4359,7 +4359,7 @@
     </p:spTree>
     <p:extLst>
       <p:ext uri="{BB962C8B-B14F-4D97-AF65-F5344CB8AC3E}">
-        <p14:creationId xmlns="" xmlns:p14="http://schemas.microsoft.com/office/powerpoint/2010/main" val="3658200479"/>
+        <p14:creationId xmlns:p14="http://schemas.microsoft.com/office/powerpoint/2010/main" xmlns="" val="3658200479"/>
       </p:ext>
     </p:extLst>
   </p:cSld>
@@ -4933,7 +4933,7 @@
             <a:blip r:embed="rId2" cstate="print">
               <a:extLst>
                 <a:ext uri="{28A0092B-C50C-407E-A947-70E740481C1C}">
-                  <a14:useLocalDpi xmlns="" xmlns:a14="http://schemas.microsoft.com/office/drawing/2010/main" val="0"/>
+                  <a14:useLocalDpi xmlns:a14="http://schemas.microsoft.com/office/drawing/2010/main" xmlns="" val="0"/>
                 </a:ext>
               </a:extLst>
             </a:blip>
@@ -4991,27 +4991,7 @@
                   <a:latin typeface="-윤고딕330" pitchFamily="18" charset="-127"/>
                   <a:ea typeface="-윤고딕330" pitchFamily="18" charset="-127"/>
                 </a:rPr>
-                <a:t>3</a:t>
-              </a:r>
-              <a:r>
-                <a:rPr lang="en-US" altLang="ko-KR" sz="2500" dirty="0" smtClean="0">
-                  <a:ln>
-                    <a:solidFill>
-                      <a:schemeClr val="bg1">
-                        <a:alpha val="0"/>
-                      </a:schemeClr>
-                    </a:solidFill>
-                  </a:ln>
-                  <a:solidFill>
-                    <a:schemeClr val="tx1">
-                      <a:lumMod val="75000"/>
-                      <a:lumOff val="25000"/>
-                    </a:schemeClr>
-                  </a:solidFill>
-                  <a:latin typeface="-윤고딕330" pitchFamily="18" charset="-127"/>
-                  <a:ea typeface="-윤고딕330" pitchFamily="18" charset="-127"/>
-                </a:rPr>
-                <a:t>. </a:t>
+                <a:t>3. </a:t>
               </a:r>
               <a:r>
                 <a:rPr lang="ko-KR" altLang="en-US" sz="2500" dirty="0" smtClean="0">
@@ -5156,7 +5136,7 @@
     </p:spTree>
     <p:extLst>
       <p:ext uri="{BB962C8B-B14F-4D97-AF65-F5344CB8AC3E}">
-        <p14:creationId xmlns="" xmlns:p14="http://schemas.microsoft.com/office/powerpoint/2010/main" val="2619248131"/>
+        <p14:creationId xmlns:p14="http://schemas.microsoft.com/office/powerpoint/2010/main" xmlns="" val="2619248131"/>
       </p:ext>
     </p:extLst>
   </p:cSld>
@@ -5244,15 +5224,7 @@
                   <a:schemeClr val="tx1"/>
                 </a:solidFill>
               </a:rPr>
-              <a:t>특</a:t>
-            </a:r>
-            <a:r>
-              <a:rPr lang="ko-KR" altLang="en-US" b="1" dirty="0" smtClean="0">
-                <a:solidFill>
-                  <a:schemeClr val="tx1"/>
-                </a:solidFill>
-              </a:rPr>
-              <a:t>징</a:t>
+              <a:t>특징</a:t>
             </a:r>
             <a:endParaRPr lang="ko-KR" altLang="en-US" b="1" dirty="0">
               <a:solidFill>
@@ -6032,7 +6004,27 @@
                 <a:latin typeface="HY신명조" pitchFamily="18" charset="-127"/>
                 <a:ea typeface="HY신명조" pitchFamily="18" charset="-127"/>
               </a:rPr>
-              <a:t>홍보 방법</a:t>
+              <a:t>홍보 </a:t>
+            </a:r>
+            <a:r>
+              <a:rPr lang="ko-KR" altLang="en-US" sz="2400" b="1" dirty="0" smtClean="0">
+                <a:solidFill>
+                  <a:schemeClr val="tx1"/>
+                </a:solidFill>
+                <a:latin typeface="HY신명조" pitchFamily="18" charset="-127"/>
+                <a:ea typeface="HY신명조" pitchFamily="18" charset="-127"/>
+              </a:rPr>
+              <a:t>전</a:t>
+            </a:r>
+            <a:r>
+              <a:rPr lang="ko-KR" altLang="en-US" sz="2400" b="1" dirty="0" smtClean="0">
+                <a:solidFill>
+                  <a:schemeClr val="tx1"/>
+                </a:solidFill>
+                <a:latin typeface="HY신명조" pitchFamily="18" charset="-127"/>
+                <a:ea typeface="HY신명조" pitchFamily="18" charset="-127"/>
+              </a:rPr>
+              <a:t>략</a:t>
             </a:r>
             <a:endParaRPr lang="en-US" altLang="ko-KR" sz="2400" b="1" dirty="0" smtClean="0">
               <a:solidFill>
@@ -6521,17 +6513,7 @@
                   </a:schemeClr>
                 </a:solidFill>
               </a:rPr>
-              <a:t>잡</a:t>
-            </a:r>
-            <a:r>
-              <a:rPr lang="ko-KR" altLang="en-US" sz="2000" dirty="0" smtClean="0">
-                <a:solidFill>
-                  <a:schemeClr val="accent6">
-                    <a:lumMod val="50000"/>
-                  </a:schemeClr>
-                </a:solidFill>
-              </a:rPr>
-              <a:t>지</a:t>
+              <a:t>잡지</a:t>
             </a:r>
             <a:endParaRPr lang="en-US" altLang="ko-KR" sz="2000" dirty="0" smtClean="0">
               <a:solidFill>
@@ -6583,17 +6565,7 @@
                   </a:schemeClr>
                 </a:solidFill>
               </a:rPr>
-              <a:t>오프라</a:t>
-            </a:r>
-            <a:r>
-              <a:rPr lang="ko-KR" altLang="en-US" sz="2000" dirty="0" smtClean="0">
-                <a:solidFill>
-                  <a:schemeClr val="accent6">
-                    <a:lumMod val="50000"/>
-                  </a:schemeClr>
-                </a:solidFill>
-              </a:rPr>
-              <a:t>인</a:t>
+              <a:t>오프라인</a:t>
             </a:r>
             <a:endParaRPr lang="en-US" altLang="ko-KR" sz="2000" dirty="0" smtClean="0">
               <a:solidFill>
@@ -6642,27 +6614,7 @@
                   </a:schemeClr>
                 </a:solidFill>
               </a:rPr>
-              <a:t>인기 드라마 혹은 영화</a:t>
-            </a:r>
-            <a:r>
-              <a:rPr lang="ko-KR" altLang="en-US" dirty="0" smtClean="0">
-                <a:solidFill>
-                  <a:schemeClr val="accent6">
-                    <a:lumMod val="50000"/>
-                  </a:schemeClr>
-                </a:solidFill>
-              </a:rPr>
-              <a:t>의</a:t>
-            </a:r>
-            <a:r>
-              <a:rPr lang="ko-KR" altLang="en-US" dirty="0" smtClean="0">
-                <a:solidFill>
-                  <a:schemeClr val="accent6">
-                    <a:lumMod val="50000"/>
-                  </a:schemeClr>
-                </a:solidFill>
-              </a:rPr>
-              <a:t> </a:t>
+              <a:t>인기 드라마 혹은 영화의 </a:t>
             </a:r>
             <a:r>
               <a:rPr lang="en-US" altLang="ko-KR" dirty="0" smtClean="0">
@@ -6670,23 +6622,7 @@
                   <a:srgbClr val="925F0C"/>
                 </a:solidFill>
               </a:rPr>
-              <a:t>PPL(</a:t>
-            </a:r>
-            <a:r>
-              <a:rPr lang="en-US" altLang="ko-KR" dirty="0" smtClean="0">
-                <a:solidFill>
-                  <a:srgbClr val="925F0C"/>
-                </a:solidFill>
-              </a:rPr>
-              <a:t>Product </a:t>
-            </a:r>
-            <a:r>
-              <a:rPr lang="en-US" altLang="ko-KR" dirty="0" smtClean="0">
-                <a:solidFill>
-                  <a:srgbClr val="925F0C"/>
-                </a:solidFill>
-              </a:rPr>
-              <a:t>Placement)</a:t>
+              <a:t>PPL(Product Placement)</a:t>
             </a:r>
             <a:endParaRPr lang="en-US" altLang="ko-KR" dirty="0" smtClean="0">
               <a:solidFill>
@@ -7110,7 +7046,7 @@
             <a:blip r:embed="rId2" cstate="print">
               <a:extLst>
                 <a:ext uri="{28A0092B-C50C-407E-A947-70E740481C1C}">
-                  <a14:useLocalDpi xmlns="" xmlns:a14="http://schemas.microsoft.com/office/drawing/2010/main" val="0"/>
+                  <a14:useLocalDpi xmlns:a14="http://schemas.microsoft.com/office/drawing/2010/main" xmlns="" val="0"/>
                 </a:ext>
               </a:extLst>
             </a:blip>
@@ -7313,7 +7249,7 @@
     </p:spTree>
     <p:extLst>
       <p:ext uri="{BB962C8B-B14F-4D97-AF65-F5344CB8AC3E}">
-        <p14:creationId xmlns="" xmlns:p14="http://schemas.microsoft.com/office/powerpoint/2010/main" val="2619248131"/>
+        <p14:creationId xmlns:p14="http://schemas.microsoft.com/office/powerpoint/2010/main" xmlns="" val="2619248131"/>
       </p:ext>
     </p:extLst>
   </p:cSld>
@@ -9124,7 +9060,7 @@
     </p:spTree>
     <p:extLst>
       <p:ext uri="{BB962C8B-B14F-4D97-AF65-F5344CB8AC3E}">
-        <p14:creationId xmlns="" xmlns:p14="http://schemas.microsoft.com/office/powerpoint/2010/main" val="2378213369"/>
+        <p14:creationId xmlns:p14="http://schemas.microsoft.com/office/powerpoint/2010/main" xmlns="" val="2378213369"/>
       </p:ext>
     </p:extLst>
   </p:cSld>
@@ -9691,7 +9627,7 @@
             <a:blip r:embed="rId2" cstate="print">
               <a:extLst>
                 <a:ext uri="{28A0092B-C50C-407E-A947-70E740481C1C}">
-                  <a14:useLocalDpi xmlns="" xmlns:a14="http://schemas.microsoft.com/office/drawing/2010/main" val="0"/>
+                  <a14:useLocalDpi xmlns:a14="http://schemas.microsoft.com/office/drawing/2010/main" xmlns="" val="0"/>
                 </a:ext>
               </a:extLst>
             </a:blip>
@@ -9894,7 +9830,7 @@
     </p:spTree>
     <p:extLst>
       <p:ext uri="{BB962C8B-B14F-4D97-AF65-F5344CB8AC3E}">
-        <p14:creationId xmlns="" xmlns:p14="http://schemas.microsoft.com/office/powerpoint/2010/main" val="2619248131"/>
+        <p14:creationId xmlns:p14="http://schemas.microsoft.com/office/powerpoint/2010/main" xmlns="" val="2619248131"/>
       </p:ext>
     </p:extLst>
   </p:cSld>
@@ -10068,7 +10004,7 @@
             <a:blip r:embed="rId2" cstate="print">
               <a:extLst>
                 <a:ext uri="{28A0092B-C50C-407E-A947-70E740481C1C}">
-                  <a14:useLocalDpi xmlns="" xmlns:a14="http://schemas.microsoft.com/office/drawing/2010/main" val="0"/>
+                  <a14:useLocalDpi xmlns:a14="http://schemas.microsoft.com/office/drawing/2010/main" xmlns="" val="0"/>
                 </a:ext>
               </a:extLst>
             </a:blip>
@@ -10271,7 +10207,7 @@
     </p:spTree>
     <p:extLst>
       <p:ext uri="{BB962C8B-B14F-4D97-AF65-F5344CB8AC3E}">
-        <p14:creationId xmlns="" xmlns:p14="http://schemas.microsoft.com/office/powerpoint/2010/main" val="2619248131"/>
+        <p14:creationId xmlns:p14="http://schemas.microsoft.com/office/powerpoint/2010/main" xmlns="" val="2619248131"/>
       </p:ext>
     </p:extLst>
   </p:cSld>
@@ -10334,7 +10270,7 @@
             <a:blip r:embed="rId2" cstate="print">
               <a:extLst>
                 <a:ext uri="{28A0092B-C50C-407E-A947-70E740481C1C}">
-                  <a14:useLocalDpi xmlns="" xmlns:a14="http://schemas.microsoft.com/office/drawing/2010/main" val="0"/>
+                  <a14:useLocalDpi xmlns:a14="http://schemas.microsoft.com/office/drawing/2010/main" xmlns="" val="0"/>
                 </a:ext>
               </a:extLst>
             </a:blip>
@@ -10763,7 +10699,7 @@
     </p:spTree>
     <p:extLst>
       <p:ext uri="{BB962C8B-B14F-4D97-AF65-F5344CB8AC3E}">
-        <p14:creationId xmlns="" xmlns:p14="http://schemas.microsoft.com/office/powerpoint/2010/main" val="527779912"/>
+        <p14:creationId xmlns:p14="http://schemas.microsoft.com/office/powerpoint/2010/main" xmlns="" val="527779912"/>
       </p:ext>
     </p:extLst>
   </p:cSld>
@@ -10826,7 +10762,7 @@
             <a:blip r:embed="rId2" cstate="print">
               <a:extLst>
                 <a:ext uri="{28A0092B-C50C-407E-A947-70E740481C1C}">
-                  <a14:useLocalDpi xmlns="" xmlns:a14="http://schemas.microsoft.com/office/drawing/2010/main" val="0"/>
+                  <a14:useLocalDpi xmlns:a14="http://schemas.microsoft.com/office/drawing/2010/main" xmlns="" val="0"/>
                 </a:ext>
               </a:extLst>
             </a:blip>
@@ -11175,7 +11111,7 @@
     </p:spTree>
     <p:extLst>
       <p:ext uri="{BB962C8B-B14F-4D97-AF65-F5344CB8AC3E}">
-        <p14:creationId xmlns="" xmlns:p14="http://schemas.microsoft.com/office/powerpoint/2010/main" val="527779912"/>
+        <p14:creationId xmlns:p14="http://schemas.microsoft.com/office/powerpoint/2010/main" xmlns="" val="527779912"/>
       </p:ext>
     </p:extLst>
   </p:cSld>
@@ -12805,15 +12741,24 @@
         </p:nvSpPr>
         <p:spPr>
           <a:xfrm>
-            <a:off x="5975648" y="1772816"/>
+            <a:off x="5652120" y="1700808"/>
             <a:ext cx="3168352" cy="2232248"/>
           </a:xfrm>
           <a:prstGeom prst="wedgeRectCallout">
             <a:avLst>
-              <a:gd name="adj1" fmla="val -38103"/>
-              <a:gd name="adj2" fmla="val 82342"/>
+              <a:gd name="adj1" fmla="val -56469"/>
+              <a:gd name="adj2" fmla="val 74149"/>
             </a:avLst>
           </a:prstGeom>
+          <a:solidFill>
+            <a:schemeClr val="accent2">
+              <a:lumMod val="40000"/>
+              <a:lumOff val="60000"/>
+            </a:schemeClr>
+          </a:solidFill>
+          <a:ln>
+            <a:noFill/>
+          </a:ln>
         </p:spPr>
         <p:style>
           <a:lnRef idx="2">
@@ -12837,47 +12782,190 @@
           <a:p>
             <a:pPr algn="ctr"/>
             <a:r>
-              <a:rPr lang="en-US" altLang="ko-KR" dirty="0" smtClean="0"/>
+              <a:rPr lang="en-US" altLang="ko-KR" sz="2000" dirty="0" smtClean="0">
+                <a:solidFill>
+                  <a:schemeClr val="tx1"/>
+                </a:solidFill>
+              </a:rPr>
               <a:t>‘</a:t>
             </a:r>
-            <a:r>
-              <a:rPr lang="ko-KR" altLang="en-US" dirty="0" err="1" smtClean="0"/>
+          </a:p>
+          <a:p>
+            <a:pPr algn="ctr"/>
+            <a:endParaRPr lang="en-US" altLang="ko-KR" sz="2000" smtClean="0">
+              <a:solidFill>
+                <a:schemeClr val="tx1"/>
+              </a:solidFill>
+            </a:endParaRPr>
+          </a:p>
+          <a:p>
+            <a:pPr algn="ctr"/>
+            <a:r>
+              <a:rPr lang="ko-KR" altLang="en-US" sz="2000" smtClean="0">
+                <a:solidFill>
+                  <a:schemeClr val="tx1"/>
+                </a:solidFill>
+              </a:rPr>
               <a:t>토투가</a:t>
             </a:r>
             <a:r>
-              <a:rPr lang="ko-KR" altLang="en-US" dirty="0" smtClean="0"/>
+              <a:rPr lang="ko-KR" altLang="en-US" sz="2000" dirty="0" smtClean="0">
+                <a:solidFill>
+                  <a:schemeClr val="tx1"/>
+                </a:solidFill>
+              </a:rPr>
               <a:t> </a:t>
             </a:r>
             <a:r>
-              <a:rPr lang="ko-KR" altLang="en-US" dirty="0" err="1" smtClean="0"/>
+              <a:rPr lang="ko-KR" altLang="en-US" sz="2000" dirty="0" err="1" smtClean="0">
+                <a:solidFill>
+                  <a:schemeClr val="tx1"/>
+                </a:solidFill>
+              </a:rPr>
               <a:t>베이</a:t>
             </a:r>
             <a:r>
-              <a:rPr lang="en-US" altLang="ko-KR" dirty="0" smtClean="0"/>
+              <a:rPr lang="en-US" altLang="ko-KR" sz="2000" dirty="0" smtClean="0">
+                <a:solidFill>
+                  <a:schemeClr val="tx1"/>
+                </a:solidFill>
+              </a:rPr>
               <a:t>’</a:t>
             </a:r>
             <a:r>
-              <a:rPr lang="ko-KR" altLang="en-US" dirty="0" smtClean="0"/>
-              <a:t>는 주요 타겟층을 </a:t>
-            </a:r>
-            <a:r>
-              <a:rPr lang="en-US" altLang="ko-KR" dirty="0" smtClean="0"/>
+              <a:rPr lang="ko-KR" altLang="en-US" sz="2000" dirty="0" smtClean="0">
+                <a:solidFill>
+                  <a:schemeClr val="tx1"/>
+                </a:solidFill>
+              </a:rPr>
+              <a:t>는 </a:t>
+            </a:r>
+            <a:endParaRPr lang="en-US" altLang="ko-KR" sz="2000" dirty="0" smtClean="0">
+              <a:solidFill>
+                <a:schemeClr val="tx1"/>
+              </a:solidFill>
+            </a:endParaRPr>
+          </a:p>
+          <a:p>
+            <a:pPr algn="ctr"/>
+            <a:r>
+              <a:rPr lang="ko-KR" altLang="en-US" sz="2000" dirty="0" smtClean="0">
+                <a:solidFill>
+                  <a:schemeClr val="tx1"/>
+                </a:solidFill>
+              </a:rPr>
+              <a:t>주요 </a:t>
+            </a:r>
+            <a:r>
+              <a:rPr lang="ko-KR" altLang="en-US" sz="2000" dirty="0" err="1" smtClean="0">
+                <a:solidFill>
+                  <a:schemeClr val="tx1"/>
+                </a:solidFill>
+              </a:rPr>
+              <a:t>타겟층을</a:t>
+            </a:r>
+            <a:r>
+              <a:rPr lang="ko-KR" altLang="en-US" sz="2000" dirty="0" smtClean="0">
+                <a:solidFill>
+                  <a:schemeClr val="tx1"/>
+                </a:solidFill>
+              </a:rPr>
+              <a:t> </a:t>
+            </a:r>
+            <a:endParaRPr lang="en-US" altLang="ko-KR" sz="2000" dirty="0" smtClean="0">
+              <a:solidFill>
+                <a:schemeClr val="tx1"/>
+              </a:solidFill>
+            </a:endParaRPr>
+          </a:p>
+          <a:p>
+            <a:pPr algn="ctr"/>
+            <a:r>
+              <a:rPr lang="ko-KR" altLang="en-US" sz="2000" dirty="0" err="1" smtClean="0">
+                <a:solidFill>
+                  <a:schemeClr val="tx1"/>
+                </a:solidFill>
+              </a:rPr>
+              <a:t>스마트폰을</a:t>
+            </a:r>
+            <a:r>
+              <a:rPr lang="ko-KR" altLang="en-US" sz="2000" dirty="0" smtClean="0">
+                <a:solidFill>
+                  <a:schemeClr val="tx1"/>
+                </a:solidFill>
+              </a:rPr>
+              <a:t> 보유한</a:t>
+            </a:r>
+            <a:endParaRPr lang="en-US" altLang="ko-KR" sz="2000" dirty="0" smtClean="0">
+              <a:solidFill>
+                <a:schemeClr val="tx1"/>
+              </a:solidFill>
+            </a:endParaRPr>
+          </a:p>
+          <a:p>
+            <a:pPr algn="ctr"/>
+            <a:r>
+              <a:rPr lang="en-US" altLang="ko-KR" sz="2000" dirty="0" smtClean="0">
+                <a:solidFill>
+                  <a:schemeClr val="tx1"/>
+                </a:solidFill>
+              </a:rPr>
               <a:t>20</a:t>
             </a:r>
             <a:r>
-              <a:rPr lang="ko-KR" altLang="en-US" dirty="0" smtClean="0"/>
+              <a:rPr lang="ko-KR" altLang="en-US" sz="2000" dirty="0" smtClean="0">
+                <a:solidFill>
+                  <a:schemeClr val="tx1"/>
+                </a:solidFill>
+              </a:rPr>
               <a:t>대</a:t>
             </a:r>
             <a:r>
-              <a:rPr lang="en-US" altLang="ko-KR" dirty="0" smtClean="0"/>
+              <a:rPr lang="en-US" altLang="ko-KR" sz="2000" dirty="0" smtClean="0">
+                <a:solidFill>
+                  <a:schemeClr val="tx1"/>
+                </a:solidFill>
+              </a:rPr>
               <a:t>, 30</a:t>
             </a:r>
             <a:r>
-              <a:rPr lang="ko-KR" altLang="en-US" dirty="0" smtClean="0"/>
-              <a:t>대의 성인 남녀로 선정</a:t>
-            </a:r>
-            <a:r>
-              <a:rPr lang="en-US" altLang="ko-KR" dirty="0" smtClean="0"/>
+              <a:rPr lang="ko-KR" altLang="en-US" sz="2000" dirty="0" smtClean="0">
+                <a:solidFill>
+                  <a:schemeClr val="tx1"/>
+                </a:solidFill>
+              </a:rPr>
+              <a:t>대의 </a:t>
+            </a:r>
+            <a:endParaRPr lang="en-US" altLang="ko-KR" sz="2000" dirty="0" smtClean="0">
+              <a:solidFill>
+                <a:schemeClr val="tx1"/>
+              </a:solidFill>
+            </a:endParaRPr>
+          </a:p>
+          <a:p>
+            <a:pPr algn="ctr"/>
+            <a:r>
+              <a:rPr lang="ko-KR" altLang="en-US" sz="2000" dirty="0" smtClean="0">
+                <a:solidFill>
+                  <a:schemeClr val="tx1"/>
+                </a:solidFill>
+              </a:rPr>
+              <a:t>성인 </a:t>
+            </a:r>
+            <a:r>
+              <a:rPr lang="ko-KR" altLang="en-US" sz="2000" dirty="0" smtClean="0">
+                <a:solidFill>
+                  <a:schemeClr val="tx1"/>
+                </a:solidFill>
+              </a:rPr>
+              <a:t>남녀로 선정</a:t>
+            </a:r>
+            <a:r>
+              <a:rPr lang="en-US" altLang="ko-KR" sz="2000" dirty="0" smtClean="0">
+                <a:solidFill>
+                  <a:schemeClr val="tx1"/>
+                </a:solidFill>
+              </a:rPr>
               <a:t>, </a:t>
             </a:r>
           </a:p>

--- a/tortuga bay 0.3.pptx
+++ b/tortuga bay 0.3.pptx
@@ -5,34 +5,38 @@
     <p:sldMasterId id="2147483648" r:id="rId1"/>
   </p:sldMasterIdLst>
   <p:notesMasterIdLst>
-    <p:notesMasterId r:id="rId24"/>
+    <p:notesMasterId r:id="rId28"/>
   </p:notesMasterIdLst>
   <p:handoutMasterIdLst>
-    <p:handoutMasterId r:id="rId25"/>
+    <p:handoutMasterId r:id="rId29"/>
   </p:handoutMasterIdLst>
   <p:sldIdLst>
     <p:sldId id="256" r:id="rId2"/>
     <p:sldId id="269" r:id="rId3"/>
     <p:sldId id="258" r:id="rId4"/>
-    <p:sldId id="284" r:id="rId5"/>
-    <p:sldId id="268" r:id="rId6"/>
-    <p:sldId id="285" r:id="rId7"/>
-    <p:sldId id="271" r:id="rId8"/>
-    <p:sldId id="275" r:id="rId9"/>
-    <p:sldId id="272" r:id="rId10"/>
-    <p:sldId id="287" r:id="rId11"/>
+    <p:sldId id="290" r:id="rId5"/>
+    <p:sldId id="284" r:id="rId6"/>
+    <p:sldId id="268" r:id="rId7"/>
+    <p:sldId id="285" r:id="rId8"/>
+    <p:sldId id="271" r:id="rId9"/>
+    <p:sldId id="275" r:id="rId10"/>
+    <p:sldId id="272" r:id="rId11"/>
     <p:sldId id="288" r:id="rId12"/>
     <p:sldId id="289" r:id="rId13"/>
     <p:sldId id="286" r:id="rId14"/>
     <p:sldId id="273" r:id="rId15"/>
     <p:sldId id="274" r:id="rId16"/>
     <p:sldId id="276" r:id="rId17"/>
-    <p:sldId id="277" r:id="rId18"/>
-    <p:sldId id="278" r:id="rId19"/>
-    <p:sldId id="279" r:id="rId20"/>
-    <p:sldId id="280" r:id="rId21"/>
-    <p:sldId id="281" r:id="rId22"/>
-    <p:sldId id="282" r:id="rId23"/>
+    <p:sldId id="291" r:id="rId18"/>
+    <p:sldId id="292" r:id="rId19"/>
+    <p:sldId id="293" r:id="rId20"/>
+    <p:sldId id="277" r:id="rId21"/>
+    <p:sldId id="278" r:id="rId22"/>
+    <p:sldId id="294" r:id="rId23"/>
+    <p:sldId id="279" r:id="rId24"/>
+    <p:sldId id="280" r:id="rId25"/>
+    <p:sldId id="281" r:id="rId26"/>
+    <p:sldId id="282" r:id="rId27"/>
   </p:sldIdLst>
   <p:sldSz cx="9144000" cy="6858000" type="screen4x3"/>
   <p:notesSz cx="6797675" cy="9874250"/>
@@ -217,7 +221,7 @@
             <a:fld id="{8605A163-67EB-484F-8BD8-EC756142D620}" type="datetimeFigureOut">
               <a:rPr lang="ko-KR" altLang="en-US" smtClean="0"/>
               <a:pPr/>
-              <a:t>2013-04-27</a:t>
+              <a:t>2013-04-28</a:t>
             </a:fld>
             <a:endParaRPr lang="ko-KR" altLang="en-US"/>
           </a:p>
@@ -293,7 +297,7 @@
     </p:spTree>
     <p:extLst>
       <p:ext uri="{BB962C8B-B14F-4D97-AF65-F5344CB8AC3E}">
-        <p14:creationId xmlns:p14="http://schemas.microsoft.com/office/powerpoint/2010/main" xmlns="" val="2213009851"/>
+        <p14:creationId xmlns="" xmlns:p14="http://schemas.microsoft.com/office/powerpoint/2010/main" val="2213009851"/>
       </p:ext>
     </p:extLst>
   </p:cSld>
@@ -385,7 +389,7 @@
             <a:fld id="{2BABAD23-E32B-430A-9BE6-798912D5828C}" type="datetimeFigureOut">
               <a:rPr lang="ko-KR" altLang="en-US" smtClean="0"/>
               <a:pPr/>
-              <a:t>2013-04-27</a:t>
+              <a:t>2013-04-28</a:t>
             </a:fld>
             <a:endParaRPr lang="ko-KR" altLang="en-US"/>
           </a:p>
@@ -554,7 +558,7 @@
     </p:spTree>
     <p:extLst>
       <p:ext uri="{BB962C8B-B14F-4D97-AF65-F5344CB8AC3E}">
-        <p14:creationId xmlns:p14="http://schemas.microsoft.com/office/powerpoint/2010/main" xmlns="" val="2501243732"/>
+        <p14:creationId xmlns="" xmlns:p14="http://schemas.microsoft.com/office/powerpoint/2010/main" val="2501243732"/>
       </p:ext>
     </p:extLst>
   </p:cSld>
@@ -655,6 +659,88 @@
 </p:notesMaster>
 </file>
 
+<file path=ppt/notesSlides/notesSlide1.xml><?xml version="1.0" encoding="utf-8"?>
+<p:notes xmlns:a="http://schemas.openxmlformats.org/drawingml/2006/main" xmlns:r="http://schemas.openxmlformats.org/officeDocument/2006/relationships" xmlns:p="http://schemas.openxmlformats.org/presentationml/2006/main">
+  <p:cSld>
+    <p:spTree>
+      <p:nvGrpSpPr>
+        <p:cNvPr id="1" name=""/>
+        <p:cNvGrpSpPr/>
+        <p:nvPr/>
+      </p:nvGrpSpPr>
+      <p:grpSpPr>
+        <a:xfrm>
+          <a:off x="0" y="0"/>
+          <a:ext cx="0" cy="0"/>
+          <a:chOff x="0" y="0"/>
+          <a:chExt cx="0" cy="0"/>
+        </a:xfrm>
+      </p:grpSpPr>
+      <p:sp>
+        <p:nvSpPr>
+          <p:cNvPr id="2" name="슬라이드 이미지 개체 틀 1"/>
+          <p:cNvSpPr>
+            <a:spLocks noGrp="1" noRot="1" noChangeAspect="1"/>
+          </p:cNvSpPr>
+          <p:nvPr>
+            <p:ph type="sldImg"/>
+          </p:nvPr>
+        </p:nvSpPr>
+        <p:spPr/>
+      </p:sp>
+      <p:sp>
+        <p:nvSpPr>
+          <p:cNvPr id="3" name="슬라이드 노트 개체 틀 2"/>
+          <p:cNvSpPr>
+            <a:spLocks noGrp="1"/>
+          </p:cNvSpPr>
+          <p:nvPr>
+            <p:ph type="body" idx="1"/>
+          </p:nvPr>
+        </p:nvSpPr>
+        <p:spPr/>
+        <p:txBody>
+          <a:bodyPr>
+            <a:normAutofit/>
+          </a:bodyPr>
+          <a:lstStyle/>
+          <a:p>
+            <a:endParaRPr lang="ko-KR" altLang="en-US" dirty="0"/>
+          </a:p>
+        </p:txBody>
+      </p:sp>
+      <p:sp>
+        <p:nvSpPr>
+          <p:cNvPr id="4" name="슬라이드 번호 개체 틀 3"/>
+          <p:cNvSpPr>
+            <a:spLocks noGrp="1"/>
+          </p:cNvSpPr>
+          <p:nvPr>
+            <p:ph type="sldNum" sz="quarter" idx="10"/>
+          </p:nvPr>
+        </p:nvSpPr>
+        <p:spPr/>
+        <p:txBody>
+          <a:bodyPr/>
+          <a:lstStyle/>
+          <a:p>
+            <a:fld id="{6BB44A79-82A9-4790-802B-415584B9EE7A}" type="slidenum">
+              <a:rPr lang="ko-KR" altLang="en-US" smtClean="0"/>
+              <a:pPr/>
+              <a:t>19</a:t>
+            </a:fld>
+            <a:endParaRPr lang="ko-KR" altLang="en-US"/>
+          </a:p>
+        </p:txBody>
+      </p:sp>
+    </p:spTree>
+  </p:cSld>
+  <p:clrMapOvr>
+    <a:masterClrMapping/>
+  </p:clrMapOvr>
+</p:notes>
+</file>
+
 <file path=ppt/slideLayouts/slideLayout1.xml><?xml version="1.0" encoding="utf-8"?>
 <p:sldLayout xmlns:a="http://schemas.openxmlformats.org/drawingml/2006/main" xmlns:r="http://schemas.openxmlformats.org/officeDocument/2006/relationships" xmlns:p="http://schemas.openxmlformats.org/presentationml/2006/main" type="title" preserve="1">
   <p:cSld name="제목 슬라이드">
@@ -855,7 +941,7 @@
     </p:spTree>
     <p:extLst>
       <p:ext uri="{BB962C8B-B14F-4D97-AF65-F5344CB8AC3E}">
-        <p14:creationId xmlns:p14="http://schemas.microsoft.com/office/powerpoint/2010/main" xmlns="" val="2070404567"/>
+        <p14:creationId xmlns="" xmlns:p14="http://schemas.microsoft.com/office/powerpoint/2010/main" val="2070404567"/>
       </p:ext>
     </p:extLst>
   </p:cSld>
@@ -985,7 +1071,7 @@
             <a:fld id="{A3DB5F27-F58F-47F6-BA79-05481AC0152E}" type="datetime1">
               <a:rPr lang="ko-KR" altLang="en-US" smtClean="0"/>
               <a:pPr/>
-              <a:t>2013-04-27</a:t>
+              <a:t>2013-04-28</a:t>
             </a:fld>
             <a:endParaRPr lang="ko-KR" altLang="en-US" dirty="0"/>
           </a:p>
@@ -1037,7 +1123,7 @@
     </p:spTree>
     <p:extLst>
       <p:ext uri="{BB962C8B-B14F-4D97-AF65-F5344CB8AC3E}">
-        <p14:creationId xmlns:p14="http://schemas.microsoft.com/office/powerpoint/2010/main" xmlns="" val="2365711366"/>
+        <p14:creationId xmlns="" xmlns:p14="http://schemas.microsoft.com/office/powerpoint/2010/main" val="2365711366"/>
       </p:ext>
     </p:extLst>
   </p:cSld>
@@ -1170,7 +1256,7 @@
             <a:fld id="{A6B32AF4-1E0A-4D65-9773-01814F88EFBA}" type="datetime1">
               <a:rPr lang="ko-KR" altLang="en-US" smtClean="0"/>
               <a:pPr/>
-              <a:t>2013-04-27</a:t>
+              <a:t>2013-04-28</a:t>
             </a:fld>
             <a:endParaRPr lang="ko-KR" altLang="en-US" dirty="0"/>
           </a:p>
@@ -1222,7 +1308,7 @@
     </p:spTree>
     <p:extLst>
       <p:ext uri="{BB962C8B-B14F-4D97-AF65-F5344CB8AC3E}">
-        <p14:creationId xmlns:p14="http://schemas.microsoft.com/office/powerpoint/2010/main" xmlns="" val="707905946"/>
+        <p14:creationId xmlns="" xmlns:p14="http://schemas.microsoft.com/office/powerpoint/2010/main" val="707905946"/>
       </p:ext>
     </p:extLst>
   </p:cSld>
@@ -1345,7 +1431,7 @@
             <a:fld id="{2F6A7C74-7FA0-42D3-8A76-B0E6FB4A9922}" type="datetime1">
               <a:rPr lang="ko-KR" altLang="en-US" smtClean="0"/>
               <a:pPr/>
-              <a:t>2013-04-27</a:t>
+              <a:t>2013-04-28</a:t>
             </a:fld>
             <a:endParaRPr lang="ko-KR" altLang="en-US" dirty="0"/>
           </a:p>
@@ -1397,7 +1483,7 @@
     </p:spTree>
     <p:extLst>
       <p:ext uri="{BB962C8B-B14F-4D97-AF65-F5344CB8AC3E}">
-        <p14:creationId xmlns:p14="http://schemas.microsoft.com/office/powerpoint/2010/main" xmlns="" val="1869324206"/>
+        <p14:creationId xmlns="" xmlns:p14="http://schemas.microsoft.com/office/powerpoint/2010/main" val="1869324206"/>
       </p:ext>
     </p:extLst>
   </p:cSld>
@@ -1596,7 +1682,7 @@
             <a:fld id="{F27EEE31-6C0A-4238-98DF-32936EA55870}" type="datetime1">
               <a:rPr lang="ko-KR" altLang="en-US" smtClean="0"/>
               <a:pPr/>
-              <a:t>2013-04-27</a:t>
+              <a:t>2013-04-28</a:t>
             </a:fld>
             <a:endParaRPr lang="ko-KR" altLang="en-US" dirty="0"/>
           </a:p>
@@ -1648,7 +1734,7 @@
     </p:spTree>
     <p:extLst>
       <p:ext uri="{BB962C8B-B14F-4D97-AF65-F5344CB8AC3E}">
-        <p14:creationId xmlns:p14="http://schemas.microsoft.com/office/powerpoint/2010/main" xmlns="" val="4219159056"/>
+        <p14:creationId xmlns="" xmlns:p14="http://schemas.microsoft.com/office/powerpoint/2010/main" val="4219159056"/>
       </p:ext>
     </p:extLst>
   </p:cSld>
@@ -1889,7 +1975,7 @@
             <a:fld id="{C7AE7940-ABAA-4264-8E34-12C8CEE1B097}" type="datetime1">
               <a:rPr lang="ko-KR" altLang="en-US" smtClean="0"/>
               <a:pPr/>
-              <a:t>2013-04-27</a:t>
+              <a:t>2013-04-28</a:t>
             </a:fld>
             <a:endParaRPr lang="ko-KR" altLang="en-US" dirty="0"/>
           </a:p>
@@ -1941,7 +2027,7 @@
     </p:spTree>
     <p:extLst>
       <p:ext uri="{BB962C8B-B14F-4D97-AF65-F5344CB8AC3E}">
-        <p14:creationId xmlns:p14="http://schemas.microsoft.com/office/powerpoint/2010/main" xmlns="" val="1106473477"/>
+        <p14:creationId xmlns="" xmlns:p14="http://schemas.microsoft.com/office/powerpoint/2010/main" val="1106473477"/>
       </p:ext>
     </p:extLst>
   </p:cSld>
@@ -2316,7 +2402,7 @@
             <a:fld id="{483115A2-4B48-4023-A038-BA298F02A30D}" type="datetime1">
               <a:rPr lang="ko-KR" altLang="en-US" smtClean="0"/>
               <a:pPr/>
-              <a:t>2013-04-27</a:t>
+              <a:t>2013-04-28</a:t>
             </a:fld>
             <a:endParaRPr lang="ko-KR" altLang="en-US" dirty="0"/>
           </a:p>
@@ -2368,7 +2454,7 @@
     </p:spTree>
     <p:extLst>
       <p:ext uri="{BB962C8B-B14F-4D97-AF65-F5344CB8AC3E}">
-        <p14:creationId xmlns:p14="http://schemas.microsoft.com/office/powerpoint/2010/main" xmlns="" val="2304094589"/>
+        <p14:creationId xmlns="" xmlns:p14="http://schemas.microsoft.com/office/powerpoint/2010/main" val="2304094589"/>
       </p:ext>
     </p:extLst>
   </p:cSld>
@@ -2439,7 +2525,7 @@
             <a:fld id="{B4091C9C-0338-4670-8F09-DAACBCDBC42F}" type="datetime1">
               <a:rPr lang="ko-KR" altLang="en-US" smtClean="0"/>
               <a:pPr/>
-              <a:t>2013-04-27</a:t>
+              <a:t>2013-04-28</a:t>
             </a:fld>
             <a:endParaRPr lang="ko-KR" altLang="en-US" dirty="0"/>
           </a:p>
@@ -2491,7 +2577,7 @@
     </p:spTree>
     <p:extLst>
       <p:ext uri="{BB962C8B-B14F-4D97-AF65-F5344CB8AC3E}">
-        <p14:creationId xmlns:p14="http://schemas.microsoft.com/office/powerpoint/2010/main" xmlns="" val="1861322463"/>
+        <p14:creationId xmlns="" xmlns:p14="http://schemas.microsoft.com/office/powerpoint/2010/main" val="1861322463"/>
       </p:ext>
     </p:extLst>
   </p:cSld>
@@ -2539,7 +2625,7 @@
             <a:fld id="{E201A634-61EF-423C-9C4C-043FF12C6DFC}" type="datetime1">
               <a:rPr lang="ko-KR" altLang="en-US" smtClean="0"/>
               <a:pPr/>
-              <a:t>2013-04-27</a:t>
+              <a:t>2013-04-28</a:t>
             </a:fld>
             <a:endParaRPr lang="ko-KR" altLang="en-US" dirty="0"/>
           </a:p>
@@ -2591,7 +2677,7 @@
     </p:spTree>
     <p:extLst>
       <p:ext uri="{BB962C8B-B14F-4D97-AF65-F5344CB8AC3E}">
-        <p14:creationId xmlns:p14="http://schemas.microsoft.com/office/powerpoint/2010/main" xmlns="" val="1290982777"/>
+        <p14:creationId xmlns="" xmlns:p14="http://schemas.microsoft.com/office/powerpoint/2010/main" val="1290982777"/>
       </p:ext>
     </p:extLst>
   </p:cSld>
@@ -2821,7 +2907,7 @@
             <a:fld id="{2D3B67B1-BA6C-402E-BC5D-0CD4F92646D0}" type="datetime1">
               <a:rPr lang="ko-KR" altLang="en-US" smtClean="0"/>
               <a:pPr/>
-              <a:t>2013-04-27</a:t>
+              <a:t>2013-04-28</a:t>
             </a:fld>
             <a:endParaRPr lang="ko-KR" altLang="en-US" dirty="0"/>
           </a:p>
@@ -2873,7 +2959,7 @@
     </p:spTree>
     <p:extLst>
       <p:ext uri="{BB962C8B-B14F-4D97-AF65-F5344CB8AC3E}">
-        <p14:creationId xmlns:p14="http://schemas.microsoft.com/office/powerpoint/2010/main" xmlns="" val="1936420163"/>
+        <p14:creationId xmlns="" xmlns:p14="http://schemas.microsoft.com/office/powerpoint/2010/main" val="1936420163"/>
       </p:ext>
     </p:extLst>
   </p:cSld>
@@ -3079,7 +3165,7 @@
             <a:fld id="{9836B2E3-E144-4252-824D-79E36DFE1F7A}" type="datetime1">
               <a:rPr lang="ko-KR" altLang="en-US" smtClean="0"/>
               <a:pPr/>
-              <a:t>2013-04-27</a:t>
+              <a:t>2013-04-28</a:t>
             </a:fld>
             <a:endParaRPr lang="ko-KR" altLang="en-US" dirty="0"/>
           </a:p>
@@ -3131,7 +3217,7 @@
     </p:spTree>
     <p:extLst>
       <p:ext uri="{BB962C8B-B14F-4D97-AF65-F5344CB8AC3E}">
-        <p14:creationId xmlns:p14="http://schemas.microsoft.com/office/powerpoint/2010/main" xmlns="" val="3541544067"/>
+        <p14:creationId xmlns="" xmlns:p14="http://schemas.microsoft.com/office/powerpoint/2010/main" val="3541544067"/>
       </p:ext>
     </p:extLst>
   </p:cSld>
@@ -3297,7 +3383,7 @@
             <a:fld id="{310AEB29-31F7-4946-A662-04075E063F1E}" type="datetime1">
               <a:rPr lang="ko-KR" altLang="en-US" smtClean="0"/>
               <a:pPr/>
-              <a:t>2013-04-27</a:t>
+              <a:t>2013-04-28</a:t>
             </a:fld>
             <a:endParaRPr lang="ko-KR" altLang="en-US" dirty="0"/>
           </a:p>
@@ -3415,7 +3501,7 @@
               </a:duotone>
               <a:extLst>
                 <a:ext uri="{BEBA8EAE-BF5A-486C-A8C5-ECC9F3942E4B}">
-                  <a14:imgProps xmlns:a14="http://schemas.microsoft.com/office/drawing/2010/main" xmlns="">
+                  <a14:imgProps xmlns="" xmlns:a14="http://schemas.microsoft.com/office/drawing/2010/main">
                     <a14:imgLayer r:embed="rId14">
                       <a14:imgEffect>
                         <a14:saturation sat="0"/>
@@ -3424,7 +3510,7 @@
                   </a14:imgProps>
                 </a:ext>
                 <a:ext uri="{28A0092B-C50C-407E-A947-70E740481C1C}">
-                  <a14:useLocalDpi xmlns:a14="http://schemas.microsoft.com/office/drawing/2010/main" xmlns="" val="0"/>
+                  <a14:useLocalDpi xmlns="" xmlns:a14="http://schemas.microsoft.com/office/drawing/2010/main" val="0"/>
                 </a:ext>
               </a:extLst>
             </a:blip>
@@ -3454,7 +3540,7 @@
             <a:blip r:embed="rId15" cstate="print">
               <a:extLst>
                 <a:ext uri="{28A0092B-C50C-407E-A947-70E740481C1C}">
-                  <a14:useLocalDpi xmlns:a14="http://schemas.microsoft.com/office/drawing/2010/main" xmlns="" val="0"/>
+                  <a14:useLocalDpi xmlns="" xmlns:a14="http://schemas.microsoft.com/office/drawing/2010/main" val="0"/>
                 </a:ext>
               </a:extLst>
             </a:blip>
@@ -3476,7 +3562,7 @@
     </p:spTree>
     <p:extLst>
       <p:ext uri="{BB962C8B-B14F-4D97-AF65-F5344CB8AC3E}">
-        <p14:creationId xmlns:p14="http://schemas.microsoft.com/office/powerpoint/2010/main" xmlns="" val="3586662826"/>
+        <p14:creationId xmlns="" xmlns:p14="http://schemas.microsoft.com/office/powerpoint/2010/main" val="3586662826"/>
       </p:ext>
     </p:extLst>
   </p:cSld>
@@ -3946,7 +4032,7 @@
             <a:blip r:embed="rId2" cstate="print">
               <a:extLst>
                 <a:ext uri="{28A0092B-C50C-407E-A947-70E740481C1C}">
-                  <a14:useLocalDpi xmlns:a14="http://schemas.microsoft.com/office/drawing/2010/main" xmlns="" val="0"/>
+                  <a14:useLocalDpi xmlns="" xmlns:a14="http://schemas.microsoft.com/office/drawing/2010/main" val="0"/>
                 </a:ext>
               </a:extLst>
             </a:blip>
@@ -4226,7 +4312,7 @@
               </a:duotone>
               <a:extLst>
                 <a:ext uri="{28A0092B-C50C-407E-A947-70E740481C1C}">
-                  <a14:useLocalDpi xmlns:a14="http://schemas.microsoft.com/office/drawing/2010/main" xmlns="" val="0"/>
+                  <a14:useLocalDpi xmlns="" xmlns:a14="http://schemas.microsoft.com/office/drawing/2010/main" val="0"/>
                 </a:ext>
               </a:extLst>
             </a:blip>
@@ -4359,7 +4445,7 @@
     </p:spTree>
     <p:extLst>
       <p:ext uri="{BB962C8B-B14F-4D97-AF65-F5344CB8AC3E}">
-        <p14:creationId xmlns:p14="http://schemas.microsoft.com/office/powerpoint/2010/main" xmlns="" val="3658200479"/>
+        <p14:creationId xmlns="" xmlns:p14="http://schemas.microsoft.com/office/powerpoint/2010/main" val="3658200479"/>
       </p:ext>
     </p:extLst>
   </p:cSld>
@@ -4496,6 +4582,82 @@
               <a:latin typeface="-윤고딕330" pitchFamily="18" charset="-127"/>
               <a:ea typeface="-윤고딕330" pitchFamily="18" charset="-127"/>
             </a:endParaRPr>
+          </a:p>
+        </p:txBody>
+      </p:sp>
+      <p:pic>
+        <p:nvPicPr>
+          <p:cNvPr id="1027" name="Picture 3" descr="C:\Users\q\Desktop\Documents\네이트온 받은 파일\스마트폰.png"/>
+          <p:cNvPicPr>
+            <a:picLocks noChangeAspect="1" noChangeArrowheads="1"/>
+          </p:cNvPicPr>
+          <p:nvPr/>
+        </p:nvPicPr>
+        <p:blipFill>
+          <a:blip r:embed="rId2" cstate="print"/>
+          <a:srcRect/>
+          <a:stretch>
+            <a:fillRect/>
+          </a:stretch>
+        </p:blipFill>
+        <p:spPr bwMode="auto">
+          <a:xfrm>
+            <a:off x="1331640" y="1844824"/>
+            <a:ext cx="6408712" cy="4590768"/>
+          </a:xfrm>
+          <a:prstGeom prst="rect">
+            <a:avLst/>
+          </a:prstGeom>
+          <a:noFill/>
+        </p:spPr>
+      </p:pic>
+      <p:sp>
+        <p:nvSpPr>
+          <p:cNvPr id="6" name="TextBox 5"/>
+          <p:cNvSpPr txBox="1"/>
+          <p:nvPr/>
+        </p:nvSpPr>
+        <p:spPr>
+          <a:xfrm>
+            <a:off x="1403648" y="1412776"/>
+            <a:ext cx="3534942" cy="369332"/>
+          </a:xfrm>
+          <a:prstGeom prst="rect">
+            <a:avLst/>
+          </a:prstGeom>
+          <a:noFill/>
+        </p:spPr>
+        <p:txBody>
+          <a:bodyPr wrap="none" rtlCol="0">
+            <a:spAutoFit/>
+          </a:bodyPr>
+          <a:lstStyle/>
+          <a:p>
+            <a:r>
+              <a:rPr lang="ko-KR" altLang="en-US" dirty="0" err="1" smtClean="0"/>
+              <a:t>스마트폰</a:t>
+            </a:r>
+            <a:r>
+              <a:rPr lang="ko-KR" altLang="en-US" dirty="0" smtClean="0"/>
+              <a:t> </a:t>
+            </a:r>
+            <a:r>
+              <a:rPr lang="ko-KR" altLang="en-US" dirty="0" err="1" smtClean="0"/>
+              <a:t>보유률</a:t>
+            </a:r>
+            <a:r>
+              <a:rPr lang="en-US" altLang="ko-KR" dirty="0" smtClean="0"/>
+              <a:t>(2010</a:t>
+            </a:r>
+            <a:r>
+              <a:rPr lang="ko-KR" altLang="en-US" dirty="0" smtClean="0"/>
+              <a:t>년 통계청</a:t>
+            </a:r>
+            <a:r>
+              <a:rPr lang="en-US" altLang="ko-KR" dirty="0" smtClean="0"/>
+              <a:t>)</a:t>
+            </a:r>
+            <a:endParaRPr lang="ko-KR" altLang="en-US" dirty="0"/>
           </a:p>
         </p:txBody>
       </p:sp>
@@ -4637,6 +4799,318 @@
           </a:p>
         </p:txBody>
       </p:sp>
+      <p:sp>
+        <p:nvSpPr>
+          <p:cNvPr id="14338" name="Rectangle 2"/>
+          <p:cNvSpPr>
+            <a:spLocks noChangeArrowheads="1"/>
+          </p:cNvSpPr>
+          <p:nvPr/>
+        </p:nvSpPr>
+        <p:spPr bwMode="auto">
+          <a:xfrm>
+            <a:off x="0" y="0"/>
+            <a:ext cx="9144000" cy="457200"/>
+          </a:xfrm>
+          <a:prstGeom prst="rect">
+            <a:avLst/>
+          </a:prstGeom>
+          <a:noFill/>
+          <a:ln w="9525">
+            <a:noFill/>
+            <a:miter lim="800000"/>
+            <a:headEnd/>
+            <a:tailEnd/>
+          </a:ln>
+          <a:effectLst/>
+        </p:spPr>
+        <p:txBody>
+          <a:bodyPr vert="horz" wrap="none" lIns="91440" tIns="45720" rIns="91440" bIns="45720" numCol="1" anchor="ctr" anchorCtr="0" compatLnSpc="1">
+            <a:prstTxWarp prst="textNoShape">
+              <a:avLst/>
+            </a:prstTxWarp>
+            <a:spAutoFit/>
+          </a:bodyPr>
+          <a:lstStyle/>
+          <a:p>
+            <a:pPr marL="0" marR="0" lvl="0" indent="0" algn="l" defTabSz="914400" rtl="0" eaLnBrk="1" fontAlgn="base" latinLnBrk="1" hangingPunct="1">
+              <a:lnSpc>
+                <a:spcPct val="100000"/>
+              </a:lnSpc>
+              <a:spcBef>
+                <a:spcPct val="0"/>
+              </a:spcBef>
+              <a:spcAft>
+                <a:spcPct val="0"/>
+              </a:spcAft>
+              <a:buClrTx/>
+              <a:buSzTx/>
+              <a:buFontTx/>
+              <a:buNone/>
+              <a:tabLst/>
+            </a:pPr>
+            <a:r>
+              <a:rPr kumimoji="1" lang="ko-KR" sz="1000" b="0" i="0" u="none" strike="noStrike" cap="none" normalizeH="0" baseline="0" smtClean="0">
+                <a:ln>
+                  <a:noFill/>
+                </a:ln>
+                <a:solidFill>
+                  <a:schemeClr val="tx1"/>
+                </a:solidFill>
+                <a:effectLst/>
+                <a:latin typeface="맑은 고딕" pitchFamily="50" charset="-127"/>
+                <a:ea typeface="맑은 고딕" pitchFamily="50" charset="-127"/>
+                <a:cs typeface="Times New Roman" pitchFamily="18" charset="0"/>
+              </a:rPr>
+              <a:t>트폰 게임의 선호 연령을 조사해보았습니다</a:t>
+            </a:r>
+            <a:endParaRPr kumimoji="1" lang="ko-KR" sz="800" b="0" i="0" u="none" strike="noStrike" cap="none" normalizeH="0" baseline="0" smtClean="0">
+              <a:ln>
+                <a:noFill/>
+              </a:ln>
+              <a:solidFill>
+                <a:schemeClr val="tx1"/>
+              </a:solidFill>
+              <a:effectLst/>
+              <a:latin typeface="굴림" pitchFamily="50" charset="-127"/>
+              <a:ea typeface="굴림" pitchFamily="50" charset="-127"/>
+              <a:cs typeface="굴림" pitchFamily="50" charset="-127"/>
+            </a:endParaRPr>
+          </a:p>
+          <a:p>
+            <a:pPr marL="0" marR="0" lvl="0" indent="0" algn="l" defTabSz="914400" rtl="0" eaLnBrk="0" fontAlgn="base" latinLnBrk="0" hangingPunct="0">
+              <a:lnSpc>
+                <a:spcPct val="100000"/>
+              </a:lnSpc>
+              <a:spcBef>
+                <a:spcPct val="0"/>
+              </a:spcBef>
+              <a:spcAft>
+                <a:spcPct val="0"/>
+              </a:spcAft>
+              <a:buClrTx/>
+              <a:buSzTx/>
+              <a:buFontTx/>
+              <a:buNone/>
+              <a:tabLst/>
+            </a:pPr>
+            <a:endParaRPr kumimoji="1" lang="ko-KR" sz="1800" b="0" i="0" u="none" strike="noStrike" cap="none" normalizeH="0" baseline="0" smtClean="0">
+              <a:ln>
+                <a:noFill/>
+              </a:ln>
+              <a:solidFill>
+                <a:schemeClr val="tx1"/>
+              </a:solidFill>
+              <a:effectLst/>
+              <a:latin typeface="굴림" pitchFamily="50" charset="-127"/>
+              <a:ea typeface="굴림" pitchFamily="50" charset="-127"/>
+              <a:cs typeface="굴림" pitchFamily="50" charset="-127"/>
+            </a:endParaRPr>
+          </a:p>
+        </p:txBody>
+      </p:sp>
+      <p:pic>
+        <p:nvPicPr>
+          <p:cNvPr id="7" name="그림 6" descr="top10.png"/>
+          <p:cNvPicPr/>
+          <p:nvPr/>
+        </p:nvPicPr>
+        <p:blipFill>
+          <a:blip r:embed="rId2" cstate="print"/>
+          <a:stretch>
+            <a:fillRect/>
+          </a:stretch>
+        </p:blipFill>
+        <p:spPr>
+          <a:xfrm>
+            <a:off x="539552" y="1412776"/>
+            <a:ext cx="7632848" cy="4464496"/>
+          </a:xfrm>
+          <a:prstGeom prst="rect">
+            <a:avLst/>
+          </a:prstGeom>
+        </p:spPr>
+      </p:pic>
+      <p:sp>
+        <p:nvSpPr>
+          <p:cNvPr id="8" name="사각형 설명선 7"/>
+          <p:cNvSpPr/>
+          <p:nvPr/>
+        </p:nvSpPr>
+        <p:spPr>
+          <a:xfrm>
+            <a:off x="3347864" y="836712"/>
+            <a:ext cx="3168352" cy="1395536"/>
+          </a:xfrm>
+          <a:prstGeom prst="wedgeRectCallout">
+            <a:avLst>
+              <a:gd name="adj1" fmla="val -21837"/>
+              <a:gd name="adj2" fmla="val 96784"/>
+            </a:avLst>
+          </a:prstGeom>
+          <a:solidFill>
+            <a:schemeClr val="accent2">
+              <a:lumMod val="40000"/>
+              <a:lumOff val="60000"/>
+            </a:schemeClr>
+          </a:solidFill>
+          <a:ln>
+            <a:noFill/>
+          </a:ln>
+        </p:spPr>
+        <p:style>
+          <a:lnRef idx="2">
+            <a:schemeClr val="accent1">
+              <a:shade val="50000"/>
+            </a:schemeClr>
+          </a:lnRef>
+          <a:fillRef idx="1">
+            <a:schemeClr val="accent1"/>
+          </a:fillRef>
+          <a:effectRef idx="0">
+            <a:schemeClr val="accent1"/>
+          </a:effectRef>
+          <a:fontRef idx="minor">
+            <a:schemeClr val="lt1"/>
+          </a:fontRef>
+        </p:style>
+        <p:txBody>
+          <a:bodyPr rtlCol="0" anchor="ctr"/>
+          <a:lstStyle/>
+          <a:p>
+            <a:pPr algn="ctr"/>
+            <a:r>
+              <a:rPr lang="ko-KR" altLang="en-US" sz="2000" dirty="0" err="1" smtClean="0">
+                <a:solidFill>
+                  <a:schemeClr val="tx1"/>
+                </a:solidFill>
+              </a:rPr>
+              <a:t>모바일</a:t>
+            </a:r>
+            <a:r>
+              <a:rPr lang="ko-KR" altLang="en-US" sz="2000" dirty="0" smtClean="0">
+                <a:solidFill>
+                  <a:schemeClr val="tx1"/>
+                </a:solidFill>
+              </a:rPr>
+              <a:t> 게임 선호 연령층은 대부분 </a:t>
+            </a:r>
+            <a:r>
+              <a:rPr lang="en-US" altLang="ko-KR" sz="2000" dirty="0" smtClean="0">
+                <a:solidFill>
+                  <a:schemeClr val="tx1"/>
+                </a:solidFill>
+              </a:rPr>
+              <a:t>20</a:t>
+            </a:r>
+            <a:r>
+              <a:rPr lang="ko-KR" altLang="en-US" sz="2000" dirty="0" smtClean="0">
+                <a:solidFill>
+                  <a:schemeClr val="tx1"/>
+                </a:solidFill>
+              </a:rPr>
+              <a:t>대 남성</a:t>
+            </a:r>
+            <a:endParaRPr lang="ko-KR" altLang="en-US" sz="2000" dirty="0">
+              <a:solidFill>
+                <a:schemeClr val="tx1"/>
+              </a:solidFill>
+            </a:endParaRPr>
+          </a:p>
+        </p:txBody>
+      </p:sp>
+      <p:sp>
+        <p:nvSpPr>
+          <p:cNvPr id="9" name="직사각형 8"/>
+          <p:cNvSpPr/>
+          <p:nvPr/>
+        </p:nvSpPr>
+        <p:spPr>
+          <a:xfrm>
+            <a:off x="611560" y="3068960"/>
+            <a:ext cx="4248472" cy="1368152"/>
+          </a:xfrm>
+          <a:prstGeom prst="rect">
+            <a:avLst/>
+          </a:prstGeom>
+          <a:noFill/>
+          <a:ln w="38100">
+            <a:solidFill>
+              <a:srgbClr val="FF0000"/>
+            </a:solidFill>
+          </a:ln>
+        </p:spPr>
+        <p:style>
+          <a:lnRef idx="2">
+            <a:schemeClr val="accent1">
+              <a:shade val="50000"/>
+            </a:schemeClr>
+          </a:lnRef>
+          <a:fillRef idx="1">
+            <a:schemeClr val="accent1"/>
+          </a:fillRef>
+          <a:effectRef idx="0">
+            <a:schemeClr val="accent1"/>
+          </a:effectRef>
+          <a:fontRef idx="minor">
+            <a:schemeClr val="lt1"/>
+          </a:fontRef>
+        </p:style>
+        <p:txBody>
+          <a:bodyPr rtlCol="0" anchor="ctr"/>
+          <a:lstStyle/>
+          <a:p>
+            <a:pPr algn="ctr"/>
+            <a:endParaRPr lang="ko-KR" altLang="en-US"/>
+          </a:p>
+        </p:txBody>
+      </p:sp>
+      <p:sp>
+        <p:nvSpPr>
+          <p:cNvPr id="10" name="직사각형 9"/>
+          <p:cNvSpPr/>
+          <p:nvPr/>
+        </p:nvSpPr>
+        <p:spPr>
+          <a:xfrm>
+            <a:off x="611560" y="5157192"/>
+            <a:ext cx="4320480" cy="648072"/>
+          </a:xfrm>
+          <a:prstGeom prst="rect">
+            <a:avLst/>
+          </a:prstGeom>
+          <a:noFill/>
+          <a:ln w="38100">
+            <a:solidFill>
+              <a:srgbClr val="FF0000"/>
+            </a:solidFill>
+          </a:ln>
+        </p:spPr>
+        <p:style>
+          <a:lnRef idx="2">
+            <a:schemeClr val="accent1">
+              <a:shade val="50000"/>
+            </a:schemeClr>
+          </a:lnRef>
+          <a:fillRef idx="1">
+            <a:schemeClr val="accent1"/>
+          </a:fillRef>
+          <a:effectRef idx="0">
+            <a:schemeClr val="accent1"/>
+          </a:effectRef>
+          <a:fontRef idx="minor">
+            <a:schemeClr val="lt1"/>
+          </a:fontRef>
+        </p:style>
+        <p:txBody>
+          <a:bodyPr rtlCol="0" anchor="ctr"/>
+          <a:lstStyle/>
+          <a:p>
+            <a:pPr algn="ctr"/>
+            <a:endParaRPr lang="ko-KR" altLang="en-US"/>
+          </a:p>
+        </p:txBody>
+      </p:sp>
     </p:spTree>
   </p:cSld>
   <p:clrMapOvr>
@@ -4645,6 +5119,13 @@
   <p:transition spd="slow">
     <p:push dir="u"/>
   </p:transition>
+  <p:timing>
+    <p:tnLst>
+      <p:par>
+        <p:cTn id="1" dur="indefinite" restart="never" nodeType="tmRoot"/>
+      </p:par>
+    </p:tnLst>
+  </p:timing>
 </p:sld>
 </file>
 
@@ -4768,6 +5249,289 @@
           </a:p>
         </p:txBody>
       </p:sp>
+      <p:sp>
+        <p:nvSpPr>
+          <p:cNvPr id="6" name="사각형 설명선 5"/>
+          <p:cNvSpPr/>
+          <p:nvPr/>
+        </p:nvSpPr>
+        <p:spPr>
+          <a:xfrm>
+            <a:off x="5148064" y="1268760"/>
+            <a:ext cx="3168352" cy="2232248"/>
+          </a:xfrm>
+          <a:prstGeom prst="wedgeRectCallout">
+            <a:avLst>
+              <a:gd name="adj1" fmla="val -56469"/>
+              <a:gd name="adj2" fmla="val 74149"/>
+            </a:avLst>
+          </a:prstGeom>
+          <a:solidFill>
+            <a:schemeClr val="accent2">
+              <a:lumMod val="40000"/>
+              <a:lumOff val="60000"/>
+            </a:schemeClr>
+          </a:solidFill>
+          <a:ln>
+            <a:noFill/>
+          </a:ln>
+        </p:spPr>
+        <p:style>
+          <a:lnRef idx="2">
+            <a:schemeClr val="accent1">
+              <a:shade val="50000"/>
+            </a:schemeClr>
+          </a:lnRef>
+          <a:fillRef idx="1">
+            <a:schemeClr val="accent1"/>
+          </a:fillRef>
+          <a:effectRef idx="0">
+            <a:schemeClr val="accent1"/>
+          </a:effectRef>
+          <a:fontRef idx="minor">
+            <a:schemeClr val="lt1"/>
+          </a:fontRef>
+        </p:style>
+        <p:txBody>
+          <a:bodyPr rtlCol="0" anchor="ctr"/>
+          <a:lstStyle/>
+          <a:p>
+            <a:pPr algn="ctr"/>
+            <a:r>
+              <a:rPr lang="en-US" altLang="ko-KR" sz="2000" dirty="0" smtClean="0">
+                <a:solidFill>
+                  <a:schemeClr val="tx1"/>
+                </a:solidFill>
+              </a:rPr>
+              <a:t>‘</a:t>
+            </a:r>
+          </a:p>
+          <a:p>
+            <a:pPr algn="ctr"/>
+            <a:endParaRPr lang="en-US" altLang="ko-KR" sz="2000" dirty="0" smtClean="0">
+              <a:solidFill>
+                <a:schemeClr val="tx1"/>
+              </a:solidFill>
+            </a:endParaRPr>
+          </a:p>
+          <a:p>
+            <a:pPr algn="ctr"/>
+            <a:r>
+              <a:rPr lang="ko-KR" altLang="en-US" sz="2000" dirty="0" err="1" smtClean="0">
+                <a:solidFill>
+                  <a:schemeClr val="tx1"/>
+                </a:solidFill>
+              </a:rPr>
+              <a:t>토투가</a:t>
+            </a:r>
+            <a:r>
+              <a:rPr lang="ko-KR" altLang="en-US" sz="2000" dirty="0" smtClean="0">
+                <a:solidFill>
+                  <a:schemeClr val="tx1"/>
+                </a:solidFill>
+              </a:rPr>
+              <a:t> </a:t>
+            </a:r>
+            <a:r>
+              <a:rPr lang="ko-KR" altLang="en-US" sz="2000" dirty="0" err="1" smtClean="0">
+                <a:solidFill>
+                  <a:schemeClr val="tx1"/>
+                </a:solidFill>
+              </a:rPr>
+              <a:t>베이</a:t>
+            </a:r>
+            <a:r>
+              <a:rPr lang="en-US" altLang="ko-KR" sz="2000" dirty="0" smtClean="0">
+                <a:solidFill>
+                  <a:schemeClr val="tx1"/>
+                </a:solidFill>
+              </a:rPr>
+              <a:t>’</a:t>
+            </a:r>
+            <a:r>
+              <a:rPr lang="ko-KR" altLang="en-US" sz="2000" dirty="0" smtClean="0">
+                <a:solidFill>
+                  <a:schemeClr val="tx1"/>
+                </a:solidFill>
+              </a:rPr>
+              <a:t>는 </a:t>
+            </a:r>
+            <a:endParaRPr lang="en-US" altLang="ko-KR" sz="2000" dirty="0" smtClean="0">
+              <a:solidFill>
+                <a:schemeClr val="tx1"/>
+              </a:solidFill>
+            </a:endParaRPr>
+          </a:p>
+          <a:p>
+            <a:pPr algn="ctr"/>
+            <a:r>
+              <a:rPr lang="ko-KR" altLang="en-US" sz="2000" dirty="0" smtClean="0">
+                <a:solidFill>
+                  <a:schemeClr val="tx1"/>
+                </a:solidFill>
+              </a:rPr>
+              <a:t>주요 </a:t>
+            </a:r>
+            <a:r>
+              <a:rPr lang="ko-KR" altLang="en-US" sz="2000" dirty="0" err="1" smtClean="0">
+                <a:solidFill>
+                  <a:schemeClr val="tx1"/>
+                </a:solidFill>
+              </a:rPr>
+              <a:t>타겟층을</a:t>
+            </a:r>
+            <a:r>
+              <a:rPr lang="ko-KR" altLang="en-US" sz="2000" dirty="0" smtClean="0">
+                <a:solidFill>
+                  <a:schemeClr val="tx1"/>
+                </a:solidFill>
+              </a:rPr>
+              <a:t> </a:t>
+            </a:r>
+            <a:endParaRPr lang="en-US" altLang="ko-KR" sz="2000" dirty="0" smtClean="0">
+              <a:solidFill>
+                <a:schemeClr val="tx1"/>
+              </a:solidFill>
+            </a:endParaRPr>
+          </a:p>
+          <a:p>
+            <a:pPr algn="ctr"/>
+            <a:r>
+              <a:rPr lang="ko-KR" altLang="en-US" sz="2000" dirty="0" err="1" smtClean="0">
+                <a:solidFill>
+                  <a:schemeClr val="tx1"/>
+                </a:solidFill>
+              </a:rPr>
+              <a:t>스마트폰을</a:t>
+            </a:r>
+            <a:r>
+              <a:rPr lang="ko-KR" altLang="en-US" sz="2000" dirty="0" smtClean="0">
+                <a:solidFill>
+                  <a:schemeClr val="tx1"/>
+                </a:solidFill>
+              </a:rPr>
+              <a:t> 보유한</a:t>
+            </a:r>
+            <a:endParaRPr lang="en-US" altLang="ko-KR" sz="2000" dirty="0" smtClean="0">
+              <a:solidFill>
+                <a:schemeClr val="tx1"/>
+              </a:solidFill>
+            </a:endParaRPr>
+          </a:p>
+          <a:p>
+            <a:pPr algn="ctr"/>
+            <a:r>
+              <a:rPr lang="en-US" altLang="ko-KR" sz="2000" dirty="0" smtClean="0">
+                <a:solidFill>
+                  <a:schemeClr val="tx1"/>
+                </a:solidFill>
+              </a:rPr>
+              <a:t>20</a:t>
+            </a:r>
+            <a:r>
+              <a:rPr lang="ko-KR" altLang="en-US" sz="2000" dirty="0" smtClean="0">
+                <a:solidFill>
+                  <a:schemeClr val="tx1"/>
+                </a:solidFill>
+              </a:rPr>
+              <a:t>대의 </a:t>
+            </a:r>
+            <a:endParaRPr lang="en-US" altLang="ko-KR" sz="2000" dirty="0" smtClean="0">
+              <a:solidFill>
+                <a:schemeClr val="tx1"/>
+              </a:solidFill>
+            </a:endParaRPr>
+          </a:p>
+          <a:p>
+            <a:pPr algn="ctr"/>
+            <a:r>
+              <a:rPr lang="ko-KR" altLang="en-US" sz="2000" dirty="0" smtClean="0">
+                <a:solidFill>
+                  <a:schemeClr val="tx1"/>
+                </a:solidFill>
+              </a:rPr>
+              <a:t>성인 남녀로 </a:t>
+            </a:r>
+            <a:r>
+              <a:rPr lang="ko-KR" altLang="en-US" sz="2000" dirty="0" smtClean="0">
+                <a:solidFill>
+                  <a:schemeClr val="tx1"/>
+                </a:solidFill>
+              </a:rPr>
+              <a:t>선정</a:t>
+            </a:r>
+            <a:endParaRPr lang="en-US" altLang="ko-KR" sz="2000" dirty="0" smtClean="0">
+              <a:solidFill>
+                <a:schemeClr val="tx1"/>
+              </a:solidFill>
+            </a:endParaRPr>
+          </a:p>
+          <a:p>
+            <a:pPr algn="ctr"/>
+            <a:endParaRPr lang="en-US" altLang="ko-KR" dirty="0" smtClean="0"/>
+          </a:p>
+          <a:p>
+            <a:pPr algn="ctr"/>
+            <a:endParaRPr lang="ko-KR" altLang="en-US" dirty="0"/>
+          </a:p>
+        </p:txBody>
+      </p:sp>
+      <p:pic>
+        <p:nvPicPr>
+          <p:cNvPr id="7" name="그림 6" descr="보급률2.png"/>
+          <p:cNvPicPr/>
+          <p:nvPr/>
+        </p:nvPicPr>
+        <p:blipFill>
+          <a:blip r:embed="rId2" cstate="print"/>
+          <a:stretch>
+            <a:fillRect/>
+          </a:stretch>
+        </p:blipFill>
+        <p:spPr>
+          <a:xfrm>
+            <a:off x="1043608" y="1700808"/>
+            <a:ext cx="3384376" cy="4032448"/>
+          </a:xfrm>
+          <a:prstGeom prst="rect">
+            <a:avLst/>
+          </a:prstGeom>
+        </p:spPr>
+      </p:pic>
+      <p:sp>
+        <p:nvSpPr>
+          <p:cNvPr id="8" name="TextBox 7"/>
+          <p:cNvSpPr txBox="1"/>
+          <p:nvPr/>
+        </p:nvSpPr>
+        <p:spPr>
+          <a:xfrm>
+            <a:off x="2267744" y="5733256"/>
+            <a:ext cx="3528392" cy="369332"/>
+          </a:xfrm>
+          <a:prstGeom prst="rect">
+            <a:avLst/>
+          </a:prstGeom>
+          <a:noFill/>
+        </p:spPr>
+        <p:txBody>
+          <a:bodyPr wrap="square" rtlCol="0">
+            <a:spAutoFit/>
+          </a:bodyPr>
+          <a:lstStyle/>
+          <a:p>
+            <a:r>
+              <a:rPr lang="ko-KR" altLang="en-US" err="1" smtClean="0"/>
+              <a:t>스마트폰</a:t>
+            </a:r>
+            <a:r>
+              <a:rPr lang="ko-KR" altLang="en-US" dirty="0" smtClean="0"/>
+              <a:t> 보급률</a:t>
+            </a:r>
+            <a:endParaRPr lang="ko-KR" altLang="en-US" dirty="0"/>
+          </a:p>
+        </p:txBody>
+      </p:sp>
     </p:spTree>
   </p:cSld>
   <p:clrMapOvr>
@@ -4776,6 +5540,13 @@
   <p:transition spd="slow">
     <p:push dir="u"/>
   </p:transition>
+  <p:timing>
+    <p:tnLst>
+      <p:par>
+        <p:cTn id="1" dur="indefinite" restart="never" nodeType="tmRoot"/>
+      </p:par>
+    </p:tnLst>
+  </p:timing>
 </p:sld>
 </file>
 
@@ -4933,7 +5704,7 @@
             <a:blip r:embed="rId2" cstate="print">
               <a:extLst>
                 <a:ext uri="{28A0092B-C50C-407E-A947-70E740481C1C}">
-                  <a14:useLocalDpi xmlns:a14="http://schemas.microsoft.com/office/drawing/2010/main" xmlns="" val="0"/>
+                  <a14:useLocalDpi xmlns="" xmlns:a14="http://schemas.microsoft.com/office/drawing/2010/main" val="0"/>
                 </a:ext>
               </a:extLst>
             </a:blip>
@@ -5136,7 +5907,7 @@
     </p:spTree>
     <p:extLst>
       <p:ext uri="{BB962C8B-B14F-4D97-AF65-F5344CB8AC3E}">
-        <p14:creationId xmlns:p14="http://schemas.microsoft.com/office/powerpoint/2010/main" xmlns="" val="2619248131"/>
+        <p14:creationId xmlns="" xmlns:p14="http://schemas.microsoft.com/office/powerpoint/2010/main" val="2619248131"/>
       </p:ext>
     </p:extLst>
   </p:cSld>
@@ -6004,27 +6775,7 @@
                 <a:latin typeface="HY신명조" pitchFamily="18" charset="-127"/>
                 <a:ea typeface="HY신명조" pitchFamily="18" charset="-127"/>
               </a:rPr>
-              <a:t>홍보 </a:t>
-            </a:r>
-            <a:r>
-              <a:rPr lang="ko-KR" altLang="en-US" sz="2400" b="1" dirty="0" smtClean="0">
-                <a:solidFill>
-                  <a:schemeClr val="tx1"/>
-                </a:solidFill>
-                <a:latin typeface="HY신명조" pitchFamily="18" charset="-127"/>
-                <a:ea typeface="HY신명조" pitchFamily="18" charset="-127"/>
-              </a:rPr>
-              <a:t>전</a:t>
-            </a:r>
-            <a:r>
-              <a:rPr lang="ko-KR" altLang="en-US" sz="2400" b="1" dirty="0" smtClean="0">
-                <a:solidFill>
-                  <a:schemeClr val="tx1"/>
-                </a:solidFill>
-                <a:latin typeface="HY신명조" pitchFamily="18" charset="-127"/>
-                <a:ea typeface="HY신명조" pitchFamily="18" charset="-127"/>
-              </a:rPr>
-              <a:t>략</a:t>
+              <a:t>홍보 전략</a:t>
             </a:r>
             <a:endParaRPr lang="en-US" altLang="ko-KR" sz="2400" b="1" dirty="0" smtClean="0">
               <a:solidFill>
@@ -7046,7 +7797,7 @@
             <a:blip r:embed="rId2" cstate="print">
               <a:extLst>
                 <a:ext uri="{28A0092B-C50C-407E-A947-70E740481C1C}">
-                  <a14:useLocalDpi xmlns:a14="http://schemas.microsoft.com/office/drawing/2010/main" xmlns="" val="0"/>
+                  <a14:useLocalDpi xmlns="" xmlns:a14="http://schemas.microsoft.com/office/drawing/2010/main" val="0"/>
                 </a:ext>
               </a:extLst>
             </a:blip>
@@ -7249,7 +8000,7 @@
     </p:spTree>
     <p:extLst>
       <p:ext uri="{BB962C8B-B14F-4D97-AF65-F5344CB8AC3E}">
-        <p14:creationId xmlns:p14="http://schemas.microsoft.com/office/powerpoint/2010/main" xmlns="" val="2619248131"/>
+        <p14:creationId xmlns="" xmlns:p14="http://schemas.microsoft.com/office/powerpoint/2010/main" val="2619248131"/>
       </p:ext>
     </p:extLst>
   </p:cSld>
@@ -7425,7 +8176,7 @@
                 <a:latin typeface="-윤고딕330" pitchFamily="18" charset="-127"/>
                 <a:ea typeface="-윤고딕330" pitchFamily="18" charset="-127"/>
               </a:rPr>
-              <a:t>1</a:t>
+              <a:t>0</a:t>
             </a:r>
             <a:endParaRPr lang="ko-KR" altLang="en-US" sz="2000" dirty="0">
               <a:ln>
@@ -7443,6 +8194,494 @@
               <a:latin typeface="-윤고딕330" pitchFamily="18" charset="-127"/>
               <a:ea typeface="-윤고딕330" pitchFamily="18" charset="-127"/>
             </a:endParaRPr>
+          </a:p>
+        </p:txBody>
+      </p:sp>
+      <p:pic>
+        <p:nvPicPr>
+          <p:cNvPr id="38914" name="Picture 2" descr="C:\Users\q\AppData\Local\Microsoft\Windows\Temporary Internet Files\Content.IE5\3HYN6C72\MC900361660[1].wmf"/>
+          <p:cNvPicPr>
+            <a:picLocks noChangeAspect="1" noChangeArrowheads="1"/>
+          </p:cNvPicPr>
+          <p:nvPr/>
+        </p:nvPicPr>
+        <p:blipFill>
+          <a:blip r:embed="rId2" cstate="print"/>
+          <a:srcRect/>
+          <a:stretch>
+            <a:fillRect/>
+          </a:stretch>
+        </p:blipFill>
+        <p:spPr bwMode="auto">
+          <a:xfrm>
+            <a:off x="2411760" y="1484784"/>
+            <a:ext cx="1330452" cy="1864462"/>
+          </a:xfrm>
+          <a:prstGeom prst="rect">
+            <a:avLst/>
+          </a:prstGeom>
+          <a:noFill/>
+        </p:spPr>
+      </p:pic>
+      <p:pic>
+        <p:nvPicPr>
+          <p:cNvPr id="38915" name="Picture 3" descr="C:\Users\q\AppData\Local\Microsoft\Windows\Temporary Internet Files\Content.IE5\3HYN6C72\MC900361658[1].wmf"/>
+          <p:cNvPicPr>
+            <a:picLocks noChangeAspect="1" noChangeArrowheads="1"/>
+          </p:cNvPicPr>
+          <p:nvPr/>
+        </p:nvPicPr>
+        <p:blipFill>
+          <a:blip r:embed="rId3" cstate="print"/>
+          <a:srcRect/>
+          <a:stretch>
+            <a:fillRect/>
+          </a:stretch>
+        </p:blipFill>
+        <p:spPr bwMode="auto">
+          <a:xfrm>
+            <a:off x="683568" y="1484784"/>
+            <a:ext cx="1452982" cy="1822399"/>
+          </a:xfrm>
+          <a:prstGeom prst="rect">
+            <a:avLst/>
+          </a:prstGeom>
+          <a:noFill/>
+        </p:spPr>
+      </p:pic>
+      <p:pic>
+        <p:nvPicPr>
+          <p:cNvPr id="38916" name="Picture 4" descr="C:\Users\q\AppData\Local\Microsoft\Windows\Temporary Internet Files\Content.IE5\3HYN6C72\MC900426380[1].wmf"/>
+          <p:cNvPicPr>
+            <a:picLocks noChangeAspect="1" noChangeArrowheads="1"/>
+          </p:cNvPicPr>
+          <p:nvPr/>
+        </p:nvPicPr>
+        <p:blipFill>
+          <a:blip r:embed="rId4" cstate="print"/>
+          <a:srcRect/>
+          <a:stretch>
+            <a:fillRect/>
+          </a:stretch>
+        </p:blipFill>
+        <p:spPr bwMode="auto">
+          <a:xfrm>
+            <a:off x="6732240" y="1484784"/>
+            <a:ext cx="1264615" cy="1829714"/>
+          </a:xfrm>
+          <a:prstGeom prst="rect">
+            <a:avLst/>
+          </a:prstGeom>
+          <a:noFill/>
+        </p:spPr>
+      </p:pic>
+      <p:sp>
+        <p:nvSpPr>
+          <p:cNvPr id="7" name="하트 6"/>
+          <p:cNvSpPr/>
+          <p:nvPr/>
+        </p:nvSpPr>
+        <p:spPr>
+          <a:xfrm>
+            <a:off x="1763688" y="3429000"/>
+            <a:ext cx="648072" cy="576064"/>
+          </a:xfrm>
+          <a:prstGeom prst="heart">
+            <a:avLst/>
+          </a:prstGeom>
+          <a:solidFill>
+            <a:srgbClr val="FF0000"/>
+          </a:solidFill>
+          <a:ln>
+            <a:noFill/>
+          </a:ln>
+        </p:spPr>
+        <p:style>
+          <a:lnRef idx="2">
+            <a:schemeClr val="accent1">
+              <a:shade val="50000"/>
+            </a:schemeClr>
+          </a:lnRef>
+          <a:fillRef idx="1">
+            <a:schemeClr val="accent1"/>
+          </a:fillRef>
+          <a:effectRef idx="0">
+            <a:schemeClr val="accent1"/>
+          </a:effectRef>
+          <a:fontRef idx="minor">
+            <a:schemeClr val="lt1"/>
+          </a:fontRef>
+        </p:style>
+        <p:txBody>
+          <a:bodyPr rtlCol="0" anchor="ctr"/>
+          <a:lstStyle/>
+          <a:p>
+            <a:pPr algn="ctr"/>
+            <a:endParaRPr lang="ko-KR" altLang="en-US"/>
+          </a:p>
+        </p:txBody>
+      </p:sp>
+      <p:sp>
+        <p:nvSpPr>
+          <p:cNvPr id="8" name="TextBox 7"/>
+          <p:cNvSpPr txBox="1"/>
+          <p:nvPr/>
+        </p:nvSpPr>
+        <p:spPr>
+          <a:xfrm>
+            <a:off x="467544" y="3452807"/>
+            <a:ext cx="3816424" cy="1200329"/>
+          </a:xfrm>
+          <a:prstGeom prst="rect">
+            <a:avLst/>
+          </a:prstGeom>
+          <a:noFill/>
+        </p:spPr>
+        <p:txBody>
+          <a:bodyPr wrap="square" rtlCol="0">
+            <a:spAutoFit/>
+          </a:bodyPr>
+          <a:lstStyle/>
+          <a:p>
+            <a:r>
+              <a:rPr lang="ko-KR" altLang="en-US" dirty="0" err="1" smtClean="0"/>
+              <a:t>아드리안</a:t>
+            </a:r>
+            <a:r>
+              <a:rPr lang="en-US" altLang="ko-KR" dirty="0" smtClean="0"/>
+              <a:t>	    </a:t>
+            </a:r>
+            <a:r>
+              <a:rPr lang="ko-KR" altLang="en-US" dirty="0" err="1" smtClean="0"/>
+              <a:t>코델리아</a:t>
+            </a:r>
+            <a:endParaRPr lang="en-US" altLang="ko-KR" dirty="0" smtClean="0"/>
+          </a:p>
+          <a:p>
+            <a:r>
+              <a:rPr lang="en-US" altLang="ko-KR" dirty="0" smtClean="0"/>
+              <a:t>(</a:t>
+            </a:r>
+            <a:r>
+              <a:rPr lang="ko-KR" altLang="en-US" dirty="0" err="1" smtClean="0"/>
+              <a:t>애노미티</a:t>
+            </a:r>
+            <a:r>
+              <a:rPr lang="en-US" altLang="ko-KR" dirty="0" smtClean="0"/>
+              <a:t>	    (</a:t>
+            </a:r>
+            <a:r>
+              <a:rPr lang="ko-KR" altLang="en-US" dirty="0" err="1" smtClean="0"/>
+              <a:t>바스티아</a:t>
+            </a:r>
+            <a:endParaRPr lang="en-US" altLang="ko-KR" dirty="0" smtClean="0"/>
+          </a:p>
+          <a:p>
+            <a:r>
+              <a:rPr lang="ko-KR" altLang="en-US" dirty="0" smtClean="0"/>
+              <a:t>  공화국</a:t>
+            </a:r>
+            <a:r>
+              <a:rPr lang="en-US" altLang="ko-KR" dirty="0" smtClean="0"/>
+              <a:t>		      </a:t>
+            </a:r>
+            <a:r>
+              <a:rPr lang="ko-KR" altLang="en-US" dirty="0" smtClean="0"/>
+              <a:t>제국 황녀</a:t>
+            </a:r>
+            <a:r>
+              <a:rPr lang="en-US" altLang="ko-KR" dirty="0" smtClean="0"/>
+              <a:t>)</a:t>
+            </a:r>
+          </a:p>
+          <a:p>
+            <a:r>
+              <a:rPr lang="ko-KR" altLang="en-US" dirty="0" smtClean="0"/>
+              <a:t>  왕자</a:t>
+            </a:r>
+            <a:r>
+              <a:rPr lang="en-US" altLang="ko-KR" dirty="0" smtClean="0"/>
+              <a:t>)</a:t>
+            </a:r>
+            <a:endParaRPr lang="ko-KR" altLang="en-US" dirty="0"/>
+          </a:p>
+        </p:txBody>
+      </p:sp>
+      <p:sp>
+        <p:nvSpPr>
+          <p:cNvPr id="9" name="왼쪽 화살표 8"/>
+          <p:cNvSpPr/>
+          <p:nvPr/>
+        </p:nvSpPr>
+        <p:spPr>
+          <a:xfrm>
+            <a:off x="3995936" y="2348880"/>
+            <a:ext cx="2304256" cy="288032"/>
+          </a:xfrm>
+          <a:prstGeom prst="leftArrow">
+            <a:avLst/>
+          </a:prstGeom>
+          <a:ln>
+            <a:noFill/>
+          </a:ln>
+        </p:spPr>
+        <p:style>
+          <a:lnRef idx="2">
+            <a:schemeClr val="accent1">
+              <a:shade val="50000"/>
+            </a:schemeClr>
+          </a:lnRef>
+          <a:fillRef idx="1">
+            <a:schemeClr val="accent1"/>
+          </a:fillRef>
+          <a:effectRef idx="0">
+            <a:schemeClr val="accent1"/>
+          </a:effectRef>
+          <a:fontRef idx="minor">
+            <a:schemeClr val="lt1"/>
+          </a:fontRef>
+        </p:style>
+        <p:txBody>
+          <a:bodyPr rtlCol="0" anchor="ctr"/>
+          <a:lstStyle/>
+          <a:p>
+            <a:pPr algn="ctr"/>
+            <a:endParaRPr lang="ko-KR" altLang="en-US"/>
+          </a:p>
+        </p:txBody>
+      </p:sp>
+      <p:sp>
+        <p:nvSpPr>
+          <p:cNvPr id="10" name="TextBox 9"/>
+          <p:cNvSpPr txBox="1"/>
+          <p:nvPr/>
+        </p:nvSpPr>
+        <p:spPr>
+          <a:xfrm>
+            <a:off x="4788024" y="1988840"/>
+            <a:ext cx="1107996" cy="369332"/>
+          </a:xfrm>
+          <a:prstGeom prst="rect">
+            <a:avLst/>
+          </a:prstGeom>
+          <a:noFill/>
+        </p:spPr>
+        <p:txBody>
+          <a:bodyPr wrap="none" rtlCol="0">
+            <a:spAutoFit/>
+          </a:bodyPr>
+          <a:lstStyle/>
+          <a:p>
+            <a:r>
+              <a:rPr lang="ko-KR" altLang="en-US" dirty="0" smtClean="0"/>
+              <a:t>결사반대</a:t>
+            </a:r>
+            <a:endParaRPr lang="ko-KR" altLang="en-US" dirty="0"/>
+          </a:p>
+        </p:txBody>
+      </p:sp>
+      <p:sp>
+        <p:nvSpPr>
+          <p:cNvPr id="11" name="TextBox 10"/>
+          <p:cNvSpPr txBox="1"/>
+          <p:nvPr/>
+        </p:nvSpPr>
+        <p:spPr>
+          <a:xfrm>
+            <a:off x="6444208" y="3501008"/>
+            <a:ext cx="2088232" cy="646331"/>
+          </a:xfrm>
+          <a:prstGeom prst="rect">
+            <a:avLst/>
+          </a:prstGeom>
+          <a:noFill/>
+        </p:spPr>
+        <p:txBody>
+          <a:bodyPr wrap="square" rtlCol="0">
+            <a:spAutoFit/>
+          </a:bodyPr>
+          <a:lstStyle/>
+          <a:p>
+            <a:r>
+              <a:rPr lang="ko-KR" altLang="en-US" dirty="0" err="1" smtClean="0"/>
+              <a:t>코델리아</a:t>
+            </a:r>
+            <a:r>
+              <a:rPr lang="ko-KR" altLang="en-US" dirty="0" smtClean="0"/>
+              <a:t> 아버지</a:t>
+            </a:r>
+            <a:endParaRPr lang="en-US" altLang="ko-KR" dirty="0" smtClean="0"/>
+          </a:p>
+          <a:p>
+            <a:r>
+              <a:rPr lang="en-US" altLang="ko-KR" dirty="0" smtClean="0"/>
+              <a:t>(</a:t>
+            </a:r>
+            <a:r>
+              <a:rPr lang="ko-KR" altLang="en-US" dirty="0" err="1" smtClean="0"/>
+              <a:t>바스티안</a:t>
+            </a:r>
+            <a:r>
+              <a:rPr lang="ko-KR" altLang="en-US" dirty="0" smtClean="0"/>
+              <a:t> </a:t>
+            </a:r>
+            <a:r>
+              <a:rPr lang="ko-KR" altLang="en-US" dirty="0" smtClean="0"/>
+              <a:t>황제</a:t>
+            </a:r>
+            <a:r>
+              <a:rPr lang="en-US" altLang="ko-KR" dirty="0" smtClean="0"/>
+              <a:t>)</a:t>
+            </a:r>
+            <a:endParaRPr lang="ko-KR" altLang="en-US" dirty="0"/>
+          </a:p>
+        </p:txBody>
+      </p:sp>
+      <p:pic>
+        <p:nvPicPr>
+          <p:cNvPr id="38917" name="Picture 5" descr="C:\Users\q\AppData\Local\Microsoft\Windows\Temporary Internet Files\Content.IE5\67YGX79E\MC900345148[1].wmf"/>
+          <p:cNvPicPr>
+            <a:picLocks noChangeAspect="1" noChangeArrowheads="1"/>
+          </p:cNvPicPr>
+          <p:nvPr/>
+        </p:nvPicPr>
+        <p:blipFill>
+          <a:blip r:embed="rId5" cstate="print"/>
+          <a:srcRect/>
+          <a:stretch>
+            <a:fillRect/>
+          </a:stretch>
+        </p:blipFill>
+        <p:spPr bwMode="auto">
+          <a:xfrm>
+            <a:off x="4283968" y="4365104"/>
+            <a:ext cx="985136" cy="1992467"/>
+          </a:xfrm>
+          <a:prstGeom prst="rect">
+            <a:avLst/>
+          </a:prstGeom>
+          <a:noFill/>
+        </p:spPr>
+      </p:pic>
+      <p:sp>
+        <p:nvSpPr>
+          <p:cNvPr id="13" name="TextBox 12"/>
+          <p:cNvSpPr txBox="1"/>
+          <p:nvPr/>
+        </p:nvSpPr>
+        <p:spPr>
+          <a:xfrm>
+            <a:off x="5652120" y="5805264"/>
+            <a:ext cx="2335896" cy="646331"/>
+          </a:xfrm>
+          <a:prstGeom prst="rect">
+            <a:avLst/>
+          </a:prstGeom>
+          <a:noFill/>
+        </p:spPr>
+        <p:txBody>
+          <a:bodyPr wrap="none" rtlCol="0">
+            <a:spAutoFit/>
+          </a:bodyPr>
+          <a:lstStyle/>
+          <a:p>
+            <a:r>
+              <a:rPr lang="ko-KR" altLang="en-US" dirty="0" err="1" smtClean="0"/>
+              <a:t>니콜라스</a:t>
+            </a:r>
+            <a:endParaRPr lang="en-US" altLang="ko-KR" dirty="0" smtClean="0"/>
+          </a:p>
+          <a:p>
+            <a:r>
+              <a:rPr lang="en-US" altLang="ko-KR" dirty="0" smtClean="0"/>
+              <a:t>(</a:t>
+            </a:r>
+            <a:r>
+              <a:rPr lang="ko-KR" altLang="en-US" dirty="0" err="1" smtClean="0"/>
+              <a:t>알데바란</a:t>
+            </a:r>
+            <a:r>
+              <a:rPr lang="ko-KR" altLang="en-US" dirty="0" smtClean="0"/>
+              <a:t> 왕국 왕자</a:t>
+            </a:r>
+            <a:r>
+              <a:rPr lang="en-US" altLang="ko-KR" dirty="0" smtClean="0"/>
+              <a:t>)</a:t>
+            </a:r>
+            <a:endParaRPr lang="ko-KR" altLang="en-US" dirty="0"/>
+          </a:p>
+        </p:txBody>
+      </p:sp>
+      <p:sp>
+        <p:nvSpPr>
+          <p:cNvPr id="14" name="왼쪽 화살표 13"/>
+          <p:cNvSpPr/>
+          <p:nvPr/>
+        </p:nvSpPr>
+        <p:spPr>
+          <a:xfrm rot="19294946">
+            <a:off x="5455283" y="4614127"/>
+            <a:ext cx="1372394" cy="308143"/>
+          </a:xfrm>
+          <a:prstGeom prst="leftArrow">
+            <a:avLst/>
+          </a:prstGeom>
+          <a:ln>
+            <a:noFill/>
+          </a:ln>
+        </p:spPr>
+        <p:style>
+          <a:lnRef idx="2">
+            <a:schemeClr val="accent1">
+              <a:shade val="50000"/>
+            </a:schemeClr>
+          </a:lnRef>
+          <a:fillRef idx="1">
+            <a:schemeClr val="accent1"/>
+          </a:fillRef>
+          <a:effectRef idx="0">
+            <a:schemeClr val="accent1"/>
+          </a:effectRef>
+          <a:fontRef idx="minor">
+            <a:schemeClr val="lt1"/>
+          </a:fontRef>
+        </p:style>
+        <p:txBody>
+          <a:bodyPr rtlCol="0" anchor="ctr"/>
+          <a:lstStyle/>
+          <a:p>
+            <a:pPr algn="ctr"/>
+            <a:endParaRPr lang="ko-KR" altLang="en-US"/>
+          </a:p>
+        </p:txBody>
+      </p:sp>
+      <p:sp>
+        <p:nvSpPr>
+          <p:cNvPr id="15" name="TextBox 14"/>
+          <p:cNvSpPr txBox="1"/>
+          <p:nvPr/>
+        </p:nvSpPr>
+        <p:spPr>
+          <a:xfrm>
+            <a:off x="6372200" y="4653136"/>
+            <a:ext cx="877163" cy="369332"/>
+          </a:xfrm>
+          <a:prstGeom prst="rect">
+            <a:avLst/>
+          </a:prstGeom>
+          <a:noFill/>
+        </p:spPr>
+        <p:txBody>
+          <a:bodyPr wrap="none" rtlCol="0">
+            <a:spAutoFit/>
+          </a:bodyPr>
+          <a:lstStyle/>
+          <a:p>
+            <a:r>
+              <a:rPr lang="ko-KR" altLang="en-US" dirty="0" smtClean="0"/>
+              <a:t>우호적</a:t>
+            </a:r>
+            <a:endParaRPr lang="ko-KR" altLang="en-US" dirty="0"/>
           </a:p>
         </p:txBody>
       </p:sp>
@@ -7454,6 +8693,13 @@
   <p:transition spd="slow">
     <p:push dir="u"/>
   </p:transition>
+  <p:timing>
+    <p:tnLst>
+      <p:par>
+        <p:cTn id="1" dur="indefinite" restart="never" nodeType="tmRoot"/>
+      </p:par>
+    </p:tnLst>
+  </p:timing>
 </p:sld>
 </file>
 
@@ -7476,6 +8722,52 @@
       </p:grpSpPr>
       <p:sp>
         <p:nvSpPr>
+          <p:cNvPr id="18" name="타원 17"/>
+          <p:cNvSpPr/>
+          <p:nvPr/>
+        </p:nvSpPr>
+        <p:spPr>
+          <a:xfrm>
+            <a:off x="-1116632" y="5949280"/>
+            <a:ext cx="2664296" cy="2448272"/>
+          </a:xfrm>
+          <a:prstGeom prst="ellipse">
+            <a:avLst/>
+          </a:prstGeom>
+          <a:solidFill>
+            <a:srgbClr val="C48F1A"/>
+          </a:solidFill>
+          <a:ln>
+            <a:noFill/>
+          </a:ln>
+        </p:spPr>
+        <p:style>
+          <a:lnRef idx="2">
+            <a:schemeClr val="accent1">
+              <a:shade val="50000"/>
+            </a:schemeClr>
+          </a:lnRef>
+          <a:fillRef idx="1">
+            <a:schemeClr val="accent1"/>
+          </a:fillRef>
+          <a:effectRef idx="0">
+            <a:schemeClr val="accent1"/>
+          </a:effectRef>
+          <a:fontRef idx="minor">
+            <a:schemeClr val="lt1"/>
+          </a:fontRef>
+        </p:style>
+        <p:txBody>
+          <a:bodyPr rtlCol="0" anchor="ctr"/>
+          <a:lstStyle/>
+          <a:p>
+            <a:pPr algn="ctr"/>
+            <a:endParaRPr lang="ko-KR" altLang="en-US"/>
+          </a:p>
+        </p:txBody>
+      </p:sp>
+      <p:sp>
+        <p:nvSpPr>
           <p:cNvPr id="4" name="슬라이드 번호 개체 틀 3"/>
           <p:cNvSpPr>
             <a:spLocks noGrp="1"/>
@@ -7507,7 +8799,7 @@
         <p:spPr>
           <a:xfrm>
             <a:off x="359869" y="332656"/>
-            <a:ext cx="3640740" cy="646331"/>
+            <a:ext cx="6487673" cy="646331"/>
           </a:xfrm>
           <a:prstGeom prst="rect">
             <a:avLst/>
@@ -7537,7 +8829,7 @@
                 <a:latin typeface="-윤고딕330" pitchFamily="18" charset="-127"/>
                 <a:ea typeface="-윤고딕330" pitchFamily="18" charset="-127"/>
               </a:rPr>
-              <a:t>1.3 </a:t>
+              <a:t>4. </a:t>
             </a:r>
             <a:r>
               <a:rPr lang="ko-KR" altLang="en-US" sz="3600" dirty="0" smtClean="0">
@@ -7556,7 +8848,64 @@
                 <a:latin typeface="-윤고딕330" pitchFamily="18" charset="-127"/>
                 <a:ea typeface="-윤고딕330" pitchFamily="18" charset="-127"/>
               </a:rPr>
-              <a:t>소재 및 배경</a:t>
+              <a:t>게임 시나리오 </a:t>
+            </a:r>
+            <a:r>
+              <a:rPr lang="en-US" altLang="ko-KR" sz="3600" dirty="0" smtClean="0">
+                <a:ln>
+                  <a:solidFill>
+                    <a:schemeClr val="bg1">
+                      <a:alpha val="0"/>
+                    </a:schemeClr>
+                  </a:solidFill>
+                </a:ln>
+                <a:solidFill>
+                  <a:schemeClr val="accent6">
+                    <a:lumMod val="50000"/>
+                  </a:schemeClr>
+                </a:solidFill>
+                <a:latin typeface="-윤고딕330" pitchFamily="18" charset="-127"/>
+                <a:ea typeface="-윤고딕330" pitchFamily="18" charset="-127"/>
+              </a:rPr>
+              <a:t>– </a:t>
+            </a:r>
+            <a:r>
+              <a:rPr lang="ko-KR" altLang="en-US" sz="3600" dirty="0" smtClean="0">
+                <a:ln>
+                  <a:solidFill>
+                    <a:schemeClr val="bg1">
+                      <a:alpha val="0"/>
+                    </a:schemeClr>
+                  </a:solidFill>
+                </a:ln>
+                <a:solidFill>
+                  <a:schemeClr val="accent6">
+                    <a:lumMod val="50000"/>
+                  </a:schemeClr>
+                </a:solidFill>
+                <a:latin typeface="-윤고딕330" pitchFamily="18" charset="-127"/>
+                <a:ea typeface="-윤고딕330" pitchFamily="18" charset="-127"/>
+              </a:rPr>
+              <a:t>에피소드 </a:t>
+            </a:r>
+            <a:r>
+              <a:rPr lang="en-US" altLang="ko-KR" sz="3600" dirty="0" smtClean="0">
+                <a:ln>
+                  <a:solidFill>
+                    <a:schemeClr val="bg1">
+                      <a:alpha val="0"/>
+                    </a:schemeClr>
+                  </a:solidFill>
+                </a:ln>
+                <a:solidFill>
+                  <a:schemeClr val="accent6">
+                    <a:lumMod val="50000"/>
+                  </a:schemeClr>
+                </a:solidFill>
+                <a:latin typeface="-윤고딕330" pitchFamily="18" charset="-127"/>
+                <a:ea typeface="-윤고딕330" pitchFamily="18" charset="-127"/>
+              </a:rPr>
+              <a:t>0</a:t>
             </a:r>
             <a:endParaRPr lang="ko-KR" altLang="en-US" sz="2000" dirty="0">
               <a:ln>
@@ -7574,6 +8923,577 @@
               <a:latin typeface="-윤고딕330" pitchFamily="18" charset="-127"/>
               <a:ea typeface="-윤고딕330" pitchFamily="18" charset="-127"/>
             </a:endParaRPr>
+          </a:p>
+        </p:txBody>
+      </p:sp>
+      <p:pic>
+        <p:nvPicPr>
+          <p:cNvPr id="38914" name="Picture 2" descr="C:\Users\q\AppData\Local\Microsoft\Windows\Temporary Internet Files\Content.IE5\3HYN6C72\MC900361660[1].wmf"/>
+          <p:cNvPicPr>
+            <a:picLocks noChangeAspect="1" noChangeArrowheads="1"/>
+          </p:cNvPicPr>
+          <p:nvPr/>
+        </p:nvPicPr>
+        <p:blipFill>
+          <a:blip r:embed="rId2" cstate="print"/>
+          <a:srcRect/>
+          <a:stretch>
+            <a:fillRect/>
+          </a:stretch>
+        </p:blipFill>
+        <p:spPr bwMode="auto">
+          <a:xfrm>
+            <a:off x="3347864" y="2212610"/>
+            <a:ext cx="1330452" cy="1864462"/>
+          </a:xfrm>
+          <a:prstGeom prst="rect">
+            <a:avLst/>
+          </a:prstGeom>
+          <a:noFill/>
+        </p:spPr>
+      </p:pic>
+      <p:pic>
+        <p:nvPicPr>
+          <p:cNvPr id="38915" name="Picture 3" descr="C:\Users\q\AppData\Local\Microsoft\Windows\Temporary Internet Files\Content.IE5\3HYN6C72\MC900361658[1].wmf"/>
+          <p:cNvPicPr>
+            <a:picLocks noChangeAspect="1" noChangeArrowheads="1"/>
+          </p:cNvPicPr>
+          <p:nvPr/>
+        </p:nvPicPr>
+        <p:blipFill>
+          <a:blip r:embed="rId3" cstate="print"/>
+          <a:srcRect/>
+          <a:stretch>
+            <a:fillRect/>
+          </a:stretch>
+        </p:blipFill>
+        <p:spPr bwMode="auto">
+          <a:xfrm>
+            <a:off x="323528" y="5517232"/>
+            <a:ext cx="803758" cy="1008112"/>
+          </a:xfrm>
+          <a:prstGeom prst="rect">
+            <a:avLst/>
+          </a:prstGeom>
+          <a:noFill/>
+        </p:spPr>
+      </p:pic>
+      <p:pic>
+        <p:nvPicPr>
+          <p:cNvPr id="38916" name="Picture 4" descr="C:\Users\q\AppData\Local\Microsoft\Windows\Temporary Internet Files\Content.IE5\3HYN6C72\MC900426380[1].wmf"/>
+          <p:cNvPicPr>
+            <a:picLocks noChangeAspect="1" noChangeArrowheads="1"/>
+          </p:cNvPicPr>
+          <p:nvPr/>
+        </p:nvPicPr>
+        <p:blipFill>
+          <a:blip r:embed="rId4" cstate="print"/>
+          <a:srcRect/>
+          <a:stretch>
+            <a:fillRect/>
+          </a:stretch>
+        </p:blipFill>
+        <p:spPr bwMode="auto">
+          <a:xfrm>
+            <a:off x="6804248" y="1556792"/>
+            <a:ext cx="1264615" cy="1829714"/>
+          </a:xfrm>
+          <a:prstGeom prst="rect">
+            <a:avLst/>
+          </a:prstGeom>
+          <a:noFill/>
+        </p:spPr>
+      </p:pic>
+      <p:sp>
+        <p:nvSpPr>
+          <p:cNvPr id="7" name="하트 6"/>
+          <p:cNvSpPr/>
+          <p:nvPr/>
+        </p:nvSpPr>
+        <p:spPr>
+          <a:xfrm>
+            <a:off x="5364088" y="2060848"/>
+            <a:ext cx="648072" cy="576064"/>
+          </a:xfrm>
+          <a:prstGeom prst="heart">
+            <a:avLst/>
+          </a:prstGeom>
+          <a:solidFill>
+            <a:srgbClr val="FF0000"/>
+          </a:solidFill>
+          <a:ln>
+            <a:noFill/>
+          </a:ln>
+        </p:spPr>
+        <p:style>
+          <a:lnRef idx="2">
+            <a:schemeClr val="accent1">
+              <a:shade val="50000"/>
+            </a:schemeClr>
+          </a:lnRef>
+          <a:fillRef idx="1">
+            <a:schemeClr val="accent1"/>
+          </a:fillRef>
+          <a:effectRef idx="0">
+            <a:schemeClr val="accent1"/>
+          </a:effectRef>
+          <a:fontRef idx="minor">
+            <a:schemeClr val="lt1"/>
+          </a:fontRef>
+        </p:style>
+        <p:txBody>
+          <a:bodyPr rtlCol="0" anchor="ctr"/>
+          <a:lstStyle/>
+          <a:p>
+            <a:pPr algn="ctr"/>
+            <a:endParaRPr lang="ko-KR" altLang="en-US"/>
+          </a:p>
+        </p:txBody>
+      </p:sp>
+      <p:sp>
+        <p:nvSpPr>
+          <p:cNvPr id="9" name="왼쪽 화살표 8"/>
+          <p:cNvSpPr/>
+          <p:nvPr/>
+        </p:nvSpPr>
+        <p:spPr>
+          <a:xfrm>
+            <a:off x="4716016" y="2636912"/>
+            <a:ext cx="1872208" cy="288032"/>
+          </a:xfrm>
+          <a:prstGeom prst="leftArrow">
+            <a:avLst/>
+          </a:prstGeom>
+          <a:ln>
+            <a:noFill/>
+          </a:ln>
+        </p:spPr>
+        <p:style>
+          <a:lnRef idx="2">
+            <a:schemeClr val="accent1">
+              <a:shade val="50000"/>
+            </a:schemeClr>
+          </a:lnRef>
+          <a:fillRef idx="1">
+            <a:schemeClr val="accent1"/>
+          </a:fillRef>
+          <a:effectRef idx="0">
+            <a:schemeClr val="accent1"/>
+          </a:effectRef>
+          <a:fontRef idx="minor">
+            <a:schemeClr val="lt1"/>
+          </a:fontRef>
+        </p:style>
+        <p:txBody>
+          <a:bodyPr rtlCol="0" anchor="ctr"/>
+          <a:lstStyle/>
+          <a:p>
+            <a:pPr algn="ctr"/>
+            <a:endParaRPr lang="ko-KR" altLang="en-US"/>
+          </a:p>
+        </p:txBody>
+      </p:sp>
+      <p:sp>
+        <p:nvSpPr>
+          <p:cNvPr id="11" name="TextBox 10"/>
+          <p:cNvSpPr txBox="1"/>
+          <p:nvPr/>
+        </p:nvSpPr>
+        <p:spPr>
+          <a:xfrm>
+            <a:off x="6444208" y="3501008"/>
+            <a:ext cx="2088232" cy="646331"/>
+          </a:xfrm>
+          <a:prstGeom prst="rect">
+            <a:avLst/>
+          </a:prstGeom>
+          <a:noFill/>
+        </p:spPr>
+        <p:txBody>
+          <a:bodyPr wrap="square" rtlCol="0">
+            <a:spAutoFit/>
+          </a:bodyPr>
+          <a:lstStyle/>
+          <a:p>
+            <a:r>
+              <a:rPr lang="ko-KR" altLang="en-US" dirty="0" err="1" smtClean="0"/>
+              <a:t>코델리아</a:t>
+            </a:r>
+            <a:r>
+              <a:rPr lang="ko-KR" altLang="en-US" dirty="0" smtClean="0"/>
+              <a:t> 아버지</a:t>
+            </a:r>
+            <a:endParaRPr lang="en-US" altLang="ko-KR" dirty="0" smtClean="0"/>
+          </a:p>
+          <a:p>
+            <a:r>
+              <a:rPr lang="en-US" altLang="ko-KR" dirty="0" smtClean="0"/>
+              <a:t>(</a:t>
+            </a:r>
+            <a:r>
+              <a:rPr lang="ko-KR" altLang="en-US" dirty="0" err="1" smtClean="0"/>
+              <a:t>바스티안</a:t>
+            </a:r>
+            <a:r>
+              <a:rPr lang="ko-KR" altLang="en-US" dirty="0" smtClean="0"/>
+              <a:t> </a:t>
+            </a:r>
+            <a:r>
+              <a:rPr lang="ko-KR" altLang="en-US" dirty="0" smtClean="0"/>
+              <a:t>황제</a:t>
+            </a:r>
+            <a:r>
+              <a:rPr lang="en-US" altLang="ko-KR" dirty="0" smtClean="0"/>
+              <a:t>)</a:t>
+            </a:r>
+            <a:endParaRPr lang="ko-KR" altLang="en-US" dirty="0"/>
+          </a:p>
+        </p:txBody>
+      </p:sp>
+      <p:pic>
+        <p:nvPicPr>
+          <p:cNvPr id="38917" name="Picture 5" descr="C:\Users\q\AppData\Local\Microsoft\Windows\Temporary Internet Files\Content.IE5\67YGX79E\MC900345148[1].wmf"/>
+          <p:cNvPicPr>
+            <a:picLocks noChangeAspect="1" noChangeArrowheads="1"/>
+          </p:cNvPicPr>
+          <p:nvPr/>
+        </p:nvPicPr>
+        <p:blipFill>
+          <a:blip r:embed="rId5" cstate="print"/>
+          <a:srcRect/>
+          <a:stretch>
+            <a:fillRect/>
+          </a:stretch>
+        </p:blipFill>
+        <p:spPr bwMode="auto">
+          <a:xfrm flipH="1">
+            <a:off x="2051720" y="2084605"/>
+            <a:ext cx="985136" cy="1992467"/>
+          </a:xfrm>
+          <a:prstGeom prst="rect">
+            <a:avLst/>
+          </a:prstGeom>
+          <a:noFill/>
+        </p:spPr>
+      </p:pic>
+      <p:sp>
+        <p:nvSpPr>
+          <p:cNvPr id="13" name="TextBox 12"/>
+          <p:cNvSpPr txBox="1"/>
+          <p:nvPr/>
+        </p:nvSpPr>
+        <p:spPr>
+          <a:xfrm>
+            <a:off x="1043608" y="1268760"/>
+            <a:ext cx="2335896" cy="646331"/>
+          </a:xfrm>
+          <a:prstGeom prst="rect">
+            <a:avLst/>
+          </a:prstGeom>
+          <a:noFill/>
+        </p:spPr>
+        <p:txBody>
+          <a:bodyPr wrap="none" rtlCol="0">
+            <a:spAutoFit/>
+          </a:bodyPr>
+          <a:lstStyle/>
+          <a:p>
+            <a:r>
+              <a:rPr lang="ko-KR" altLang="en-US" dirty="0" err="1" smtClean="0"/>
+              <a:t>니콜라스</a:t>
+            </a:r>
+            <a:endParaRPr lang="en-US" altLang="ko-KR" dirty="0" smtClean="0"/>
+          </a:p>
+          <a:p>
+            <a:r>
+              <a:rPr lang="en-US" altLang="ko-KR" dirty="0" smtClean="0"/>
+              <a:t>(</a:t>
+            </a:r>
+            <a:r>
+              <a:rPr lang="ko-KR" altLang="en-US" dirty="0" err="1" smtClean="0"/>
+              <a:t>알데바란</a:t>
+            </a:r>
+            <a:r>
+              <a:rPr lang="ko-KR" altLang="en-US" dirty="0" smtClean="0"/>
+              <a:t> 왕국 왕자</a:t>
+            </a:r>
+            <a:r>
+              <a:rPr lang="en-US" altLang="ko-KR" dirty="0" smtClean="0"/>
+              <a:t>)</a:t>
+            </a:r>
+            <a:endParaRPr lang="ko-KR" altLang="en-US" dirty="0"/>
+          </a:p>
+        </p:txBody>
+      </p:sp>
+      <p:sp>
+        <p:nvSpPr>
+          <p:cNvPr id="14" name="왼쪽 화살표 13"/>
+          <p:cNvSpPr/>
+          <p:nvPr/>
+        </p:nvSpPr>
+        <p:spPr>
+          <a:xfrm rot="18397709">
+            <a:off x="790924" y="4724556"/>
+            <a:ext cx="1513477" cy="310463"/>
+          </a:xfrm>
+          <a:prstGeom prst="leftArrow">
+            <a:avLst/>
+          </a:prstGeom>
+          <a:ln>
+            <a:noFill/>
+          </a:ln>
+        </p:spPr>
+        <p:style>
+          <a:lnRef idx="2">
+            <a:schemeClr val="accent1">
+              <a:shade val="50000"/>
+            </a:schemeClr>
+          </a:lnRef>
+          <a:fillRef idx="1">
+            <a:schemeClr val="accent1"/>
+          </a:fillRef>
+          <a:effectRef idx="0">
+            <a:schemeClr val="accent1"/>
+          </a:effectRef>
+          <a:fontRef idx="minor">
+            <a:schemeClr val="lt1"/>
+          </a:fontRef>
+        </p:style>
+        <p:txBody>
+          <a:bodyPr rtlCol="0" anchor="ctr"/>
+          <a:lstStyle/>
+          <a:p>
+            <a:pPr algn="ctr"/>
+            <a:endParaRPr lang="ko-KR" altLang="en-US"/>
+          </a:p>
+        </p:txBody>
+      </p:sp>
+      <p:sp>
+        <p:nvSpPr>
+          <p:cNvPr id="16" name="TextBox 15"/>
+          <p:cNvSpPr txBox="1"/>
+          <p:nvPr/>
+        </p:nvSpPr>
+        <p:spPr>
+          <a:xfrm>
+            <a:off x="5038435" y="2996952"/>
+            <a:ext cx="1189749" cy="369332"/>
+          </a:xfrm>
+          <a:prstGeom prst="rect">
+            <a:avLst/>
+          </a:prstGeom>
+          <a:noFill/>
+        </p:spPr>
+        <p:txBody>
+          <a:bodyPr wrap="none" rtlCol="0">
+            <a:spAutoFit/>
+          </a:bodyPr>
+          <a:lstStyle/>
+          <a:p>
+            <a:r>
+              <a:rPr lang="ko-KR" altLang="en-US" dirty="0" smtClean="0"/>
+              <a:t>정략 결혼</a:t>
+            </a:r>
+            <a:endParaRPr lang="ko-KR" altLang="en-US" dirty="0"/>
+          </a:p>
+        </p:txBody>
+      </p:sp>
+      <p:sp>
+        <p:nvSpPr>
+          <p:cNvPr id="17" name="TextBox 16"/>
+          <p:cNvSpPr txBox="1"/>
+          <p:nvPr/>
+        </p:nvSpPr>
+        <p:spPr>
+          <a:xfrm>
+            <a:off x="1763688" y="4870901"/>
+            <a:ext cx="3430747" cy="646331"/>
+          </a:xfrm>
+          <a:prstGeom prst="rect">
+            <a:avLst/>
+          </a:prstGeom>
+          <a:noFill/>
+        </p:spPr>
+        <p:txBody>
+          <a:bodyPr wrap="none" rtlCol="0">
+            <a:spAutoFit/>
+          </a:bodyPr>
+          <a:lstStyle/>
+          <a:p>
+            <a:r>
+              <a:rPr lang="ko-KR" altLang="en-US" dirty="0" err="1" smtClean="0"/>
+              <a:t>애노미티</a:t>
+            </a:r>
+            <a:r>
+              <a:rPr lang="ko-KR" altLang="en-US" dirty="0" smtClean="0"/>
+              <a:t> 공화국 멸망시킴</a:t>
+            </a:r>
+            <a:endParaRPr lang="en-US" altLang="ko-KR" dirty="0" smtClean="0"/>
+          </a:p>
+          <a:p>
+            <a:r>
+              <a:rPr lang="ko-KR" altLang="en-US" dirty="0" err="1" smtClean="0"/>
+              <a:t>아드리안은</a:t>
+            </a:r>
+            <a:r>
+              <a:rPr lang="ko-KR" altLang="en-US" dirty="0" smtClean="0"/>
+              <a:t> </a:t>
+            </a:r>
+            <a:r>
+              <a:rPr lang="ko-KR" altLang="en-US" dirty="0" err="1" smtClean="0"/>
+              <a:t>토투가</a:t>
+            </a:r>
+            <a:r>
+              <a:rPr lang="ko-KR" altLang="en-US" dirty="0" smtClean="0"/>
+              <a:t> 섬으로 피신</a:t>
+            </a:r>
+            <a:endParaRPr lang="ko-KR" altLang="en-US" dirty="0"/>
+          </a:p>
+        </p:txBody>
+      </p:sp>
+      <p:sp>
+        <p:nvSpPr>
+          <p:cNvPr id="19" name="TextBox 18"/>
+          <p:cNvSpPr txBox="1"/>
+          <p:nvPr/>
+        </p:nvSpPr>
+        <p:spPr>
+          <a:xfrm>
+            <a:off x="3347864" y="4149080"/>
+            <a:ext cx="3340979" cy="369332"/>
+          </a:xfrm>
+          <a:prstGeom prst="rect">
+            <a:avLst/>
+          </a:prstGeom>
+          <a:noFill/>
+        </p:spPr>
+        <p:txBody>
+          <a:bodyPr wrap="none" rtlCol="0">
+            <a:spAutoFit/>
+          </a:bodyPr>
+          <a:lstStyle/>
+          <a:p>
+            <a:r>
+              <a:rPr lang="ko-KR" altLang="en-US" dirty="0" err="1" smtClean="0"/>
+              <a:t>코델리아</a:t>
+            </a:r>
+            <a:r>
+              <a:rPr lang="ko-KR" altLang="en-US" dirty="0" smtClean="0"/>
+              <a:t> </a:t>
+            </a:r>
+            <a:r>
+              <a:rPr lang="en-US" altLang="ko-KR" dirty="0" smtClean="0"/>
+              <a:t>(</a:t>
+            </a:r>
+            <a:r>
+              <a:rPr lang="ko-KR" altLang="en-US" dirty="0" err="1" smtClean="0"/>
+              <a:t>바스티아</a:t>
+            </a:r>
+            <a:r>
+              <a:rPr lang="ko-KR" altLang="en-US" dirty="0" smtClean="0"/>
+              <a:t> 제국 황녀</a:t>
+            </a:r>
+            <a:r>
+              <a:rPr lang="en-US" altLang="ko-KR" dirty="0" smtClean="0"/>
+              <a:t>)</a:t>
+            </a:r>
+            <a:endParaRPr lang="ko-KR" altLang="en-US" dirty="0"/>
+          </a:p>
+        </p:txBody>
+      </p:sp>
+      <p:sp>
+        <p:nvSpPr>
+          <p:cNvPr id="20" name="TextBox 19"/>
+          <p:cNvSpPr txBox="1"/>
+          <p:nvPr/>
+        </p:nvSpPr>
+        <p:spPr>
+          <a:xfrm>
+            <a:off x="1835696" y="6309320"/>
+            <a:ext cx="72008" cy="369332"/>
+          </a:xfrm>
+          <a:prstGeom prst="rect">
+            <a:avLst/>
+          </a:prstGeom>
+          <a:noFill/>
+        </p:spPr>
+        <p:txBody>
+          <a:bodyPr wrap="square" rtlCol="0">
+            <a:spAutoFit/>
+          </a:bodyPr>
+          <a:lstStyle/>
+          <a:p>
+            <a:endParaRPr lang="ko-KR" altLang="en-US" dirty="0"/>
+          </a:p>
+        </p:txBody>
+      </p:sp>
+      <p:sp>
+        <p:nvSpPr>
+          <p:cNvPr id="21" name="TextBox 20"/>
+          <p:cNvSpPr txBox="1"/>
+          <p:nvPr/>
+        </p:nvSpPr>
+        <p:spPr>
+          <a:xfrm>
+            <a:off x="1691680" y="6165304"/>
+            <a:ext cx="6652783" cy="369332"/>
+          </a:xfrm>
+          <a:prstGeom prst="rect">
+            <a:avLst/>
+          </a:prstGeom>
+          <a:noFill/>
+        </p:spPr>
+        <p:txBody>
+          <a:bodyPr wrap="none" rtlCol="0">
+            <a:spAutoFit/>
+          </a:bodyPr>
+          <a:lstStyle/>
+          <a:p>
+            <a:r>
+              <a:rPr lang="ko-KR" altLang="en-US" dirty="0" err="1" smtClean="0"/>
+              <a:t>아드리안</a:t>
+            </a:r>
+            <a:r>
+              <a:rPr lang="ko-KR" altLang="en-US" dirty="0" smtClean="0"/>
+              <a:t> </a:t>
+            </a:r>
+            <a:r>
+              <a:rPr lang="en-US" altLang="ko-KR" dirty="0" smtClean="0"/>
+              <a:t>(</a:t>
+            </a:r>
+            <a:r>
+              <a:rPr lang="ko-KR" altLang="en-US" dirty="0" smtClean="0"/>
+              <a:t>전 </a:t>
+            </a:r>
+            <a:r>
+              <a:rPr lang="ko-KR" altLang="en-US" dirty="0" err="1" smtClean="0"/>
+              <a:t>애노미티</a:t>
+            </a:r>
+            <a:r>
+              <a:rPr lang="ko-KR" altLang="en-US" dirty="0" smtClean="0"/>
+              <a:t> 공화국 왕자</a:t>
+            </a:r>
+            <a:r>
+              <a:rPr lang="en-US" altLang="ko-KR" dirty="0" smtClean="0"/>
+              <a:t>, </a:t>
+            </a:r>
+            <a:r>
+              <a:rPr lang="ko-KR" altLang="en-US" dirty="0" smtClean="0"/>
+              <a:t>현재는 </a:t>
+            </a:r>
+            <a:r>
+              <a:rPr lang="ko-KR" altLang="en-US" dirty="0" err="1" smtClean="0"/>
+              <a:t>토투가</a:t>
+            </a:r>
+            <a:r>
+              <a:rPr lang="ko-KR" altLang="en-US" dirty="0" smtClean="0"/>
+              <a:t> 섬 피신 중</a:t>
+            </a:r>
+            <a:r>
+              <a:rPr lang="en-US" altLang="ko-KR" dirty="0" smtClean="0"/>
+              <a:t>)</a:t>
+            </a:r>
+            <a:endParaRPr lang="ko-KR" altLang="en-US" dirty="0"/>
           </a:p>
         </p:txBody>
       </p:sp>
@@ -7585,6 +9505,13 @@
   <p:transition spd="slow">
     <p:push dir="u"/>
   </p:transition>
+  <p:timing>
+    <p:tnLst>
+      <p:par>
+        <p:cTn id="1" dur="indefinite" restart="never" nodeType="tmRoot"/>
+      </p:par>
+    </p:tnLst>
+  </p:timing>
 </p:sld>
 </file>
 
@@ -7607,6 +9534,52 @@
       </p:grpSpPr>
       <p:sp>
         <p:nvSpPr>
+          <p:cNvPr id="18" name="타원 17"/>
+          <p:cNvSpPr/>
+          <p:nvPr/>
+        </p:nvSpPr>
+        <p:spPr>
+          <a:xfrm>
+            <a:off x="-1620688" y="5589240"/>
+            <a:ext cx="4536504" cy="3600400"/>
+          </a:xfrm>
+          <a:prstGeom prst="ellipse">
+            <a:avLst/>
+          </a:prstGeom>
+          <a:solidFill>
+            <a:srgbClr val="C48F1A"/>
+          </a:solidFill>
+          <a:ln>
+            <a:noFill/>
+          </a:ln>
+        </p:spPr>
+        <p:style>
+          <a:lnRef idx="2">
+            <a:schemeClr val="accent1">
+              <a:shade val="50000"/>
+            </a:schemeClr>
+          </a:lnRef>
+          <a:fillRef idx="1">
+            <a:schemeClr val="accent1"/>
+          </a:fillRef>
+          <a:effectRef idx="0">
+            <a:schemeClr val="accent1"/>
+          </a:effectRef>
+          <a:fontRef idx="minor">
+            <a:schemeClr val="lt1"/>
+          </a:fontRef>
+        </p:style>
+        <p:txBody>
+          <a:bodyPr rtlCol="0" anchor="ctr"/>
+          <a:lstStyle/>
+          <a:p>
+            <a:pPr algn="ctr"/>
+            <a:endParaRPr lang="ko-KR" altLang="en-US"/>
+          </a:p>
+        </p:txBody>
+      </p:sp>
+      <p:sp>
+        <p:nvSpPr>
           <p:cNvPr id="4" name="슬라이드 번호 개체 틀 3"/>
           <p:cNvSpPr>
             <a:spLocks noGrp="1"/>
@@ -7638,7 +9611,7 @@
         <p:spPr>
           <a:xfrm>
             <a:off x="359869" y="332656"/>
-            <a:ext cx="3640740" cy="646331"/>
+            <a:ext cx="6487673" cy="646331"/>
           </a:xfrm>
           <a:prstGeom prst="rect">
             <a:avLst/>
@@ -7668,7 +9641,7 @@
                 <a:latin typeface="-윤고딕330" pitchFamily="18" charset="-127"/>
                 <a:ea typeface="-윤고딕330" pitchFamily="18" charset="-127"/>
               </a:rPr>
-              <a:t>1.3 </a:t>
+              <a:t>4. </a:t>
             </a:r>
             <a:r>
               <a:rPr lang="ko-KR" altLang="en-US" sz="3600" dirty="0" smtClean="0">
@@ -7687,7 +9660,64 @@
                 <a:latin typeface="-윤고딕330" pitchFamily="18" charset="-127"/>
                 <a:ea typeface="-윤고딕330" pitchFamily="18" charset="-127"/>
               </a:rPr>
-              <a:t>소재 및 배경</a:t>
+              <a:t>게임 시나리오 </a:t>
+            </a:r>
+            <a:r>
+              <a:rPr lang="en-US" altLang="ko-KR" sz="3600" dirty="0" smtClean="0">
+                <a:ln>
+                  <a:solidFill>
+                    <a:schemeClr val="bg1">
+                      <a:alpha val="0"/>
+                    </a:schemeClr>
+                  </a:solidFill>
+                </a:ln>
+                <a:solidFill>
+                  <a:schemeClr val="accent6">
+                    <a:lumMod val="50000"/>
+                  </a:schemeClr>
+                </a:solidFill>
+                <a:latin typeface="-윤고딕330" pitchFamily="18" charset="-127"/>
+                <a:ea typeface="-윤고딕330" pitchFamily="18" charset="-127"/>
+              </a:rPr>
+              <a:t>– </a:t>
+            </a:r>
+            <a:r>
+              <a:rPr lang="ko-KR" altLang="en-US" sz="3600" dirty="0" smtClean="0">
+                <a:ln>
+                  <a:solidFill>
+                    <a:schemeClr val="bg1">
+                      <a:alpha val="0"/>
+                    </a:schemeClr>
+                  </a:solidFill>
+                </a:ln>
+                <a:solidFill>
+                  <a:schemeClr val="accent6">
+                    <a:lumMod val="50000"/>
+                  </a:schemeClr>
+                </a:solidFill>
+                <a:latin typeface="-윤고딕330" pitchFamily="18" charset="-127"/>
+                <a:ea typeface="-윤고딕330" pitchFamily="18" charset="-127"/>
+              </a:rPr>
+              <a:t>에피소드 </a:t>
+            </a:r>
+            <a:r>
+              <a:rPr lang="en-US" altLang="ko-KR" sz="3600" dirty="0" smtClean="0">
+                <a:ln>
+                  <a:solidFill>
+                    <a:schemeClr val="bg1">
+                      <a:alpha val="0"/>
+                    </a:schemeClr>
+                  </a:solidFill>
+                </a:ln>
+                <a:solidFill>
+                  <a:schemeClr val="accent6">
+                    <a:lumMod val="50000"/>
+                  </a:schemeClr>
+                </a:solidFill>
+                <a:latin typeface="-윤고딕330" pitchFamily="18" charset="-127"/>
+                <a:ea typeface="-윤고딕330" pitchFamily="18" charset="-127"/>
+              </a:rPr>
+              <a:t>0</a:t>
             </a:r>
             <a:endParaRPr lang="ko-KR" altLang="en-US" sz="2000" dirty="0">
               <a:ln>
@@ -7704,6 +9734,362 @@
               </a:solidFill>
               <a:latin typeface="-윤고딕330" pitchFamily="18" charset="-127"/>
               <a:ea typeface="-윤고딕330" pitchFamily="18" charset="-127"/>
+            </a:endParaRPr>
+          </a:p>
+        </p:txBody>
+      </p:sp>
+      <p:pic>
+        <p:nvPicPr>
+          <p:cNvPr id="38914" name="Picture 2" descr="C:\Users\q\AppData\Local\Microsoft\Windows\Temporary Internet Files\Content.IE5\3HYN6C72\MC900361660[1].wmf"/>
+          <p:cNvPicPr>
+            <a:picLocks noChangeAspect="1" noChangeArrowheads="1"/>
+          </p:cNvPicPr>
+          <p:nvPr/>
+        </p:nvPicPr>
+        <p:blipFill>
+          <a:blip r:embed="rId3" cstate="print"/>
+          <a:srcRect/>
+          <a:stretch>
+            <a:fillRect/>
+          </a:stretch>
+        </p:blipFill>
+        <p:spPr bwMode="auto">
+          <a:xfrm>
+            <a:off x="7596336" y="1636546"/>
+            <a:ext cx="1330452" cy="1864462"/>
+          </a:xfrm>
+          <a:prstGeom prst="rect">
+            <a:avLst/>
+          </a:prstGeom>
+          <a:noFill/>
+        </p:spPr>
+      </p:pic>
+      <p:pic>
+        <p:nvPicPr>
+          <p:cNvPr id="38915" name="Picture 3" descr="C:\Users\q\AppData\Local\Microsoft\Windows\Temporary Internet Files\Content.IE5\3HYN6C72\MC900361658[1].wmf"/>
+          <p:cNvPicPr>
+            <a:picLocks noChangeAspect="1" noChangeArrowheads="1"/>
+          </p:cNvPicPr>
+          <p:nvPr/>
+        </p:nvPicPr>
+        <p:blipFill>
+          <a:blip r:embed="rId4" cstate="print"/>
+          <a:srcRect/>
+          <a:stretch>
+            <a:fillRect/>
+          </a:stretch>
+        </p:blipFill>
+        <p:spPr bwMode="auto">
+          <a:xfrm>
+            <a:off x="251520" y="2708920"/>
+            <a:ext cx="3096344" cy="3883584"/>
+          </a:xfrm>
+          <a:prstGeom prst="rect">
+            <a:avLst/>
+          </a:prstGeom>
+          <a:noFill/>
+        </p:spPr>
+      </p:pic>
+      <p:sp>
+        <p:nvSpPr>
+          <p:cNvPr id="9" name="왼쪽 화살표 8"/>
+          <p:cNvSpPr/>
+          <p:nvPr/>
+        </p:nvSpPr>
+        <p:spPr>
+          <a:xfrm rot="9685460">
+            <a:off x="3136564" y="3306291"/>
+            <a:ext cx="3046648" cy="328498"/>
+          </a:xfrm>
+          <a:prstGeom prst="leftArrow">
+            <a:avLst/>
+          </a:prstGeom>
+          <a:ln>
+            <a:noFill/>
+          </a:ln>
+        </p:spPr>
+        <p:style>
+          <a:lnRef idx="2">
+            <a:schemeClr val="accent1">
+              <a:shade val="50000"/>
+            </a:schemeClr>
+          </a:lnRef>
+          <a:fillRef idx="1">
+            <a:schemeClr val="accent1"/>
+          </a:fillRef>
+          <a:effectRef idx="0">
+            <a:schemeClr val="accent1"/>
+          </a:effectRef>
+          <a:fontRef idx="minor">
+            <a:schemeClr val="lt1"/>
+          </a:fontRef>
+        </p:style>
+        <p:txBody>
+          <a:bodyPr rtlCol="0" anchor="ctr"/>
+          <a:lstStyle/>
+          <a:p>
+            <a:pPr algn="ctr"/>
+            <a:endParaRPr lang="ko-KR" altLang="en-US"/>
+          </a:p>
+        </p:txBody>
+      </p:sp>
+      <p:pic>
+        <p:nvPicPr>
+          <p:cNvPr id="38917" name="Picture 5" descr="C:\Users\q\AppData\Local\Microsoft\Windows\Temporary Internet Files\Content.IE5\67YGX79E\MC900345148[1].wmf"/>
+          <p:cNvPicPr>
+            <a:picLocks noChangeAspect="1" noChangeArrowheads="1"/>
+          </p:cNvPicPr>
+          <p:nvPr/>
+        </p:nvPicPr>
+        <p:blipFill>
+          <a:blip r:embed="rId5" cstate="print"/>
+          <a:srcRect/>
+          <a:stretch>
+            <a:fillRect/>
+          </a:stretch>
+        </p:blipFill>
+        <p:spPr bwMode="auto">
+          <a:xfrm flipH="1">
+            <a:off x="6516216" y="1412776"/>
+            <a:ext cx="985136" cy="1992467"/>
+          </a:xfrm>
+          <a:prstGeom prst="rect">
+            <a:avLst/>
+          </a:prstGeom>
+          <a:noFill/>
+        </p:spPr>
+      </p:pic>
+      <p:sp>
+        <p:nvSpPr>
+          <p:cNvPr id="20" name="TextBox 19"/>
+          <p:cNvSpPr txBox="1"/>
+          <p:nvPr/>
+        </p:nvSpPr>
+        <p:spPr>
+          <a:xfrm>
+            <a:off x="1835696" y="6309320"/>
+            <a:ext cx="72008" cy="369332"/>
+          </a:xfrm>
+          <a:prstGeom prst="rect">
+            <a:avLst/>
+          </a:prstGeom>
+          <a:noFill/>
+        </p:spPr>
+        <p:txBody>
+          <a:bodyPr wrap="square" rtlCol="0">
+            <a:spAutoFit/>
+          </a:bodyPr>
+          <a:lstStyle/>
+          <a:p>
+            <a:endParaRPr lang="ko-KR" altLang="en-US" dirty="0"/>
+          </a:p>
+        </p:txBody>
+      </p:sp>
+      <p:sp>
+        <p:nvSpPr>
+          <p:cNvPr id="21" name="TextBox 20"/>
+          <p:cNvSpPr txBox="1"/>
+          <p:nvPr/>
+        </p:nvSpPr>
+        <p:spPr>
+          <a:xfrm>
+            <a:off x="2527729" y="5877272"/>
+            <a:ext cx="6652783" cy="369332"/>
+          </a:xfrm>
+          <a:prstGeom prst="rect">
+            <a:avLst/>
+          </a:prstGeom>
+          <a:noFill/>
+        </p:spPr>
+        <p:txBody>
+          <a:bodyPr wrap="none" rtlCol="0">
+            <a:spAutoFit/>
+          </a:bodyPr>
+          <a:lstStyle/>
+          <a:p>
+            <a:r>
+              <a:rPr lang="ko-KR" altLang="en-US" dirty="0" err="1" smtClean="0"/>
+              <a:t>아드리안</a:t>
+            </a:r>
+            <a:r>
+              <a:rPr lang="ko-KR" altLang="en-US" dirty="0" smtClean="0"/>
+              <a:t> </a:t>
+            </a:r>
+            <a:r>
+              <a:rPr lang="en-US" altLang="ko-KR" dirty="0" smtClean="0"/>
+              <a:t>(</a:t>
+            </a:r>
+            <a:r>
+              <a:rPr lang="ko-KR" altLang="en-US" dirty="0" smtClean="0"/>
+              <a:t>전 </a:t>
+            </a:r>
+            <a:r>
+              <a:rPr lang="ko-KR" altLang="en-US" dirty="0" err="1" smtClean="0"/>
+              <a:t>애노미티</a:t>
+            </a:r>
+            <a:r>
+              <a:rPr lang="ko-KR" altLang="en-US" dirty="0" smtClean="0"/>
+              <a:t> 공화국 왕자</a:t>
+            </a:r>
+            <a:r>
+              <a:rPr lang="en-US" altLang="ko-KR" dirty="0" smtClean="0"/>
+              <a:t>, </a:t>
+            </a:r>
+            <a:r>
+              <a:rPr lang="ko-KR" altLang="en-US" dirty="0" smtClean="0"/>
+              <a:t>현재는 </a:t>
+            </a:r>
+            <a:r>
+              <a:rPr lang="ko-KR" altLang="en-US" dirty="0" err="1" smtClean="0"/>
+              <a:t>토투가</a:t>
+            </a:r>
+            <a:r>
+              <a:rPr lang="ko-KR" altLang="en-US" dirty="0" smtClean="0"/>
+              <a:t> 섬 피신 중</a:t>
+            </a:r>
+            <a:r>
+              <a:rPr lang="en-US" altLang="ko-KR" dirty="0" smtClean="0"/>
+              <a:t>)</a:t>
+            </a:r>
+            <a:endParaRPr lang="ko-KR" altLang="en-US" dirty="0"/>
+          </a:p>
+        </p:txBody>
+      </p:sp>
+      <p:sp>
+        <p:nvSpPr>
+          <p:cNvPr id="22" name="TextBox 21"/>
+          <p:cNvSpPr txBox="1"/>
+          <p:nvPr/>
+        </p:nvSpPr>
+        <p:spPr>
+          <a:xfrm>
+            <a:off x="4499992" y="3717032"/>
+            <a:ext cx="1189749" cy="369332"/>
+          </a:xfrm>
+          <a:prstGeom prst="rect">
+            <a:avLst/>
+          </a:prstGeom>
+          <a:noFill/>
+        </p:spPr>
+        <p:txBody>
+          <a:bodyPr wrap="none" rtlCol="0">
+            <a:spAutoFit/>
+          </a:bodyPr>
+          <a:lstStyle/>
+          <a:p>
+            <a:r>
+              <a:rPr lang="ko-KR" altLang="en-US" smtClean="0"/>
+              <a:t>복수 다짐</a:t>
+            </a:r>
+            <a:endParaRPr lang="ko-KR" altLang="en-US"/>
+          </a:p>
+        </p:txBody>
+      </p:sp>
+      <p:sp>
+        <p:nvSpPr>
+          <p:cNvPr id="23" name="구름 모양 설명선 22"/>
+          <p:cNvSpPr/>
+          <p:nvPr/>
+        </p:nvSpPr>
+        <p:spPr>
+          <a:xfrm>
+            <a:off x="1979712" y="1412776"/>
+            <a:ext cx="3024336" cy="1224136"/>
+          </a:xfrm>
+          <a:prstGeom prst="cloudCallout">
+            <a:avLst>
+              <a:gd name="adj1" fmla="val -21305"/>
+              <a:gd name="adj2" fmla="val 96347"/>
+            </a:avLst>
+          </a:prstGeom>
+          <a:noFill/>
+          <a:ln>
+            <a:solidFill>
+              <a:schemeClr val="tx1"/>
+            </a:solidFill>
+          </a:ln>
+        </p:spPr>
+        <p:style>
+          <a:lnRef idx="2">
+            <a:schemeClr val="accent1">
+              <a:shade val="50000"/>
+            </a:schemeClr>
+          </a:lnRef>
+          <a:fillRef idx="1">
+            <a:schemeClr val="accent1"/>
+          </a:fillRef>
+          <a:effectRef idx="0">
+            <a:schemeClr val="accent1"/>
+          </a:effectRef>
+          <a:fontRef idx="minor">
+            <a:schemeClr val="lt1"/>
+          </a:fontRef>
+        </p:style>
+        <p:txBody>
+          <a:bodyPr rtlCol="0" anchor="ctr"/>
+          <a:lstStyle/>
+          <a:p>
+            <a:pPr algn="ctr"/>
+            <a:r>
+              <a:rPr lang="ko-KR" altLang="en-US" b="1" dirty="0" smtClean="0">
+                <a:solidFill>
+                  <a:schemeClr val="tx1"/>
+                </a:solidFill>
+              </a:rPr>
+              <a:t>증오</a:t>
+            </a:r>
+            <a:r>
+              <a:rPr lang="en-US" altLang="ko-KR" b="1" dirty="0" smtClean="0">
+                <a:solidFill>
+                  <a:schemeClr val="tx1"/>
+                </a:solidFill>
+              </a:rPr>
+              <a:t>, </a:t>
+            </a:r>
+            <a:r>
+              <a:rPr lang="ko-KR" altLang="en-US" b="1" dirty="0" smtClean="0">
+                <a:solidFill>
+                  <a:schemeClr val="tx1"/>
+                </a:solidFill>
+              </a:rPr>
+              <a:t>원망</a:t>
+            </a:r>
+            <a:r>
+              <a:rPr lang="en-US" altLang="ko-KR" b="1" dirty="0" smtClean="0">
+                <a:solidFill>
+                  <a:schemeClr val="tx1"/>
+                </a:solidFill>
+              </a:rPr>
+              <a:t>, </a:t>
+            </a:r>
+            <a:r>
+              <a:rPr lang="ko-KR" altLang="en-US" b="1" dirty="0" smtClean="0">
+                <a:solidFill>
+                  <a:schemeClr val="tx1"/>
+                </a:solidFill>
+              </a:rPr>
+              <a:t>미련</a:t>
+            </a:r>
+            <a:r>
+              <a:rPr lang="en-US" altLang="ko-KR" b="1" dirty="0" smtClean="0">
+                <a:solidFill>
+                  <a:schemeClr val="tx1"/>
+                </a:solidFill>
+              </a:rPr>
+              <a:t>, </a:t>
+            </a:r>
+            <a:r>
+              <a:rPr lang="ko-KR" altLang="en-US" b="1" dirty="0" smtClean="0">
+                <a:solidFill>
+                  <a:schemeClr val="tx1"/>
+                </a:solidFill>
+              </a:rPr>
+              <a:t>자괴감</a:t>
+            </a:r>
+            <a:endParaRPr lang="ko-KR" altLang="en-US" b="1" dirty="0">
+              <a:solidFill>
+                <a:schemeClr val="tx1"/>
+              </a:solidFill>
             </a:endParaRPr>
           </a:p>
         </p:txBody>
@@ -7716,6 +10102,13 @@
   <p:transition spd="slow">
     <p:push dir="u"/>
   </p:transition>
+  <p:timing>
+    <p:tnLst>
+      <p:par>
+        <p:cTn id="1" dur="indefinite" restart="never" nodeType="tmRoot"/>
+      </p:par>
+    </p:tnLst>
+  </p:timing>
 </p:sld>
 </file>
 
@@ -9060,7 +11453,7 @@
     </p:spTree>
     <p:extLst>
       <p:ext uri="{BB962C8B-B14F-4D97-AF65-F5344CB8AC3E}">
-        <p14:creationId xmlns:p14="http://schemas.microsoft.com/office/powerpoint/2010/main" xmlns="" val="2378213369"/>
+        <p14:creationId xmlns="" xmlns:p14="http://schemas.microsoft.com/office/powerpoint/2010/main" val="2378213369"/>
       </p:ext>
     </p:extLst>
   </p:cSld>
@@ -9130,7 +11523,7 @@
         <p:spPr>
           <a:xfrm>
             <a:off x="359869" y="332656"/>
-            <a:ext cx="3640740" cy="646331"/>
+            <a:ext cx="7616188" cy="646331"/>
           </a:xfrm>
           <a:prstGeom prst="rect">
             <a:avLst/>
@@ -9160,7 +11553,7 @@
                 <a:latin typeface="-윤고딕330" pitchFamily="18" charset="-127"/>
                 <a:ea typeface="-윤고딕330" pitchFamily="18" charset="-127"/>
               </a:rPr>
-              <a:t>1.3 </a:t>
+              <a:t>4. </a:t>
             </a:r>
             <a:r>
               <a:rPr lang="ko-KR" altLang="en-US" sz="3600" dirty="0" smtClean="0">
@@ -9179,7 +11572,64 @@
                 <a:latin typeface="-윤고딕330" pitchFamily="18" charset="-127"/>
                 <a:ea typeface="-윤고딕330" pitchFamily="18" charset="-127"/>
               </a:rPr>
-              <a:t>소재 및 배경</a:t>
+              <a:t>게임 시나리오 </a:t>
+            </a:r>
+            <a:r>
+              <a:rPr lang="en-US" altLang="ko-KR" sz="3600" dirty="0" smtClean="0">
+                <a:ln>
+                  <a:solidFill>
+                    <a:schemeClr val="bg1">
+                      <a:alpha val="0"/>
+                    </a:schemeClr>
+                  </a:solidFill>
+                </a:ln>
+                <a:solidFill>
+                  <a:schemeClr val="accent6">
+                    <a:lumMod val="50000"/>
+                  </a:schemeClr>
+                </a:solidFill>
+                <a:latin typeface="-윤고딕330" pitchFamily="18" charset="-127"/>
+                <a:ea typeface="-윤고딕330" pitchFamily="18" charset="-127"/>
+              </a:rPr>
+              <a:t>– </a:t>
+            </a:r>
+            <a:r>
+              <a:rPr lang="ko-KR" altLang="en-US" sz="3600" dirty="0" smtClean="0">
+                <a:ln>
+                  <a:solidFill>
+                    <a:schemeClr val="bg1">
+                      <a:alpha val="0"/>
+                    </a:schemeClr>
+                  </a:solidFill>
+                </a:ln>
+                <a:solidFill>
+                  <a:schemeClr val="accent6">
+                    <a:lumMod val="50000"/>
+                  </a:schemeClr>
+                </a:solidFill>
+                <a:latin typeface="-윤고딕330" pitchFamily="18" charset="-127"/>
+                <a:ea typeface="-윤고딕330" pitchFamily="18" charset="-127"/>
+              </a:rPr>
+              <a:t>에피소드 </a:t>
+            </a:r>
+            <a:r>
+              <a:rPr lang="en-US" altLang="ko-KR" sz="3600" dirty="0" smtClean="0">
+                <a:ln>
+                  <a:solidFill>
+                    <a:schemeClr val="bg1">
+                      <a:alpha val="0"/>
+                    </a:schemeClr>
+                  </a:solidFill>
+                </a:ln>
+                <a:solidFill>
+                  <a:schemeClr val="accent6">
+                    <a:lumMod val="50000"/>
+                  </a:schemeClr>
+                </a:solidFill>
+                <a:latin typeface="-윤고딕330" pitchFamily="18" charset="-127"/>
+                <a:ea typeface="-윤고딕330" pitchFamily="18" charset="-127"/>
+              </a:rPr>
+              <a:t>1, 2, 3</a:t>
             </a:r>
             <a:endParaRPr lang="ko-KR" altLang="en-US" sz="2000" dirty="0">
               <a:ln>
@@ -9196,6 +11646,368 @@
               </a:solidFill>
               <a:latin typeface="-윤고딕330" pitchFamily="18" charset="-127"/>
               <a:ea typeface="-윤고딕330" pitchFamily="18" charset="-127"/>
+            </a:endParaRPr>
+          </a:p>
+        </p:txBody>
+      </p:sp>
+      <p:sp>
+        <p:nvSpPr>
+          <p:cNvPr id="6" name="TextBox 5"/>
+          <p:cNvSpPr txBox="1"/>
+          <p:nvPr/>
+        </p:nvSpPr>
+        <p:spPr>
+          <a:xfrm>
+            <a:off x="395536" y="1700808"/>
+            <a:ext cx="8820043" cy="4401205"/>
+          </a:xfrm>
+          <a:prstGeom prst="rect">
+            <a:avLst/>
+          </a:prstGeom>
+          <a:noFill/>
+        </p:spPr>
+        <p:txBody>
+          <a:bodyPr wrap="square" rtlCol="0">
+            <a:spAutoFit/>
+          </a:bodyPr>
+          <a:lstStyle/>
+          <a:p>
+            <a:pPr>
+              <a:buFont typeface="Arial" pitchFamily="34" charset="0"/>
+              <a:buChar char="•"/>
+            </a:pPr>
+            <a:r>
+              <a:rPr lang="ko-KR" altLang="en-US" sz="2000" b="1" dirty="0" smtClean="0">
+                <a:solidFill>
+                  <a:srgbClr val="925F0C"/>
+                </a:solidFill>
+              </a:rPr>
+              <a:t> 에피소드 </a:t>
+            </a:r>
+            <a:r>
+              <a:rPr lang="en-US" altLang="ko-KR" sz="2000" b="1" dirty="0" smtClean="0">
+                <a:solidFill>
+                  <a:srgbClr val="925F0C"/>
+                </a:solidFill>
+              </a:rPr>
+              <a:t>1</a:t>
+            </a:r>
+          </a:p>
+          <a:p>
+            <a:r>
+              <a:rPr lang="ko-KR" altLang="en-US" sz="2000" dirty="0" smtClean="0">
+                <a:solidFill>
+                  <a:srgbClr val="925F0C"/>
+                </a:solidFill>
+              </a:rPr>
+              <a:t>플레이어는 </a:t>
+            </a:r>
+            <a:r>
+              <a:rPr lang="ko-KR" altLang="en-US" sz="2000" dirty="0" err="1" smtClean="0">
+                <a:solidFill>
+                  <a:srgbClr val="925F0C"/>
+                </a:solidFill>
+              </a:rPr>
+              <a:t>토투가</a:t>
+            </a:r>
+            <a:r>
+              <a:rPr lang="ko-KR" altLang="en-US" sz="2000" dirty="0" smtClean="0">
+                <a:solidFill>
+                  <a:srgbClr val="925F0C"/>
+                </a:solidFill>
+              </a:rPr>
+              <a:t> 섬에서 게임을 시작하고 </a:t>
+            </a:r>
+            <a:r>
+              <a:rPr lang="ko-KR" altLang="en-US" sz="2000" dirty="0" err="1" smtClean="0">
+                <a:solidFill>
+                  <a:srgbClr val="925F0C"/>
+                </a:solidFill>
+              </a:rPr>
+              <a:t>튜토리얼을</a:t>
+            </a:r>
+            <a:r>
+              <a:rPr lang="ko-KR" altLang="en-US" sz="2000" dirty="0" smtClean="0">
+                <a:solidFill>
+                  <a:srgbClr val="925F0C"/>
+                </a:solidFill>
+              </a:rPr>
+              <a:t> 진행합니다</a:t>
+            </a:r>
+            <a:r>
+              <a:rPr lang="en-US" altLang="ko-KR" sz="2000" dirty="0" smtClean="0">
+                <a:solidFill>
+                  <a:srgbClr val="925F0C"/>
+                </a:solidFill>
+              </a:rPr>
+              <a:t>.</a:t>
+            </a:r>
+          </a:p>
+          <a:p>
+            <a:r>
+              <a:rPr lang="ko-KR" altLang="en-US" sz="2000" dirty="0" smtClean="0">
+                <a:solidFill>
+                  <a:srgbClr val="925F0C"/>
+                </a:solidFill>
+              </a:rPr>
+              <a:t>플레이어는 </a:t>
+            </a:r>
+            <a:r>
+              <a:rPr lang="ko-KR" altLang="en-US" sz="2000" dirty="0" err="1" smtClean="0">
+                <a:solidFill>
+                  <a:srgbClr val="925F0C"/>
+                </a:solidFill>
+              </a:rPr>
+              <a:t>퀘스트</a:t>
+            </a:r>
+            <a:r>
+              <a:rPr lang="ko-KR" altLang="en-US" sz="2000" dirty="0" smtClean="0">
+                <a:solidFill>
+                  <a:srgbClr val="925F0C"/>
+                </a:solidFill>
+              </a:rPr>
+              <a:t> 진행을 통해 게임의 전반적인 분위기를 익혀갑니다</a:t>
+            </a:r>
+            <a:r>
+              <a:rPr lang="en-US" altLang="ko-KR" sz="2000" dirty="0" smtClean="0">
+                <a:solidFill>
+                  <a:srgbClr val="925F0C"/>
+                </a:solidFill>
+              </a:rPr>
+              <a:t>.</a:t>
+            </a:r>
+          </a:p>
+          <a:p>
+            <a:endParaRPr lang="en-US" altLang="ko-KR" sz="2000" dirty="0" smtClean="0">
+              <a:solidFill>
+                <a:srgbClr val="925F0C"/>
+              </a:solidFill>
+            </a:endParaRPr>
+          </a:p>
+          <a:p>
+            <a:endParaRPr lang="en-US" altLang="ko-KR" sz="2000" dirty="0" smtClean="0">
+              <a:solidFill>
+                <a:srgbClr val="925F0C"/>
+              </a:solidFill>
+            </a:endParaRPr>
+          </a:p>
+          <a:p>
+            <a:pPr>
+              <a:buFont typeface="Arial" pitchFamily="34" charset="0"/>
+              <a:buChar char="•"/>
+            </a:pPr>
+            <a:r>
+              <a:rPr lang="ko-KR" altLang="en-US" sz="2000" b="1" dirty="0" smtClean="0">
+                <a:solidFill>
+                  <a:srgbClr val="925F0C"/>
+                </a:solidFill>
+              </a:rPr>
+              <a:t> 에피소드 </a:t>
+            </a:r>
+            <a:r>
+              <a:rPr lang="en-US" altLang="ko-KR" sz="2000" b="1" dirty="0" smtClean="0">
+                <a:solidFill>
+                  <a:srgbClr val="925F0C"/>
+                </a:solidFill>
+              </a:rPr>
+              <a:t>2</a:t>
+            </a:r>
+          </a:p>
+          <a:p>
+            <a:r>
+              <a:rPr lang="ko-KR" altLang="en-US" sz="2000" dirty="0" err="1" smtClean="0">
+                <a:solidFill>
+                  <a:srgbClr val="925F0C"/>
+                </a:solidFill>
+              </a:rPr>
+              <a:t>퀘스트</a:t>
+            </a:r>
+            <a:r>
+              <a:rPr lang="ko-KR" altLang="en-US" sz="2000" dirty="0" smtClean="0">
+                <a:solidFill>
+                  <a:srgbClr val="925F0C"/>
+                </a:solidFill>
+              </a:rPr>
+              <a:t> 전개상 우연적으로 표류를 당해서 </a:t>
+            </a:r>
+            <a:r>
+              <a:rPr lang="ko-KR" altLang="en-US" sz="2000" dirty="0" err="1" smtClean="0">
+                <a:solidFill>
+                  <a:srgbClr val="925F0C"/>
+                </a:solidFill>
+              </a:rPr>
+              <a:t>바스티아</a:t>
+            </a:r>
+            <a:r>
+              <a:rPr lang="ko-KR" altLang="en-US" sz="2000" dirty="0" smtClean="0">
+                <a:solidFill>
+                  <a:srgbClr val="925F0C"/>
+                </a:solidFill>
+              </a:rPr>
+              <a:t> 제국으로 떠내려갑니다</a:t>
+            </a:r>
+            <a:r>
+              <a:rPr lang="en-US" altLang="ko-KR" sz="2000" dirty="0" smtClean="0">
+                <a:solidFill>
+                  <a:srgbClr val="925F0C"/>
+                </a:solidFill>
+              </a:rPr>
+              <a:t>.</a:t>
+            </a:r>
+          </a:p>
+          <a:p>
+            <a:r>
+              <a:rPr lang="ko-KR" altLang="en-US" sz="2000" dirty="0" smtClean="0">
+                <a:solidFill>
+                  <a:srgbClr val="925F0C"/>
+                </a:solidFill>
+              </a:rPr>
+              <a:t>플레이어는 가진 것을 모두 잃어 하는 수 없이 그 곳에서 새로 일자리를 </a:t>
+            </a:r>
+            <a:endParaRPr lang="en-US" altLang="ko-KR" sz="2000" dirty="0" smtClean="0">
+              <a:solidFill>
+                <a:srgbClr val="925F0C"/>
+              </a:solidFill>
+            </a:endParaRPr>
+          </a:p>
+          <a:p>
+            <a:r>
+              <a:rPr lang="ko-KR" altLang="en-US" sz="2000" dirty="0" smtClean="0">
+                <a:solidFill>
+                  <a:srgbClr val="925F0C"/>
+                </a:solidFill>
+              </a:rPr>
+              <a:t>찾고</a:t>
+            </a:r>
+            <a:r>
+              <a:rPr lang="en-US" altLang="ko-KR" sz="2000" dirty="0" smtClean="0">
+                <a:solidFill>
+                  <a:srgbClr val="925F0C"/>
+                </a:solidFill>
+              </a:rPr>
+              <a:t> </a:t>
+            </a:r>
+            <a:r>
+              <a:rPr lang="ko-KR" altLang="en-US" sz="2000" dirty="0" smtClean="0">
+                <a:solidFill>
+                  <a:srgbClr val="925F0C"/>
+                </a:solidFill>
+              </a:rPr>
+              <a:t>돈을 법니다</a:t>
+            </a:r>
+            <a:r>
+              <a:rPr lang="en-US" altLang="ko-KR" sz="2000" dirty="0" smtClean="0">
+                <a:solidFill>
+                  <a:srgbClr val="925F0C"/>
+                </a:solidFill>
+              </a:rPr>
+              <a:t>.</a:t>
+            </a:r>
+          </a:p>
+          <a:p>
+            <a:endParaRPr lang="en-US" altLang="ko-KR" sz="2000" dirty="0" smtClean="0">
+              <a:solidFill>
+                <a:srgbClr val="925F0C"/>
+              </a:solidFill>
+            </a:endParaRPr>
+          </a:p>
+          <a:p>
+            <a:endParaRPr lang="en-US" altLang="ko-KR" sz="2000" dirty="0" smtClean="0">
+              <a:solidFill>
+                <a:srgbClr val="925F0C"/>
+              </a:solidFill>
+            </a:endParaRPr>
+          </a:p>
+          <a:p>
+            <a:pPr>
+              <a:buFont typeface="Arial" pitchFamily="34" charset="0"/>
+              <a:buChar char="•"/>
+            </a:pPr>
+            <a:r>
+              <a:rPr lang="ko-KR" altLang="en-US" sz="2000" b="1" dirty="0" smtClean="0">
+                <a:solidFill>
+                  <a:srgbClr val="925F0C"/>
+                </a:solidFill>
+              </a:rPr>
+              <a:t> 에피소드 </a:t>
+            </a:r>
+            <a:r>
+              <a:rPr lang="en-US" altLang="ko-KR" sz="2000" b="1" dirty="0" smtClean="0">
+                <a:solidFill>
+                  <a:srgbClr val="925F0C"/>
+                </a:solidFill>
+              </a:rPr>
+              <a:t>3</a:t>
+            </a:r>
+          </a:p>
+          <a:p>
+            <a:r>
+              <a:rPr lang="ko-KR" altLang="en-US" sz="2000" dirty="0" smtClean="0">
+                <a:solidFill>
+                  <a:srgbClr val="925F0C"/>
+                </a:solidFill>
+              </a:rPr>
+              <a:t>플레이어는 </a:t>
+            </a:r>
+            <a:r>
+              <a:rPr lang="ko-KR" altLang="en-US" sz="2000" dirty="0" err="1" smtClean="0">
+                <a:solidFill>
+                  <a:srgbClr val="925F0C"/>
+                </a:solidFill>
+              </a:rPr>
+              <a:t>토투가와</a:t>
+            </a:r>
+            <a:r>
+              <a:rPr lang="ko-KR" altLang="en-US" sz="2000" dirty="0" smtClean="0">
+                <a:solidFill>
+                  <a:srgbClr val="925F0C"/>
+                </a:solidFill>
+              </a:rPr>
+              <a:t> </a:t>
+            </a:r>
+            <a:r>
+              <a:rPr lang="ko-KR" altLang="en-US" sz="2000" dirty="0" err="1" smtClean="0">
+                <a:solidFill>
+                  <a:srgbClr val="925F0C"/>
+                </a:solidFill>
+              </a:rPr>
+              <a:t>바스티아</a:t>
+            </a:r>
+            <a:r>
+              <a:rPr lang="ko-KR" altLang="en-US" sz="2000" dirty="0" smtClean="0">
+                <a:solidFill>
+                  <a:srgbClr val="925F0C"/>
+                </a:solidFill>
+              </a:rPr>
+              <a:t> 제국 중에서 스토리 진행을 위해 한 팀을</a:t>
+            </a:r>
+            <a:endParaRPr lang="en-US" altLang="ko-KR" sz="2000" dirty="0" smtClean="0">
+              <a:solidFill>
+                <a:srgbClr val="925F0C"/>
+              </a:solidFill>
+            </a:endParaRPr>
+          </a:p>
+          <a:p>
+            <a:r>
+              <a:rPr lang="ko-KR" altLang="en-US" sz="2000" dirty="0" smtClean="0">
+                <a:solidFill>
+                  <a:srgbClr val="925F0C"/>
+                </a:solidFill>
+              </a:rPr>
+              <a:t>결정해야만 합니다</a:t>
+            </a:r>
+            <a:r>
+              <a:rPr lang="en-US" altLang="ko-KR" sz="2000" dirty="0" smtClean="0">
+                <a:solidFill>
+                  <a:srgbClr val="925F0C"/>
+                </a:solidFill>
+              </a:rPr>
+              <a:t>.</a:t>
+            </a:r>
+            <a:endParaRPr lang="ko-KR" altLang="en-US" sz="2000" dirty="0">
+              <a:solidFill>
+                <a:srgbClr val="925F0C"/>
+              </a:solidFill>
             </a:endParaRPr>
           </a:p>
         </p:txBody>
@@ -9208,6 +12020,13 @@
   <p:transition spd="slow">
     <p:push dir="u"/>
   </p:transition>
+  <p:timing>
+    <p:tnLst>
+      <p:par>
+        <p:cTn id="1" dur="indefinite" restart="never" nodeType="tmRoot"/>
+      </p:par>
+    </p:tnLst>
+  </p:timing>
 </p:sld>
 </file>
 
@@ -9261,7 +12080,7 @@
         <p:spPr>
           <a:xfrm>
             <a:off x="359869" y="332656"/>
-            <a:ext cx="3640740" cy="646331"/>
+            <a:ext cx="7616188" cy="646331"/>
           </a:xfrm>
           <a:prstGeom prst="rect">
             <a:avLst/>
@@ -9291,7 +12110,7 @@
                 <a:latin typeface="-윤고딕330" pitchFamily="18" charset="-127"/>
                 <a:ea typeface="-윤고딕330" pitchFamily="18" charset="-127"/>
               </a:rPr>
-              <a:t>1.3 </a:t>
+              <a:t>4. </a:t>
             </a:r>
             <a:r>
               <a:rPr lang="ko-KR" altLang="en-US" sz="3600" dirty="0" smtClean="0">
@@ -9310,7 +12129,64 @@
                 <a:latin typeface="-윤고딕330" pitchFamily="18" charset="-127"/>
                 <a:ea typeface="-윤고딕330" pitchFamily="18" charset="-127"/>
               </a:rPr>
-              <a:t>소재 및 배경</a:t>
+              <a:t>게임 시나리오 </a:t>
+            </a:r>
+            <a:r>
+              <a:rPr lang="en-US" altLang="ko-KR" sz="3600" dirty="0" smtClean="0">
+                <a:ln>
+                  <a:solidFill>
+                    <a:schemeClr val="bg1">
+                      <a:alpha val="0"/>
+                    </a:schemeClr>
+                  </a:solidFill>
+                </a:ln>
+                <a:solidFill>
+                  <a:schemeClr val="accent6">
+                    <a:lumMod val="50000"/>
+                  </a:schemeClr>
+                </a:solidFill>
+                <a:latin typeface="-윤고딕330" pitchFamily="18" charset="-127"/>
+                <a:ea typeface="-윤고딕330" pitchFamily="18" charset="-127"/>
+              </a:rPr>
+              <a:t>– </a:t>
+            </a:r>
+            <a:r>
+              <a:rPr lang="ko-KR" altLang="en-US" sz="3600" dirty="0" smtClean="0">
+                <a:ln>
+                  <a:solidFill>
+                    <a:schemeClr val="bg1">
+                      <a:alpha val="0"/>
+                    </a:schemeClr>
+                  </a:solidFill>
+                </a:ln>
+                <a:solidFill>
+                  <a:schemeClr val="accent6">
+                    <a:lumMod val="50000"/>
+                  </a:schemeClr>
+                </a:solidFill>
+                <a:latin typeface="-윤고딕330" pitchFamily="18" charset="-127"/>
+                <a:ea typeface="-윤고딕330" pitchFamily="18" charset="-127"/>
+              </a:rPr>
+              <a:t>에피소드 </a:t>
+            </a:r>
+            <a:r>
+              <a:rPr lang="en-US" altLang="ko-KR" sz="3600" dirty="0" smtClean="0">
+                <a:ln>
+                  <a:solidFill>
+                    <a:schemeClr val="bg1">
+                      <a:alpha val="0"/>
+                    </a:schemeClr>
+                  </a:solidFill>
+                </a:ln>
+                <a:solidFill>
+                  <a:schemeClr val="accent6">
+                    <a:lumMod val="50000"/>
+                  </a:schemeClr>
+                </a:solidFill>
+                <a:latin typeface="-윤고딕330" pitchFamily="18" charset="-127"/>
+                <a:ea typeface="-윤고딕330" pitchFamily="18" charset="-127"/>
+              </a:rPr>
+              <a:t>4, 5, 6</a:t>
             </a:r>
             <a:endParaRPr lang="ko-KR" altLang="en-US" sz="2000" dirty="0">
               <a:ln>
@@ -9327,6 +12203,306 @@
               </a:solidFill>
               <a:latin typeface="-윤고딕330" pitchFamily="18" charset="-127"/>
               <a:ea typeface="-윤고딕330" pitchFamily="18" charset="-127"/>
+            </a:endParaRPr>
+          </a:p>
+        </p:txBody>
+      </p:sp>
+      <p:sp>
+        <p:nvSpPr>
+          <p:cNvPr id="6" name="TextBox 5"/>
+          <p:cNvSpPr txBox="1"/>
+          <p:nvPr/>
+        </p:nvSpPr>
+        <p:spPr>
+          <a:xfrm>
+            <a:off x="395536" y="1700808"/>
+            <a:ext cx="8820043" cy="3170099"/>
+          </a:xfrm>
+          <a:prstGeom prst="rect">
+            <a:avLst/>
+          </a:prstGeom>
+          <a:noFill/>
+        </p:spPr>
+        <p:txBody>
+          <a:bodyPr wrap="square" rtlCol="0">
+            <a:spAutoFit/>
+          </a:bodyPr>
+          <a:lstStyle/>
+          <a:p>
+            <a:pPr>
+              <a:buFont typeface="Arial" pitchFamily="34" charset="0"/>
+              <a:buChar char="•"/>
+            </a:pPr>
+            <a:r>
+              <a:rPr lang="ko-KR" altLang="en-US" sz="2000" b="1" dirty="0" smtClean="0">
+                <a:solidFill>
+                  <a:srgbClr val="925F0C"/>
+                </a:solidFill>
+              </a:rPr>
+              <a:t> 에피소드 </a:t>
+            </a:r>
+            <a:r>
+              <a:rPr lang="en-US" altLang="ko-KR" sz="2000" b="1" dirty="0" smtClean="0">
+                <a:solidFill>
+                  <a:srgbClr val="925F0C"/>
+                </a:solidFill>
+              </a:rPr>
+              <a:t>4~6 (</a:t>
+            </a:r>
+            <a:r>
+              <a:rPr lang="ko-KR" altLang="en-US" sz="2000" b="1" dirty="0" err="1" smtClean="0">
+                <a:solidFill>
+                  <a:srgbClr val="925F0C"/>
+                </a:solidFill>
+              </a:rPr>
+              <a:t>토투가</a:t>
+            </a:r>
+            <a:r>
+              <a:rPr lang="en-US" altLang="ko-KR" sz="2000" b="1" dirty="0" smtClean="0">
+                <a:solidFill>
+                  <a:srgbClr val="925F0C"/>
+                </a:solidFill>
+              </a:rPr>
+              <a:t>)</a:t>
+            </a:r>
+          </a:p>
+          <a:p>
+            <a:r>
+              <a:rPr lang="ko-KR" altLang="en-US" sz="2000" dirty="0" err="1" smtClean="0">
+                <a:solidFill>
+                  <a:srgbClr val="925F0C"/>
+                </a:solidFill>
+              </a:rPr>
+              <a:t>토투가를</a:t>
+            </a:r>
+            <a:r>
+              <a:rPr lang="ko-KR" altLang="en-US" sz="2000" dirty="0" smtClean="0">
+                <a:solidFill>
+                  <a:srgbClr val="925F0C"/>
+                </a:solidFill>
+              </a:rPr>
+              <a:t> 선택한 경우의 시나리오가 진행됩니다</a:t>
+            </a:r>
+            <a:r>
+              <a:rPr lang="en-US" altLang="ko-KR" sz="2000" dirty="0" smtClean="0">
+                <a:solidFill>
+                  <a:srgbClr val="925F0C"/>
+                </a:solidFill>
+              </a:rPr>
+              <a:t>.</a:t>
+            </a:r>
+          </a:p>
+          <a:p>
+            <a:r>
+              <a:rPr lang="ko-KR" altLang="en-US" sz="2000" dirty="0" smtClean="0">
+                <a:solidFill>
+                  <a:srgbClr val="925F0C"/>
+                </a:solidFill>
+              </a:rPr>
+              <a:t>플레이어는 </a:t>
+            </a:r>
+            <a:r>
+              <a:rPr lang="ko-KR" altLang="en-US" sz="2000" dirty="0" err="1" smtClean="0">
+                <a:solidFill>
+                  <a:srgbClr val="925F0C"/>
+                </a:solidFill>
+              </a:rPr>
+              <a:t>토투가의</a:t>
+            </a:r>
+            <a:r>
+              <a:rPr lang="ko-KR" altLang="en-US" sz="2000" dirty="0" smtClean="0">
+                <a:solidFill>
+                  <a:srgbClr val="925F0C"/>
+                </a:solidFill>
+              </a:rPr>
+              <a:t> 편에 서서 </a:t>
+            </a:r>
+            <a:r>
+              <a:rPr lang="ko-KR" altLang="en-US" sz="2000" dirty="0" err="1" smtClean="0">
+                <a:solidFill>
+                  <a:srgbClr val="925F0C"/>
+                </a:solidFill>
+              </a:rPr>
+              <a:t>바스티아</a:t>
+            </a:r>
+            <a:r>
+              <a:rPr lang="ko-KR" altLang="en-US" sz="2000" dirty="0" smtClean="0">
+                <a:solidFill>
+                  <a:srgbClr val="925F0C"/>
+                </a:solidFill>
+              </a:rPr>
+              <a:t> 제국과의 전쟁에서 승리해야</a:t>
+            </a:r>
+            <a:endParaRPr lang="en-US" altLang="ko-KR" sz="2000" dirty="0" smtClean="0">
+              <a:solidFill>
+                <a:srgbClr val="925F0C"/>
+              </a:solidFill>
+            </a:endParaRPr>
+          </a:p>
+          <a:p>
+            <a:r>
+              <a:rPr lang="ko-KR" altLang="en-US" sz="2000" dirty="0" smtClean="0">
+                <a:solidFill>
+                  <a:srgbClr val="925F0C"/>
+                </a:solidFill>
+              </a:rPr>
+              <a:t>합니다</a:t>
+            </a:r>
+            <a:r>
+              <a:rPr lang="en-US" altLang="ko-KR" sz="2000" dirty="0" smtClean="0">
+                <a:solidFill>
+                  <a:srgbClr val="925F0C"/>
+                </a:solidFill>
+              </a:rPr>
+              <a:t>.</a:t>
+            </a:r>
+          </a:p>
+          <a:p>
+            <a:endParaRPr lang="en-US" altLang="ko-KR" sz="2000" dirty="0" smtClean="0">
+              <a:solidFill>
+                <a:srgbClr val="925F0C"/>
+              </a:solidFill>
+            </a:endParaRPr>
+          </a:p>
+          <a:p>
+            <a:endParaRPr lang="en-US" altLang="ko-KR" sz="2000" dirty="0" smtClean="0">
+              <a:solidFill>
+                <a:srgbClr val="925F0C"/>
+              </a:solidFill>
+            </a:endParaRPr>
+          </a:p>
+          <a:p>
+            <a:pPr>
+              <a:buFont typeface="Arial" pitchFamily="34" charset="0"/>
+              <a:buChar char="•"/>
+            </a:pPr>
+            <a:r>
+              <a:rPr lang="ko-KR" altLang="en-US" sz="2000" b="1" dirty="0" smtClean="0">
+                <a:solidFill>
+                  <a:srgbClr val="925F0C"/>
+                </a:solidFill>
+              </a:rPr>
+              <a:t> 에피소드 </a:t>
+            </a:r>
+            <a:r>
+              <a:rPr lang="en-US" altLang="ko-KR" sz="2000" b="1" dirty="0" smtClean="0">
+                <a:solidFill>
+                  <a:srgbClr val="925F0C"/>
+                </a:solidFill>
+              </a:rPr>
+              <a:t>4~6 (</a:t>
+            </a:r>
+            <a:r>
+              <a:rPr lang="ko-KR" altLang="en-US" sz="2000" b="1" dirty="0" err="1" smtClean="0">
+                <a:solidFill>
+                  <a:srgbClr val="925F0C"/>
+                </a:solidFill>
+              </a:rPr>
+              <a:t>바스티아</a:t>
+            </a:r>
+            <a:r>
+              <a:rPr lang="en-US" altLang="ko-KR" sz="2000" b="1" dirty="0" smtClean="0">
+                <a:solidFill>
+                  <a:srgbClr val="925F0C"/>
+                </a:solidFill>
+              </a:rPr>
+              <a:t>)</a:t>
+            </a:r>
+          </a:p>
+          <a:p>
+            <a:r>
+              <a:rPr lang="ko-KR" altLang="en-US" sz="2000" dirty="0" err="1" smtClean="0">
+                <a:solidFill>
+                  <a:srgbClr val="925F0C"/>
+                </a:solidFill>
+              </a:rPr>
+              <a:t>바스티아를</a:t>
+            </a:r>
+            <a:r>
+              <a:rPr lang="ko-KR" altLang="en-US" sz="2000" dirty="0" smtClean="0">
+                <a:solidFill>
+                  <a:srgbClr val="925F0C"/>
+                </a:solidFill>
+              </a:rPr>
+              <a:t> 선택한 경우의 시나리오가 진행됩니다</a:t>
+            </a:r>
+            <a:r>
+              <a:rPr lang="en-US" altLang="ko-KR" sz="2000" dirty="0" smtClean="0">
+                <a:solidFill>
+                  <a:srgbClr val="925F0C"/>
+                </a:solidFill>
+              </a:rPr>
+              <a:t>.</a:t>
+            </a:r>
+          </a:p>
+          <a:p>
+            <a:r>
+              <a:rPr lang="ko-KR" altLang="en-US" sz="2000" dirty="0" smtClean="0">
+                <a:solidFill>
+                  <a:srgbClr val="925F0C"/>
+                </a:solidFill>
+              </a:rPr>
+              <a:t>플레이어는 </a:t>
+            </a:r>
+            <a:r>
+              <a:rPr lang="ko-KR" altLang="en-US" sz="2000" dirty="0" err="1" smtClean="0">
+                <a:solidFill>
+                  <a:srgbClr val="925F0C"/>
+                </a:solidFill>
+              </a:rPr>
+              <a:t>토투가의</a:t>
+            </a:r>
+            <a:r>
+              <a:rPr lang="ko-KR" altLang="en-US" sz="2000" dirty="0" smtClean="0">
+                <a:solidFill>
+                  <a:srgbClr val="925F0C"/>
+                </a:solidFill>
+              </a:rPr>
+              <a:t> 편에 서서 </a:t>
+            </a:r>
+            <a:r>
+              <a:rPr lang="ko-KR" altLang="en-US" sz="2000" dirty="0" err="1" smtClean="0">
+                <a:solidFill>
+                  <a:srgbClr val="925F0C"/>
+                </a:solidFill>
+              </a:rPr>
+              <a:t>바스티아</a:t>
+            </a:r>
+            <a:r>
+              <a:rPr lang="ko-KR" altLang="en-US" sz="2000" dirty="0" smtClean="0">
+                <a:solidFill>
+                  <a:srgbClr val="925F0C"/>
+                </a:solidFill>
+              </a:rPr>
+              <a:t> 제국과의 전쟁에서 승리해야</a:t>
+            </a:r>
+            <a:endParaRPr lang="en-US" altLang="ko-KR" sz="2000" dirty="0" smtClean="0">
+              <a:solidFill>
+                <a:srgbClr val="925F0C"/>
+              </a:solidFill>
+            </a:endParaRPr>
+          </a:p>
+          <a:p>
+            <a:r>
+              <a:rPr lang="ko-KR" altLang="en-US" sz="2000" dirty="0" smtClean="0">
+                <a:solidFill>
+                  <a:srgbClr val="925F0C"/>
+                </a:solidFill>
+              </a:rPr>
+              <a:t>합니다</a:t>
+            </a:r>
+            <a:r>
+              <a:rPr lang="en-US" altLang="ko-KR" sz="2000" dirty="0" smtClean="0">
+                <a:solidFill>
+                  <a:srgbClr val="925F0C"/>
+                </a:solidFill>
+              </a:rPr>
+              <a:t>.</a:t>
+            </a:r>
+            <a:endParaRPr lang="ko-KR" altLang="en-US" sz="2000" dirty="0">
+              <a:solidFill>
+                <a:srgbClr val="925F0C"/>
+              </a:solidFill>
             </a:endParaRPr>
           </a:p>
         </p:txBody>
@@ -9339,10 +12515,1143 @@
   <p:transition spd="slow">
     <p:push dir="u"/>
   </p:transition>
+  <p:timing>
+    <p:tnLst>
+      <p:par>
+        <p:cTn id="1" dur="indefinite" restart="never" nodeType="tmRoot"/>
+      </p:par>
+    </p:tnLst>
+  </p:timing>
 </p:sld>
 </file>
 
 <file path=ppt/slides/slide22.xml><?xml version="1.0" encoding="utf-8"?>
+<p:sld xmlns:a="http://schemas.openxmlformats.org/drawingml/2006/main" xmlns:r="http://schemas.openxmlformats.org/officeDocument/2006/relationships" xmlns:p="http://schemas.openxmlformats.org/presentationml/2006/main">
+  <p:cSld>
+    <p:spTree>
+      <p:nvGrpSpPr>
+        <p:cNvPr id="1" name=""/>
+        <p:cNvGrpSpPr/>
+        <p:nvPr/>
+      </p:nvGrpSpPr>
+      <p:grpSpPr>
+        <a:xfrm>
+          <a:off x="0" y="0"/>
+          <a:ext cx="0" cy="0"/>
+          <a:chOff x="0" y="0"/>
+          <a:chExt cx="0" cy="0"/>
+        </a:xfrm>
+      </p:grpSpPr>
+      <p:grpSp>
+        <p:nvGrpSpPr>
+          <p:cNvPr id="3" name="그룹 26"/>
+          <p:cNvGrpSpPr/>
+          <p:nvPr/>
+        </p:nvGrpSpPr>
+        <p:grpSpPr>
+          <a:xfrm>
+            <a:off x="0" y="0"/>
+            <a:ext cx="9144000" cy="6858000"/>
+            <a:chOff x="0" y="0"/>
+            <a:chExt cx="9144000" cy="6858000"/>
+          </a:xfrm>
+        </p:grpSpPr>
+        <p:cxnSp>
+          <p:nvCxnSpPr>
+            <p:cNvPr id="24" name="직선 연결선 23"/>
+            <p:cNvCxnSpPr/>
+            <p:nvPr/>
+          </p:nvCxnSpPr>
+          <p:spPr>
+            <a:xfrm>
+              <a:off x="4920165" y="5085184"/>
+              <a:ext cx="0" cy="1772816"/>
+            </a:xfrm>
+            <a:prstGeom prst="line">
+              <a:avLst/>
+            </a:prstGeom>
+            <a:ln>
+              <a:solidFill>
+                <a:schemeClr val="bg1">
+                  <a:lumMod val="85000"/>
+                </a:schemeClr>
+              </a:solidFill>
+            </a:ln>
+          </p:spPr>
+          <p:style>
+            <a:lnRef idx="1">
+              <a:schemeClr val="accent1"/>
+            </a:lnRef>
+            <a:fillRef idx="0">
+              <a:schemeClr val="accent1"/>
+            </a:fillRef>
+            <a:effectRef idx="0">
+              <a:schemeClr val="accent1"/>
+            </a:effectRef>
+            <a:fontRef idx="minor">
+              <a:schemeClr val="tx1"/>
+            </a:fontRef>
+          </p:style>
+        </p:cxnSp>
+        <p:cxnSp>
+          <p:nvCxnSpPr>
+            <p:cNvPr id="20" name="직선 연결선 19"/>
+            <p:cNvCxnSpPr/>
+            <p:nvPr/>
+          </p:nvCxnSpPr>
+          <p:spPr>
+            <a:xfrm>
+              <a:off x="0" y="4149080"/>
+              <a:ext cx="2987824" cy="0"/>
+            </a:xfrm>
+            <a:prstGeom prst="line">
+              <a:avLst/>
+            </a:prstGeom>
+            <a:ln>
+              <a:solidFill>
+                <a:schemeClr val="bg1">
+                  <a:lumMod val="85000"/>
+                </a:schemeClr>
+              </a:solidFill>
+            </a:ln>
+          </p:spPr>
+          <p:style>
+            <a:lnRef idx="1">
+              <a:schemeClr val="accent1"/>
+            </a:lnRef>
+            <a:fillRef idx="0">
+              <a:schemeClr val="accent1"/>
+            </a:fillRef>
+            <a:effectRef idx="0">
+              <a:schemeClr val="accent1"/>
+            </a:effectRef>
+            <a:fontRef idx="minor">
+              <a:schemeClr val="tx1"/>
+            </a:fontRef>
+          </p:style>
+        </p:cxnSp>
+        <p:cxnSp>
+          <p:nvCxnSpPr>
+            <p:cNvPr id="18" name="직선 연결선 17"/>
+            <p:cNvCxnSpPr/>
+            <p:nvPr/>
+          </p:nvCxnSpPr>
+          <p:spPr>
+            <a:xfrm>
+              <a:off x="6156176" y="2697045"/>
+              <a:ext cx="2987824" cy="0"/>
+            </a:xfrm>
+            <a:prstGeom prst="line">
+              <a:avLst/>
+            </a:prstGeom>
+            <a:ln>
+              <a:solidFill>
+                <a:schemeClr val="bg1">
+                  <a:lumMod val="85000"/>
+                </a:schemeClr>
+              </a:solidFill>
+            </a:ln>
+          </p:spPr>
+          <p:style>
+            <a:lnRef idx="1">
+              <a:schemeClr val="accent1"/>
+            </a:lnRef>
+            <a:fillRef idx="0">
+              <a:schemeClr val="accent1"/>
+            </a:fillRef>
+            <a:effectRef idx="0">
+              <a:schemeClr val="accent1"/>
+            </a:effectRef>
+            <a:fontRef idx="minor">
+              <a:schemeClr val="tx1"/>
+            </a:fontRef>
+          </p:style>
+        </p:cxnSp>
+        <p:pic>
+          <p:nvPicPr>
+            <p:cNvPr id="2" name="그림 1"/>
+            <p:cNvPicPr>
+              <a:picLocks noChangeAspect="1"/>
+            </p:cNvPicPr>
+            <p:nvPr/>
+          </p:nvPicPr>
+          <p:blipFill>
+            <a:blip r:embed="rId2" cstate="print">
+              <a:extLst>
+                <a:ext uri="{28A0092B-C50C-407E-A947-70E740481C1C}">
+                  <a14:useLocalDpi xmlns="" xmlns:a14="http://schemas.microsoft.com/office/drawing/2010/main" val="0"/>
+                </a:ext>
+              </a:extLst>
+            </a:blip>
+            <a:stretch>
+              <a:fillRect/>
+            </a:stretch>
+          </p:blipFill>
+          <p:spPr>
+            <a:xfrm rot="1601709">
+              <a:off x="3132987" y="1989987"/>
+              <a:ext cx="2878027" cy="2878027"/>
+            </a:xfrm>
+            <a:prstGeom prst="rect">
+              <a:avLst/>
+            </a:prstGeom>
+          </p:spPr>
+        </p:pic>
+        <p:sp>
+          <p:nvSpPr>
+            <p:cNvPr id="14" name="TextBox 13"/>
+            <p:cNvSpPr txBox="1"/>
+            <p:nvPr/>
+          </p:nvSpPr>
+          <p:spPr>
+            <a:xfrm>
+              <a:off x="3653391" y="3383994"/>
+              <a:ext cx="1965603" cy="477054"/>
+            </a:xfrm>
+            <a:prstGeom prst="rect">
+              <a:avLst/>
+            </a:prstGeom>
+            <a:noFill/>
+          </p:spPr>
+          <p:txBody>
+            <a:bodyPr wrap="none" rtlCol="0">
+              <a:spAutoFit/>
+            </a:bodyPr>
+            <a:lstStyle/>
+            <a:p>
+              <a:r>
+                <a:rPr lang="en-US" altLang="ko-KR" sz="2500" dirty="0" smtClean="0">
+                  <a:ln>
+                    <a:solidFill>
+                      <a:schemeClr val="bg1">
+                        <a:alpha val="0"/>
+                      </a:schemeClr>
+                    </a:solidFill>
+                  </a:ln>
+                  <a:solidFill>
+                    <a:schemeClr val="tx1">
+                      <a:lumMod val="75000"/>
+                      <a:lumOff val="25000"/>
+                    </a:schemeClr>
+                  </a:solidFill>
+                  <a:latin typeface="-윤고딕330" pitchFamily="18" charset="-127"/>
+                  <a:ea typeface="-윤고딕330" pitchFamily="18" charset="-127"/>
+                </a:rPr>
+                <a:t>5. </a:t>
+              </a:r>
+              <a:r>
+                <a:rPr lang="ko-KR" altLang="en-US" sz="2500" dirty="0" smtClean="0">
+                  <a:ln>
+                    <a:solidFill>
+                      <a:schemeClr val="bg1">
+                        <a:alpha val="0"/>
+                      </a:schemeClr>
+                    </a:solidFill>
+                  </a:ln>
+                  <a:solidFill>
+                    <a:schemeClr val="tx1">
+                      <a:lumMod val="75000"/>
+                      <a:lumOff val="25000"/>
+                    </a:schemeClr>
+                  </a:solidFill>
+                  <a:latin typeface="-윤고딕330" pitchFamily="18" charset="-127"/>
+                  <a:ea typeface="-윤고딕330" pitchFamily="18" charset="-127"/>
+                </a:rPr>
+                <a:t>게임 특징</a:t>
+              </a:r>
+              <a:endParaRPr lang="ko-KR" altLang="en-US" sz="2500" dirty="0">
+                <a:ln>
+                  <a:solidFill>
+                    <a:schemeClr val="bg1">
+                      <a:alpha val="0"/>
+                    </a:schemeClr>
+                  </a:solidFill>
+                </a:ln>
+                <a:solidFill>
+                  <a:schemeClr val="tx1">
+                    <a:lumMod val="75000"/>
+                    <a:lumOff val="25000"/>
+                  </a:schemeClr>
+                </a:solidFill>
+                <a:latin typeface="-윤고딕330" pitchFamily="18" charset="-127"/>
+                <a:ea typeface="-윤고딕330" pitchFamily="18" charset="-127"/>
+              </a:endParaRPr>
+            </a:p>
+          </p:txBody>
+        </p:sp>
+        <p:cxnSp>
+          <p:nvCxnSpPr>
+            <p:cNvPr id="21" name="직선 연결선 20"/>
+            <p:cNvCxnSpPr/>
+            <p:nvPr/>
+          </p:nvCxnSpPr>
+          <p:spPr>
+            <a:xfrm>
+              <a:off x="4247456" y="0"/>
+              <a:ext cx="0" cy="1700808"/>
+            </a:xfrm>
+            <a:prstGeom prst="line">
+              <a:avLst/>
+            </a:prstGeom>
+            <a:ln>
+              <a:solidFill>
+                <a:schemeClr val="bg1">
+                  <a:lumMod val="85000"/>
+                </a:schemeClr>
+              </a:solidFill>
+            </a:ln>
+          </p:spPr>
+          <p:style>
+            <a:lnRef idx="1">
+              <a:schemeClr val="accent1"/>
+            </a:lnRef>
+            <a:fillRef idx="0">
+              <a:schemeClr val="accent1"/>
+            </a:fillRef>
+            <a:effectRef idx="0">
+              <a:schemeClr val="accent1"/>
+            </a:effectRef>
+            <a:fontRef idx="minor">
+              <a:schemeClr val="tx1"/>
+            </a:fontRef>
+          </p:style>
+        </p:cxnSp>
+        <p:sp>
+          <p:nvSpPr>
+            <p:cNvPr id="26" name="TextBox 25"/>
+            <p:cNvSpPr txBox="1"/>
+            <p:nvPr/>
+          </p:nvSpPr>
+          <p:spPr>
+            <a:xfrm>
+              <a:off x="8436253" y="164890"/>
+              <a:ext cx="444352" cy="369332"/>
+            </a:xfrm>
+            <a:prstGeom prst="rect">
+              <a:avLst/>
+            </a:prstGeom>
+            <a:noFill/>
+          </p:spPr>
+          <p:txBody>
+            <a:bodyPr wrap="none" rtlCol="0">
+              <a:spAutoFit/>
+            </a:bodyPr>
+            <a:lstStyle/>
+            <a:p>
+              <a:r>
+                <a:rPr lang="en-US" altLang="ko-KR" dirty="0" smtClean="0">
+                  <a:ln>
+                    <a:solidFill>
+                      <a:schemeClr val="bg1">
+                        <a:alpha val="0"/>
+                      </a:schemeClr>
+                    </a:solidFill>
+                  </a:ln>
+                  <a:solidFill>
+                    <a:schemeClr val="tx1">
+                      <a:lumMod val="75000"/>
+                      <a:lumOff val="25000"/>
+                    </a:schemeClr>
+                  </a:solidFill>
+                  <a:latin typeface="-윤고딕330" pitchFamily="18" charset="-127"/>
+                  <a:ea typeface="-윤고딕330" pitchFamily="18" charset="-127"/>
+                </a:rPr>
+                <a:t>01</a:t>
+              </a:r>
+              <a:endParaRPr lang="ko-KR" altLang="en-US" sz="800" dirty="0">
+                <a:ln>
+                  <a:solidFill>
+                    <a:schemeClr val="bg1">
+                      <a:alpha val="0"/>
+                    </a:schemeClr>
+                  </a:solidFill>
+                </a:ln>
+                <a:solidFill>
+                  <a:schemeClr val="tx1">
+                    <a:lumMod val="75000"/>
+                    <a:lumOff val="25000"/>
+                  </a:schemeClr>
+                </a:solidFill>
+                <a:latin typeface="-윤고딕330" pitchFamily="18" charset="-127"/>
+                <a:ea typeface="-윤고딕330" pitchFamily="18" charset="-127"/>
+              </a:endParaRPr>
+            </a:p>
+          </p:txBody>
+        </p:sp>
+      </p:grpSp>
+    </p:spTree>
+    <p:extLst>
+      <p:ext uri="{BB962C8B-B14F-4D97-AF65-F5344CB8AC3E}">
+        <p14:creationId xmlns="" xmlns:p14="http://schemas.microsoft.com/office/powerpoint/2010/main" val="2619248131"/>
+      </p:ext>
+    </p:extLst>
+  </p:cSld>
+  <p:clrMapOvr>
+    <a:masterClrMapping/>
+  </p:clrMapOvr>
+  <p:transition spd="slow">
+    <p:push dir="u"/>
+  </p:transition>
+  <p:timing>
+    <p:tnLst>
+      <p:par>
+        <p:cTn id="1" dur="indefinite" restart="never" nodeType="tmRoot"/>
+      </p:par>
+    </p:tnLst>
+  </p:timing>
+</p:sld>
+</file>
+
+<file path=ppt/slides/slide23.xml><?xml version="1.0" encoding="utf-8"?>
+<p:sld xmlns:a="http://schemas.openxmlformats.org/drawingml/2006/main" xmlns:r="http://schemas.openxmlformats.org/officeDocument/2006/relationships" xmlns:p="http://schemas.openxmlformats.org/presentationml/2006/main">
+  <p:cSld>
+    <p:spTree>
+      <p:nvGrpSpPr>
+        <p:cNvPr id="1" name=""/>
+        <p:cNvGrpSpPr/>
+        <p:nvPr/>
+      </p:nvGrpSpPr>
+      <p:grpSpPr>
+        <a:xfrm>
+          <a:off x="0" y="0"/>
+          <a:ext cx="0" cy="0"/>
+          <a:chOff x="0" y="0"/>
+          <a:chExt cx="0" cy="0"/>
+        </a:xfrm>
+      </p:grpSpPr>
+      <p:sp>
+        <p:nvSpPr>
+          <p:cNvPr id="12" name="오른쪽 화살표 11"/>
+          <p:cNvSpPr/>
+          <p:nvPr/>
+        </p:nvSpPr>
+        <p:spPr>
+          <a:xfrm rot="1807683">
+            <a:off x="-234811" y="3653834"/>
+            <a:ext cx="9607747" cy="648072"/>
+          </a:xfrm>
+          <a:prstGeom prst="rightArrow">
+            <a:avLst>
+              <a:gd name="adj1" fmla="val 50000"/>
+              <a:gd name="adj2" fmla="val 99804"/>
+            </a:avLst>
+          </a:prstGeom>
+          <a:solidFill>
+            <a:srgbClr val="FFFF00"/>
+          </a:solidFill>
+          <a:ln>
+            <a:noFill/>
+          </a:ln>
+        </p:spPr>
+        <p:style>
+          <a:lnRef idx="2">
+            <a:schemeClr val="accent1">
+              <a:shade val="50000"/>
+            </a:schemeClr>
+          </a:lnRef>
+          <a:fillRef idx="1">
+            <a:schemeClr val="accent1"/>
+          </a:fillRef>
+          <a:effectRef idx="0">
+            <a:schemeClr val="accent1"/>
+          </a:effectRef>
+          <a:fontRef idx="minor">
+            <a:schemeClr val="lt1"/>
+          </a:fontRef>
+        </p:style>
+        <p:txBody>
+          <a:bodyPr rtlCol="0" anchor="ctr"/>
+          <a:lstStyle/>
+          <a:p>
+            <a:pPr algn="ctr"/>
+            <a:endParaRPr lang="ko-KR" altLang="en-US"/>
+          </a:p>
+        </p:txBody>
+      </p:sp>
+      <p:sp>
+        <p:nvSpPr>
+          <p:cNvPr id="4" name="슬라이드 번호 개체 틀 3"/>
+          <p:cNvSpPr>
+            <a:spLocks noGrp="1"/>
+          </p:cNvSpPr>
+          <p:nvPr>
+            <p:ph type="sldNum" sz="quarter" idx="12"/>
+          </p:nvPr>
+        </p:nvSpPr>
+        <p:spPr/>
+        <p:txBody>
+          <a:bodyPr/>
+          <a:lstStyle/>
+          <a:p>
+            <a:fld id="{6077AF18-BF2E-40A5-AFCC-D5AE0C2FE057}" type="slidenum">
+              <a:rPr lang="ko-KR" altLang="en-US" smtClean="0"/>
+              <a:pPr/>
+              <a:t>23</a:t>
+            </a:fld>
+            <a:endParaRPr lang="ko-KR" altLang="en-US" dirty="0"/>
+          </a:p>
+        </p:txBody>
+      </p:sp>
+      <p:sp>
+        <p:nvSpPr>
+          <p:cNvPr id="5" name="TextBox 4"/>
+          <p:cNvSpPr txBox="1"/>
+          <p:nvPr/>
+        </p:nvSpPr>
+        <p:spPr>
+          <a:xfrm>
+            <a:off x="359869" y="332656"/>
+            <a:ext cx="2749471" cy="646331"/>
+          </a:xfrm>
+          <a:prstGeom prst="rect">
+            <a:avLst/>
+          </a:prstGeom>
+          <a:noFill/>
+        </p:spPr>
+        <p:txBody>
+          <a:bodyPr wrap="none" rtlCol="0">
+            <a:spAutoFit/>
+          </a:bodyPr>
+          <a:lstStyle/>
+          <a:p>
+            <a:r>
+              <a:rPr lang="en-US" altLang="ko-KR" sz="3600" dirty="0" smtClean="0">
+                <a:ln>
+                  <a:solidFill>
+                    <a:schemeClr val="bg1">
+                      <a:alpha val="0"/>
+                    </a:schemeClr>
+                  </a:solidFill>
+                </a:ln>
+                <a:solidFill>
+                  <a:schemeClr val="accent6">
+                    <a:lumMod val="50000"/>
+                  </a:schemeClr>
+                </a:solidFill>
+                <a:latin typeface="-윤고딕330" pitchFamily="18" charset="-127"/>
+                <a:ea typeface="-윤고딕330" pitchFamily="18" charset="-127"/>
+              </a:rPr>
+              <a:t>5. </a:t>
+            </a:r>
+            <a:r>
+              <a:rPr lang="ko-KR" altLang="en-US" sz="3600" dirty="0" smtClean="0">
+                <a:ln>
+                  <a:solidFill>
+                    <a:schemeClr val="bg1">
+                      <a:alpha val="0"/>
+                    </a:schemeClr>
+                  </a:solidFill>
+                </a:ln>
+                <a:solidFill>
+                  <a:schemeClr val="accent6">
+                    <a:lumMod val="50000"/>
+                  </a:schemeClr>
+                </a:solidFill>
+                <a:latin typeface="-윤고딕330" pitchFamily="18" charset="-127"/>
+                <a:ea typeface="-윤고딕330" pitchFamily="18" charset="-127"/>
+              </a:rPr>
+              <a:t>게임 특징</a:t>
+            </a:r>
+            <a:endParaRPr lang="ko-KR" altLang="en-US" sz="2000" dirty="0">
+              <a:ln>
+                <a:solidFill>
+                  <a:schemeClr val="bg1">
+                    <a:alpha val="0"/>
+                  </a:schemeClr>
+                </a:solidFill>
+              </a:ln>
+              <a:solidFill>
+                <a:schemeClr val="accent6">
+                  <a:lumMod val="50000"/>
+                </a:schemeClr>
+              </a:solidFill>
+              <a:latin typeface="-윤고딕330" pitchFamily="18" charset="-127"/>
+              <a:ea typeface="-윤고딕330" pitchFamily="18" charset="-127"/>
+            </a:endParaRPr>
+          </a:p>
+        </p:txBody>
+      </p:sp>
+      <p:sp>
+        <p:nvSpPr>
+          <p:cNvPr id="6" name="타원 5"/>
+          <p:cNvSpPr/>
+          <p:nvPr/>
+        </p:nvSpPr>
+        <p:spPr>
+          <a:xfrm>
+            <a:off x="395536" y="1340768"/>
+            <a:ext cx="1296144" cy="1152128"/>
+          </a:xfrm>
+          <a:prstGeom prst="ellipse">
+            <a:avLst/>
+          </a:prstGeom>
+          <a:solidFill>
+            <a:schemeClr val="tx1">
+              <a:lumMod val="65000"/>
+              <a:lumOff val="35000"/>
+            </a:schemeClr>
+          </a:solidFill>
+          <a:ln>
+            <a:noFill/>
+          </a:ln>
+        </p:spPr>
+        <p:style>
+          <a:lnRef idx="2">
+            <a:schemeClr val="accent1">
+              <a:shade val="50000"/>
+            </a:schemeClr>
+          </a:lnRef>
+          <a:fillRef idx="1">
+            <a:schemeClr val="accent1"/>
+          </a:fillRef>
+          <a:effectRef idx="0">
+            <a:schemeClr val="accent1"/>
+          </a:effectRef>
+          <a:fontRef idx="minor">
+            <a:schemeClr val="lt1"/>
+          </a:fontRef>
+        </p:style>
+        <p:txBody>
+          <a:bodyPr rtlCol="0" anchor="ctr"/>
+          <a:lstStyle/>
+          <a:p>
+            <a:pPr algn="ctr"/>
+            <a:r>
+              <a:rPr lang="en-US" altLang="ko-KR" b="1" dirty="0" smtClean="0"/>
+              <a:t>EP 1</a:t>
+            </a:r>
+            <a:endParaRPr lang="ko-KR" altLang="en-US" b="1" dirty="0"/>
+          </a:p>
+        </p:txBody>
+      </p:sp>
+      <p:sp>
+        <p:nvSpPr>
+          <p:cNvPr id="7" name="타원 6"/>
+          <p:cNvSpPr/>
+          <p:nvPr/>
+        </p:nvSpPr>
+        <p:spPr>
+          <a:xfrm>
+            <a:off x="1619672" y="2060848"/>
+            <a:ext cx="1296144" cy="1152128"/>
+          </a:xfrm>
+          <a:prstGeom prst="ellipse">
+            <a:avLst/>
+          </a:prstGeom>
+          <a:solidFill>
+            <a:schemeClr val="tx1">
+              <a:lumMod val="65000"/>
+              <a:lumOff val="35000"/>
+            </a:schemeClr>
+          </a:solidFill>
+          <a:ln>
+            <a:noFill/>
+          </a:ln>
+        </p:spPr>
+        <p:style>
+          <a:lnRef idx="2">
+            <a:schemeClr val="accent1">
+              <a:shade val="50000"/>
+            </a:schemeClr>
+          </a:lnRef>
+          <a:fillRef idx="1">
+            <a:schemeClr val="accent1"/>
+          </a:fillRef>
+          <a:effectRef idx="0">
+            <a:schemeClr val="accent1"/>
+          </a:effectRef>
+          <a:fontRef idx="minor">
+            <a:schemeClr val="lt1"/>
+          </a:fontRef>
+        </p:style>
+        <p:txBody>
+          <a:bodyPr rtlCol="0" anchor="ctr"/>
+          <a:lstStyle/>
+          <a:p>
+            <a:pPr algn="ctr"/>
+            <a:r>
+              <a:rPr lang="en-US" altLang="ko-KR" b="1" dirty="0" smtClean="0"/>
+              <a:t>EP 2</a:t>
+            </a:r>
+            <a:endParaRPr lang="ko-KR" altLang="en-US" b="1" dirty="0"/>
+          </a:p>
+        </p:txBody>
+      </p:sp>
+      <p:sp>
+        <p:nvSpPr>
+          <p:cNvPr id="8" name="타원 7"/>
+          <p:cNvSpPr/>
+          <p:nvPr/>
+        </p:nvSpPr>
+        <p:spPr>
+          <a:xfrm>
+            <a:off x="2915816" y="2780928"/>
+            <a:ext cx="1296144" cy="1152128"/>
+          </a:xfrm>
+          <a:prstGeom prst="ellipse">
+            <a:avLst/>
+          </a:prstGeom>
+          <a:solidFill>
+            <a:schemeClr val="tx1">
+              <a:lumMod val="65000"/>
+              <a:lumOff val="35000"/>
+            </a:schemeClr>
+          </a:solidFill>
+          <a:ln>
+            <a:noFill/>
+          </a:ln>
+        </p:spPr>
+        <p:style>
+          <a:lnRef idx="2">
+            <a:schemeClr val="accent1">
+              <a:shade val="50000"/>
+            </a:schemeClr>
+          </a:lnRef>
+          <a:fillRef idx="1">
+            <a:schemeClr val="accent1"/>
+          </a:fillRef>
+          <a:effectRef idx="0">
+            <a:schemeClr val="accent1"/>
+          </a:effectRef>
+          <a:fontRef idx="minor">
+            <a:schemeClr val="lt1"/>
+          </a:fontRef>
+        </p:style>
+        <p:txBody>
+          <a:bodyPr rtlCol="0" anchor="ctr"/>
+          <a:lstStyle/>
+          <a:p>
+            <a:pPr algn="ctr"/>
+            <a:r>
+              <a:rPr lang="en-US" altLang="ko-KR" b="1" dirty="0" smtClean="0"/>
+              <a:t>EP 3</a:t>
+            </a:r>
+            <a:endParaRPr lang="ko-KR" altLang="en-US" b="1" dirty="0"/>
+          </a:p>
+        </p:txBody>
+      </p:sp>
+      <p:sp>
+        <p:nvSpPr>
+          <p:cNvPr id="9" name="타원 8"/>
+          <p:cNvSpPr/>
+          <p:nvPr/>
+        </p:nvSpPr>
+        <p:spPr>
+          <a:xfrm>
+            <a:off x="4211960" y="3501008"/>
+            <a:ext cx="1296144" cy="1152128"/>
+          </a:xfrm>
+          <a:prstGeom prst="ellipse">
+            <a:avLst/>
+          </a:prstGeom>
+          <a:solidFill>
+            <a:schemeClr val="tx1">
+              <a:lumMod val="65000"/>
+              <a:lumOff val="35000"/>
+            </a:schemeClr>
+          </a:solidFill>
+          <a:ln>
+            <a:noFill/>
+          </a:ln>
+        </p:spPr>
+        <p:style>
+          <a:lnRef idx="2">
+            <a:schemeClr val="accent1">
+              <a:shade val="50000"/>
+            </a:schemeClr>
+          </a:lnRef>
+          <a:fillRef idx="1">
+            <a:schemeClr val="accent1"/>
+          </a:fillRef>
+          <a:effectRef idx="0">
+            <a:schemeClr val="accent1"/>
+          </a:effectRef>
+          <a:fontRef idx="minor">
+            <a:schemeClr val="lt1"/>
+          </a:fontRef>
+        </p:style>
+        <p:txBody>
+          <a:bodyPr rtlCol="0" anchor="ctr"/>
+          <a:lstStyle/>
+          <a:p>
+            <a:pPr algn="ctr"/>
+            <a:r>
+              <a:rPr lang="en-US" altLang="ko-KR" b="1" dirty="0" smtClean="0"/>
+              <a:t>EP 4</a:t>
+            </a:r>
+            <a:endParaRPr lang="ko-KR" altLang="en-US" b="1" dirty="0"/>
+          </a:p>
+        </p:txBody>
+      </p:sp>
+      <p:sp>
+        <p:nvSpPr>
+          <p:cNvPr id="10" name="타원 9"/>
+          <p:cNvSpPr/>
+          <p:nvPr/>
+        </p:nvSpPr>
+        <p:spPr>
+          <a:xfrm>
+            <a:off x="5436096" y="4221088"/>
+            <a:ext cx="1296144" cy="1152128"/>
+          </a:xfrm>
+          <a:prstGeom prst="ellipse">
+            <a:avLst/>
+          </a:prstGeom>
+          <a:solidFill>
+            <a:schemeClr val="tx1">
+              <a:lumMod val="65000"/>
+              <a:lumOff val="35000"/>
+            </a:schemeClr>
+          </a:solidFill>
+          <a:ln>
+            <a:noFill/>
+          </a:ln>
+        </p:spPr>
+        <p:style>
+          <a:lnRef idx="2">
+            <a:schemeClr val="accent1">
+              <a:shade val="50000"/>
+            </a:schemeClr>
+          </a:lnRef>
+          <a:fillRef idx="1">
+            <a:schemeClr val="accent1"/>
+          </a:fillRef>
+          <a:effectRef idx="0">
+            <a:schemeClr val="accent1"/>
+          </a:effectRef>
+          <a:fontRef idx="minor">
+            <a:schemeClr val="lt1"/>
+          </a:fontRef>
+        </p:style>
+        <p:txBody>
+          <a:bodyPr rtlCol="0" anchor="ctr"/>
+          <a:lstStyle/>
+          <a:p>
+            <a:pPr algn="ctr"/>
+            <a:r>
+              <a:rPr lang="en-US" altLang="ko-KR" b="1" dirty="0" smtClean="0"/>
+              <a:t>EP 5</a:t>
+            </a:r>
+            <a:endParaRPr lang="ko-KR" altLang="en-US" b="1" dirty="0"/>
+          </a:p>
+        </p:txBody>
+      </p:sp>
+      <p:sp>
+        <p:nvSpPr>
+          <p:cNvPr id="11" name="타원 10"/>
+          <p:cNvSpPr/>
+          <p:nvPr/>
+        </p:nvSpPr>
+        <p:spPr>
+          <a:xfrm>
+            <a:off x="6732240" y="5013176"/>
+            <a:ext cx="1296144" cy="1152128"/>
+          </a:xfrm>
+          <a:prstGeom prst="ellipse">
+            <a:avLst/>
+          </a:prstGeom>
+          <a:solidFill>
+            <a:schemeClr val="tx1">
+              <a:lumMod val="65000"/>
+              <a:lumOff val="35000"/>
+            </a:schemeClr>
+          </a:solidFill>
+          <a:ln>
+            <a:noFill/>
+          </a:ln>
+        </p:spPr>
+        <p:style>
+          <a:lnRef idx="2">
+            <a:schemeClr val="accent1">
+              <a:shade val="50000"/>
+            </a:schemeClr>
+          </a:lnRef>
+          <a:fillRef idx="1">
+            <a:schemeClr val="accent1"/>
+          </a:fillRef>
+          <a:effectRef idx="0">
+            <a:schemeClr val="accent1"/>
+          </a:effectRef>
+          <a:fontRef idx="minor">
+            <a:schemeClr val="lt1"/>
+          </a:fontRef>
+        </p:style>
+        <p:txBody>
+          <a:bodyPr rtlCol="0" anchor="ctr"/>
+          <a:lstStyle/>
+          <a:p>
+            <a:pPr algn="ctr"/>
+            <a:r>
+              <a:rPr lang="en-US" altLang="ko-KR" b="1" dirty="0" smtClean="0"/>
+              <a:t>EP 6</a:t>
+            </a:r>
+            <a:endParaRPr lang="ko-KR" altLang="en-US" b="1" dirty="0"/>
+          </a:p>
+        </p:txBody>
+      </p:sp>
+      <p:sp>
+        <p:nvSpPr>
+          <p:cNvPr id="13" name="직사각형 12"/>
+          <p:cNvSpPr/>
+          <p:nvPr/>
+        </p:nvSpPr>
+        <p:spPr>
+          <a:xfrm>
+            <a:off x="4355976" y="1556792"/>
+            <a:ext cx="4608512" cy="1224136"/>
+          </a:xfrm>
+          <a:prstGeom prst="rect">
+            <a:avLst/>
+          </a:prstGeom>
+          <a:noFill/>
+          <a:ln>
+            <a:noFill/>
+          </a:ln>
+        </p:spPr>
+        <p:style>
+          <a:lnRef idx="2">
+            <a:schemeClr val="accent1">
+              <a:shade val="50000"/>
+            </a:schemeClr>
+          </a:lnRef>
+          <a:fillRef idx="1">
+            <a:schemeClr val="accent1"/>
+          </a:fillRef>
+          <a:effectRef idx="0">
+            <a:schemeClr val="accent1"/>
+          </a:effectRef>
+          <a:fontRef idx="minor">
+            <a:schemeClr val="lt1"/>
+          </a:fontRef>
+        </p:style>
+        <p:txBody>
+          <a:bodyPr rtlCol="0" anchor="ctr"/>
+          <a:lstStyle/>
+          <a:p>
+            <a:pPr marL="342900" indent="-342900">
+              <a:buAutoNum type="arabicPeriod"/>
+            </a:pPr>
+            <a:r>
+              <a:rPr lang="ko-KR" altLang="en-US" dirty="0" smtClean="0">
+                <a:solidFill>
+                  <a:schemeClr val="tx1"/>
+                </a:solidFill>
+              </a:rPr>
+              <a:t>시나리오에 따른 순차적 진행</a:t>
+            </a:r>
+            <a:endParaRPr lang="en-US" altLang="ko-KR" dirty="0" smtClean="0">
+              <a:solidFill>
+                <a:schemeClr val="tx1"/>
+              </a:solidFill>
+            </a:endParaRPr>
+          </a:p>
+          <a:p>
+            <a:pPr marL="342900" indent="-342900">
+              <a:buAutoNum type="arabicPeriod"/>
+            </a:pPr>
+            <a:endParaRPr lang="en-US" altLang="ko-KR" dirty="0" smtClean="0">
+              <a:solidFill>
+                <a:schemeClr val="tx1"/>
+              </a:solidFill>
+            </a:endParaRPr>
+          </a:p>
+          <a:p>
+            <a:pPr marL="342900" indent="-342900">
+              <a:buAutoNum type="arabicPeriod"/>
+            </a:pPr>
+            <a:r>
+              <a:rPr lang="ko-KR" altLang="en-US" dirty="0" smtClean="0">
+                <a:solidFill>
+                  <a:schemeClr val="tx1"/>
+                </a:solidFill>
+              </a:rPr>
+              <a:t>메인 </a:t>
+            </a:r>
+            <a:r>
+              <a:rPr lang="ko-KR" altLang="en-US" dirty="0" err="1" smtClean="0">
+                <a:solidFill>
+                  <a:schemeClr val="tx1"/>
+                </a:solidFill>
+              </a:rPr>
+              <a:t>퀘스트를</a:t>
+            </a:r>
+            <a:r>
+              <a:rPr lang="ko-KR" altLang="en-US" dirty="0" smtClean="0">
+                <a:solidFill>
+                  <a:schemeClr val="tx1"/>
+                </a:solidFill>
+              </a:rPr>
+              <a:t> 반드시 완료해야만 다음 시나리오 진행 가능</a:t>
+            </a:r>
+            <a:endParaRPr lang="ko-KR" altLang="en-US" dirty="0">
+              <a:solidFill>
+                <a:schemeClr val="tx1"/>
+              </a:solidFill>
+            </a:endParaRPr>
+          </a:p>
+        </p:txBody>
+      </p:sp>
+      <p:sp>
+        <p:nvSpPr>
+          <p:cNvPr id="14" name="직사각형 13"/>
+          <p:cNvSpPr/>
+          <p:nvPr/>
+        </p:nvSpPr>
+        <p:spPr>
+          <a:xfrm>
+            <a:off x="611560" y="4941168"/>
+            <a:ext cx="4608512" cy="1224136"/>
+          </a:xfrm>
+          <a:prstGeom prst="rect">
+            <a:avLst/>
+          </a:prstGeom>
+          <a:noFill/>
+          <a:ln>
+            <a:noFill/>
+          </a:ln>
+        </p:spPr>
+        <p:style>
+          <a:lnRef idx="2">
+            <a:schemeClr val="accent1">
+              <a:shade val="50000"/>
+            </a:schemeClr>
+          </a:lnRef>
+          <a:fillRef idx="1">
+            <a:schemeClr val="accent1"/>
+          </a:fillRef>
+          <a:effectRef idx="0">
+            <a:schemeClr val="accent1"/>
+          </a:effectRef>
+          <a:fontRef idx="minor">
+            <a:schemeClr val="lt1"/>
+          </a:fontRef>
+        </p:style>
+        <p:txBody>
+          <a:bodyPr rtlCol="0" anchor="ctr"/>
+          <a:lstStyle/>
+          <a:p>
+            <a:pPr marL="342900" indent="-342900">
+              <a:buAutoNum type="arabicPeriod" startAt="3"/>
+            </a:pPr>
+            <a:r>
+              <a:rPr lang="ko-KR" altLang="en-US" dirty="0" smtClean="0">
+                <a:solidFill>
+                  <a:schemeClr val="tx1"/>
+                </a:solidFill>
+              </a:rPr>
+              <a:t>직접 항해하며 해적</a:t>
+            </a:r>
+            <a:r>
+              <a:rPr lang="en-US" altLang="ko-KR" dirty="0" smtClean="0">
+                <a:solidFill>
+                  <a:schemeClr val="tx1"/>
+                </a:solidFill>
+              </a:rPr>
+              <a:t>(</a:t>
+            </a:r>
+            <a:r>
+              <a:rPr lang="ko-KR" altLang="en-US" dirty="0" err="1" smtClean="0">
+                <a:solidFill>
+                  <a:schemeClr val="tx1"/>
+                </a:solidFill>
+              </a:rPr>
+              <a:t>몬스터</a:t>
+            </a:r>
+            <a:r>
+              <a:rPr lang="en-US" altLang="ko-KR" dirty="0" smtClean="0">
+                <a:solidFill>
+                  <a:schemeClr val="tx1"/>
+                </a:solidFill>
+              </a:rPr>
+              <a:t>)</a:t>
+            </a:r>
+            <a:r>
+              <a:rPr lang="ko-KR" altLang="en-US" dirty="0" smtClean="0">
+                <a:solidFill>
+                  <a:schemeClr val="tx1"/>
+                </a:solidFill>
+              </a:rPr>
+              <a:t> 사냥</a:t>
+            </a:r>
+            <a:endParaRPr lang="en-US" altLang="ko-KR" dirty="0" smtClean="0">
+              <a:solidFill>
+                <a:schemeClr val="tx1"/>
+              </a:solidFill>
+            </a:endParaRPr>
+          </a:p>
+          <a:p>
+            <a:pPr marL="342900" indent="-342900">
+              <a:buAutoNum type="arabicPeriod" startAt="3"/>
+            </a:pPr>
+            <a:endParaRPr lang="en-US" altLang="ko-KR" dirty="0" smtClean="0">
+              <a:solidFill>
+                <a:schemeClr val="tx1"/>
+              </a:solidFill>
+            </a:endParaRPr>
+          </a:p>
+          <a:p>
+            <a:pPr marL="342900" indent="-342900">
+              <a:buAutoNum type="arabicPeriod" startAt="3"/>
+            </a:pPr>
+            <a:r>
+              <a:rPr lang="en-US" altLang="ko-KR" dirty="0" smtClean="0">
+                <a:solidFill>
+                  <a:schemeClr val="tx1"/>
+                </a:solidFill>
+              </a:rPr>
+              <a:t>SNS </a:t>
+            </a:r>
+            <a:r>
+              <a:rPr lang="ko-KR" altLang="en-US" dirty="0" smtClean="0">
+                <a:solidFill>
+                  <a:schemeClr val="tx1"/>
+                </a:solidFill>
+              </a:rPr>
+              <a:t>연동을 통한 </a:t>
+            </a:r>
+            <a:r>
+              <a:rPr lang="ko-KR" altLang="en-US" dirty="0" err="1" smtClean="0">
+                <a:solidFill>
+                  <a:schemeClr val="tx1"/>
+                </a:solidFill>
+              </a:rPr>
+              <a:t>소셜</a:t>
+            </a:r>
+            <a:r>
+              <a:rPr lang="ko-KR" altLang="en-US" dirty="0" smtClean="0">
+                <a:solidFill>
+                  <a:schemeClr val="tx1"/>
+                </a:solidFill>
+              </a:rPr>
+              <a:t> 기능</a:t>
+            </a:r>
+            <a:endParaRPr lang="en-US" altLang="ko-KR" dirty="0" smtClean="0">
+              <a:solidFill>
+                <a:schemeClr val="tx1"/>
+              </a:solidFill>
+            </a:endParaRPr>
+          </a:p>
+        </p:txBody>
+      </p:sp>
+    </p:spTree>
+  </p:cSld>
+  <p:clrMapOvr>
+    <a:masterClrMapping/>
+  </p:clrMapOvr>
+  <p:transition spd="slow">
+    <p:push dir="u"/>
+  </p:transition>
+  <p:timing>
+    <p:tnLst>
+      <p:par>
+        <p:cTn id="1" dur="indefinite" restart="never" nodeType="tmRoot"/>
+      </p:par>
+    </p:tnLst>
+  </p:timing>
+</p:sld>
+</file>
+
+<file path=ppt/slides/slide24.xml><?xml version="1.0" encoding="utf-8"?>
 <p:sld xmlns:a="http://schemas.openxmlformats.org/drawingml/2006/main" xmlns:r="http://schemas.openxmlformats.org/officeDocument/2006/relationships" xmlns:p="http://schemas.openxmlformats.org/presentationml/2006/main">
   <p:cSld>
     <p:spTree>
@@ -9377,7 +13686,7 @@
             <a:fld id="{6077AF18-BF2E-40A5-AFCC-D5AE0C2FE057}" type="slidenum">
               <a:rPr lang="ko-KR" altLang="en-US" smtClean="0"/>
               <a:pPr/>
-              <a:t>22</a:t>
+              <a:t>24</a:t>
             </a:fld>
             <a:endParaRPr lang="ko-KR" altLang="en-US" dirty="0"/>
           </a:p>
@@ -9470,6 +13779,289 @@
   <p:transition spd="slow">
     <p:push dir="u"/>
   </p:transition>
+  <p:timing>
+    <p:tnLst>
+      <p:par>
+        <p:cTn id="1" dur="indefinite" restart="never" nodeType="tmRoot"/>
+      </p:par>
+    </p:tnLst>
+  </p:timing>
+</p:sld>
+</file>
+
+<file path=ppt/slides/slide25.xml><?xml version="1.0" encoding="utf-8"?>
+<p:sld xmlns:a="http://schemas.openxmlformats.org/drawingml/2006/main" xmlns:r="http://schemas.openxmlformats.org/officeDocument/2006/relationships" xmlns:p="http://schemas.openxmlformats.org/presentationml/2006/main">
+  <p:cSld>
+    <p:spTree>
+      <p:nvGrpSpPr>
+        <p:cNvPr id="1" name=""/>
+        <p:cNvGrpSpPr/>
+        <p:nvPr/>
+      </p:nvGrpSpPr>
+      <p:grpSpPr>
+        <a:xfrm>
+          <a:off x="0" y="0"/>
+          <a:ext cx="0" cy="0"/>
+          <a:chOff x="0" y="0"/>
+          <a:chExt cx="0" cy="0"/>
+        </a:xfrm>
+      </p:grpSpPr>
+      <p:sp>
+        <p:nvSpPr>
+          <p:cNvPr id="4" name="슬라이드 번호 개체 틀 3"/>
+          <p:cNvSpPr>
+            <a:spLocks noGrp="1"/>
+          </p:cNvSpPr>
+          <p:nvPr>
+            <p:ph type="sldNum" sz="quarter" idx="12"/>
+          </p:nvPr>
+        </p:nvSpPr>
+        <p:spPr/>
+        <p:txBody>
+          <a:bodyPr/>
+          <a:lstStyle/>
+          <a:p>
+            <a:fld id="{6077AF18-BF2E-40A5-AFCC-D5AE0C2FE057}" type="slidenum">
+              <a:rPr lang="ko-KR" altLang="en-US" smtClean="0"/>
+              <a:pPr/>
+              <a:t>25</a:t>
+            </a:fld>
+            <a:endParaRPr lang="ko-KR" altLang="en-US" dirty="0"/>
+          </a:p>
+        </p:txBody>
+      </p:sp>
+      <p:sp>
+        <p:nvSpPr>
+          <p:cNvPr id="5" name="TextBox 4"/>
+          <p:cNvSpPr txBox="1"/>
+          <p:nvPr/>
+        </p:nvSpPr>
+        <p:spPr>
+          <a:xfrm>
+            <a:off x="359869" y="332656"/>
+            <a:ext cx="3640740" cy="646331"/>
+          </a:xfrm>
+          <a:prstGeom prst="rect">
+            <a:avLst/>
+          </a:prstGeom>
+          <a:noFill/>
+        </p:spPr>
+        <p:txBody>
+          <a:bodyPr wrap="none" rtlCol="0">
+            <a:spAutoFit/>
+          </a:bodyPr>
+          <a:lstStyle/>
+          <a:p>
+            <a:r>
+              <a:rPr lang="en-US" altLang="ko-KR" sz="3600" dirty="0" smtClean="0">
+                <a:ln>
+                  <a:solidFill>
+                    <a:schemeClr val="bg1">
+                      <a:alpha val="0"/>
+                    </a:schemeClr>
+                  </a:solidFill>
+                </a:ln>
+                <a:solidFill>
+                  <a:schemeClr val="accent6">
+                    <a:lumMod val="50000"/>
+                  </a:schemeClr>
+                </a:solidFill>
+                <a:latin typeface="-윤고딕330" pitchFamily="18" charset="-127"/>
+                <a:ea typeface="-윤고딕330" pitchFamily="18" charset="-127"/>
+              </a:rPr>
+              <a:t>1.3 </a:t>
+            </a:r>
+            <a:r>
+              <a:rPr lang="ko-KR" altLang="en-US" sz="3600" dirty="0" smtClean="0">
+                <a:ln>
+                  <a:solidFill>
+                    <a:schemeClr val="bg1">
+                      <a:alpha val="0"/>
+                    </a:schemeClr>
+                  </a:solidFill>
+                </a:ln>
+                <a:solidFill>
+                  <a:schemeClr val="accent6">
+                    <a:lumMod val="50000"/>
+                  </a:schemeClr>
+                </a:solidFill>
+                <a:latin typeface="-윤고딕330" pitchFamily="18" charset="-127"/>
+                <a:ea typeface="-윤고딕330" pitchFamily="18" charset="-127"/>
+              </a:rPr>
+              <a:t>소재 및 배경</a:t>
+            </a:r>
+            <a:endParaRPr lang="ko-KR" altLang="en-US" sz="2000" dirty="0">
+              <a:ln>
+                <a:solidFill>
+                  <a:schemeClr val="bg1">
+                    <a:alpha val="0"/>
+                  </a:schemeClr>
+                </a:solidFill>
+              </a:ln>
+              <a:solidFill>
+                <a:schemeClr val="accent6">
+                  <a:lumMod val="50000"/>
+                </a:schemeClr>
+              </a:solidFill>
+              <a:latin typeface="-윤고딕330" pitchFamily="18" charset="-127"/>
+              <a:ea typeface="-윤고딕330" pitchFamily="18" charset="-127"/>
+            </a:endParaRPr>
+          </a:p>
+        </p:txBody>
+      </p:sp>
+    </p:spTree>
+  </p:cSld>
+  <p:clrMapOvr>
+    <a:masterClrMapping/>
+  </p:clrMapOvr>
+  <p:transition spd="slow">
+    <p:push dir="u"/>
+  </p:transition>
+  <p:timing>
+    <p:tnLst>
+      <p:par>
+        <p:cTn id="1" dur="indefinite" restart="never" nodeType="tmRoot"/>
+      </p:par>
+    </p:tnLst>
+  </p:timing>
+</p:sld>
+</file>
+
+<file path=ppt/slides/slide26.xml><?xml version="1.0" encoding="utf-8"?>
+<p:sld xmlns:a="http://schemas.openxmlformats.org/drawingml/2006/main" xmlns:r="http://schemas.openxmlformats.org/officeDocument/2006/relationships" xmlns:p="http://schemas.openxmlformats.org/presentationml/2006/main">
+  <p:cSld>
+    <p:spTree>
+      <p:nvGrpSpPr>
+        <p:cNvPr id="1" name=""/>
+        <p:cNvGrpSpPr/>
+        <p:nvPr/>
+      </p:nvGrpSpPr>
+      <p:grpSpPr>
+        <a:xfrm>
+          <a:off x="0" y="0"/>
+          <a:ext cx="0" cy="0"/>
+          <a:chOff x="0" y="0"/>
+          <a:chExt cx="0" cy="0"/>
+        </a:xfrm>
+      </p:grpSpPr>
+      <p:sp>
+        <p:nvSpPr>
+          <p:cNvPr id="4" name="슬라이드 번호 개체 틀 3"/>
+          <p:cNvSpPr>
+            <a:spLocks noGrp="1"/>
+          </p:cNvSpPr>
+          <p:nvPr>
+            <p:ph type="sldNum" sz="quarter" idx="12"/>
+          </p:nvPr>
+        </p:nvSpPr>
+        <p:spPr/>
+        <p:txBody>
+          <a:bodyPr/>
+          <a:lstStyle/>
+          <a:p>
+            <a:fld id="{6077AF18-BF2E-40A5-AFCC-D5AE0C2FE057}" type="slidenum">
+              <a:rPr lang="ko-KR" altLang="en-US" smtClean="0"/>
+              <a:pPr/>
+              <a:t>26</a:t>
+            </a:fld>
+            <a:endParaRPr lang="ko-KR" altLang="en-US" dirty="0"/>
+          </a:p>
+        </p:txBody>
+      </p:sp>
+      <p:sp>
+        <p:nvSpPr>
+          <p:cNvPr id="5" name="TextBox 4"/>
+          <p:cNvSpPr txBox="1"/>
+          <p:nvPr/>
+        </p:nvSpPr>
+        <p:spPr>
+          <a:xfrm>
+            <a:off x="359869" y="332656"/>
+            <a:ext cx="3640740" cy="646331"/>
+          </a:xfrm>
+          <a:prstGeom prst="rect">
+            <a:avLst/>
+          </a:prstGeom>
+          <a:noFill/>
+        </p:spPr>
+        <p:txBody>
+          <a:bodyPr wrap="none" rtlCol="0">
+            <a:spAutoFit/>
+          </a:bodyPr>
+          <a:lstStyle/>
+          <a:p>
+            <a:r>
+              <a:rPr lang="en-US" altLang="ko-KR" sz="3600" dirty="0" smtClean="0">
+                <a:ln>
+                  <a:solidFill>
+                    <a:schemeClr val="bg1">
+                      <a:alpha val="0"/>
+                    </a:schemeClr>
+                  </a:solidFill>
+                </a:ln>
+                <a:solidFill>
+                  <a:schemeClr val="accent6">
+                    <a:lumMod val="50000"/>
+                  </a:schemeClr>
+                </a:solidFill>
+                <a:latin typeface="-윤고딕330" pitchFamily="18" charset="-127"/>
+                <a:ea typeface="-윤고딕330" pitchFamily="18" charset="-127"/>
+              </a:rPr>
+              <a:t>1.3 </a:t>
+            </a:r>
+            <a:r>
+              <a:rPr lang="ko-KR" altLang="en-US" sz="3600" dirty="0" smtClean="0">
+                <a:ln>
+                  <a:solidFill>
+                    <a:schemeClr val="bg1">
+                      <a:alpha val="0"/>
+                    </a:schemeClr>
+                  </a:solidFill>
+                </a:ln>
+                <a:solidFill>
+                  <a:schemeClr val="accent6">
+                    <a:lumMod val="50000"/>
+                  </a:schemeClr>
+                </a:solidFill>
+                <a:latin typeface="-윤고딕330" pitchFamily="18" charset="-127"/>
+                <a:ea typeface="-윤고딕330" pitchFamily="18" charset="-127"/>
+              </a:rPr>
+              <a:t>소재 및 배경</a:t>
+            </a:r>
+            <a:endParaRPr lang="ko-KR" altLang="en-US" sz="2000" dirty="0">
+              <a:ln>
+                <a:solidFill>
+                  <a:schemeClr val="bg1">
+                    <a:alpha val="0"/>
+                  </a:schemeClr>
+                </a:solidFill>
+              </a:ln>
+              <a:solidFill>
+                <a:schemeClr val="accent6">
+                  <a:lumMod val="50000"/>
+                </a:schemeClr>
+              </a:solidFill>
+              <a:latin typeface="-윤고딕330" pitchFamily="18" charset="-127"/>
+              <a:ea typeface="-윤고딕330" pitchFamily="18" charset="-127"/>
+            </a:endParaRPr>
+          </a:p>
+        </p:txBody>
+      </p:sp>
+    </p:spTree>
+  </p:cSld>
+  <p:clrMapOvr>
+    <a:masterClrMapping/>
+  </p:clrMapOvr>
+  <p:transition spd="slow">
+    <p:push dir="u"/>
+  </p:transition>
+  <p:timing>
+    <p:tnLst>
+      <p:par>
+        <p:cTn id="1" dur="indefinite" restart="never" nodeType="tmRoot"/>
+      </p:par>
+    </p:tnLst>
+  </p:timing>
 </p:sld>
 </file>
 
@@ -9627,7 +14219,7 @@
             <a:blip r:embed="rId2" cstate="print">
               <a:extLst>
                 <a:ext uri="{28A0092B-C50C-407E-A947-70E740481C1C}">
-                  <a14:useLocalDpi xmlns:a14="http://schemas.microsoft.com/office/drawing/2010/main" xmlns="" val="0"/>
+                  <a14:useLocalDpi xmlns="" xmlns:a14="http://schemas.microsoft.com/office/drawing/2010/main" val="0"/>
                 </a:ext>
               </a:extLst>
             </a:blip>
@@ -9830,7 +14422,7 @@
     </p:spTree>
     <p:extLst>
       <p:ext uri="{BB962C8B-B14F-4D97-AF65-F5344CB8AC3E}">
-        <p14:creationId xmlns:p14="http://schemas.microsoft.com/office/powerpoint/2010/main" xmlns="" val="2619248131"/>
+        <p14:creationId xmlns="" xmlns:p14="http://schemas.microsoft.com/office/powerpoint/2010/main" val="2619248131"/>
       </p:ext>
     </p:extLst>
   </p:cSld>
@@ -9851,6 +14443,969 @@
 </file>
 
 <file path=ppt/slides/slide4.xml><?xml version="1.0" encoding="utf-8"?>
+<p:sld xmlns:a="http://schemas.openxmlformats.org/drawingml/2006/main" xmlns:r="http://schemas.openxmlformats.org/officeDocument/2006/relationships" xmlns:p="http://schemas.openxmlformats.org/presentationml/2006/main">
+  <p:cSld>
+    <p:spTree>
+      <p:nvGrpSpPr>
+        <p:cNvPr id="1" name=""/>
+        <p:cNvGrpSpPr/>
+        <p:nvPr/>
+      </p:nvGrpSpPr>
+      <p:grpSpPr>
+        <a:xfrm>
+          <a:off x="0" y="0"/>
+          <a:ext cx="0" cy="0"/>
+          <a:chOff x="0" y="0"/>
+          <a:chExt cx="0" cy="0"/>
+        </a:xfrm>
+      </p:grpSpPr>
+      <p:sp>
+        <p:nvSpPr>
+          <p:cNvPr id="4" name="슬라이드 번호 개체 틀 3"/>
+          <p:cNvSpPr>
+            <a:spLocks noGrp="1"/>
+          </p:cNvSpPr>
+          <p:nvPr>
+            <p:ph type="sldNum" sz="quarter" idx="12"/>
+          </p:nvPr>
+        </p:nvSpPr>
+        <p:spPr/>
+        <p:txBody>
+          <a:bodyPr/>
+          <a:lstStyle/>
+          <a:p>
+            <a:fld id="{6077AF18-BF2E-40A5-AFCC-D5AE0C2FE057}" type="slidenum">
+              <a:rPr lang="ko-KR" altLang="en-US" smtClean="0"/>
+              <a:pPr/>
+              <a:t>4</a:t>
+            </a:fld>
+            <a:endParaRPr lang="ko-KR" altLang="en-US" dirty="0"/>
+          </a:p>
+        </p:txBody>
+      </p:sp>
+      <p:sp>
+        <p:nvSpPr>
+          <p:cNvPr id="5" name="TextBox 4"/>
+          <p:cNvSpPr txBox="1"/>
+          <p:nvPr/>
+        </p:nvSpPr>
+        <p:spPr>
+          <a:xfrm>
+            <a:off x="359869" y="332656"/>
+            <a:ext cx="2749471" cy="646331"/>
+          </a:xfrm>
+          <a:prstGeom prst="rect">
+            <a:avLst/>
+          </a:prstGeom>
+          <a:noFill/>
+        </p:spPr>
+        <p:txBody>
+          <a:bodyPr wrap="none" rtlCol="0">
+            <a:spAutoFit/>
+          </a:bodyPr>
+          <a:lstStyle/>
+          <a:p>
+            <a:r>
+              <a:rPr lang="en-US" altLang="ko-KR" sz="3600" dirty="0" smtClean="0">
+                <a:ln>
+                  <a:solidFill>
+                    <a:schemeClr val="bg1">
+                      <a:alpha val="0"/>
+                    </a:schemeClr>
+                  </a:solidFill>
+                </a:ln>
+                <a:solidFill>
+                  <a:schemeClr val="accent6">
+                    <a:lumMod val="50000"/>
+                  </a:schemeClr>
+                </a:solidFill>
+                <a:latin typeface="-윤고딕330" pitchFamily="18" charset="-127"/>
+                <a:ea typeface="-윤고딕330" pitchFamily="18" charset="-127"/>
+              </a:rPr>
+              <a:t>1. </a:t>
+            </a:r>
+            <a:r>
+              <a:rPr lang="ko-KR" altLang="en-US" sz="3600" dirty="0" smtClean="0">
+                <a:ln>
+                  <a:solidFill>
+                    <a:schemeClr val="bg1">
+                      <a:alpha val="0"/>
+                    </a:schemeClr>
+                  </a:solidFill>
+                </a:ln>
+                <a:solidFill>
+                  <a:schemeClr val="accent6">
+                    <a:lumMod val="50000"/>
+                  </a:schemeClr>
+                </a:solidFill>
+                <a:latin typeface="-윤고딕330" pitchFamily="18" charset="-127"/>
+                <a:ea typeface="-윤고딕330" pitchFamily="18" charset="-127"/>
+              </a:rPr>
+              <a:t>팀원 소개</a:t>
+            </a:r>
+            <a:endParaRPr lang="ko-KR" altLang="en-US" sz="2000" dirty="0">
+              <a:ln>
+                <a:solidFill>
+                  <a:schemeClr val="bg1">
+                    <a:alpha val="0"/>
+                  </a:schemeClr>
+                </a:solidFill>
+              </a:ln>
+              <a:solidFill>
+                <a:schemeClr val="accent6">
+                  <a:lumMod val="50000"/>
+                </a:schemeClr>
+              </a:solidFill>
+              <a:latin typeface="-윤고딕330" pitchFamily="18" charset="-127"/>
+              <a:ea typeface="-윤고딕330" pitchFamily="18" charset="-127"/>
+            </a:endParaRPr>
+          </a:p>
+        </p:txBody>
+      </p:sp>
+      <p:sp>
+        <p:nvSpPr>
+          <p:cNvPr id="8" name="직사각형 7"/>
+          <p:cNvSpPr/>
+          <p:nvPr/>
+        </p:nvSpPr>
+        <p:spPr>
+          <a:xfrm>
+            <a:off x="2699792" y="4797152"/>
+            <a:ext cx="5472608" cy="1512168"/>
+          </a:xfrm>
+          <a:prstGeom prst="rect">
+            <a:avLst/>
+          </a:prstGeom>
+          <a:gradFill flip="none" rotWithShape="1">
+            <a:gsLst>
+              <a:gs pos="0">
+                <a:srgbClr val="F1B50D">
+                  <a:tint val="66000"/>
+                  <a:satMod val="160000"/>
+                </a:srgbClr>
+              </a:gs>
+              <a:gs pos="50000">
+                <a:srgbClr val="F1B50D">
+                  <a:tint val="44500"/>
+                  <a:satMod val="160000"/>
+                </a:srgbClr>
+              </a:gs>
+              <a:gs pos="100000">
+                <a:srgbClr val="F1B50D">
+                  <a:tint val="23500"/>
+                  <a:satMod val="160000"/>
+                </a:srgbClr>
+              </a:gs>
+            </a:gsLst>
+            <a:lin ang="13500000" scaled="1"/>
+            <a:tileRect/>
+          </a:gradFill>
+          <a:ln>
+            <a:noFill/>
+          </a:ln>
+        </p:spPr>
+        <p:style>
+          <a:lnRef idx="2">
+            <a:schemeClr val="accent1">
+              <a:shade val="50000"/>
+            </a:schemeClr>
+          </a:lnRef>
+          <a:fillRef idx="1">
+            <a:schemeClr val="accent1"/>
+          </a:fillRef>
+          <a:effectRef idx="0">
+            <a:schemeClr val="accent1"/>
+          </a:effectRef>
+          <a:fontRef idx="minor">
+            <a:schemeClr val="lt1"/>
+          </a:fontRef>
+        </p:style>
+        <p:txBody>
+          <a:bodyPr rtlCol="0" anchor="ctr"/>
+          <a:lstStyle/>
+          <a:p>
+            <a:pPr>
+              <a:lnSpc>
+                <a:spcPct val="150000"/>
+              </a:lnSpc>
+            </a:pPr>
+            <a:endParaRPr lang="en-US" altLang="ko-KR" dirty="0" smtClean="0">
+              <a:solidFill>
+                <a:schemeClr val="tx1"/>
+              </a:solidFill>
+              <a:latin typeface="HY신명조" pitchFamily="18" charset="-127"/>
+              <a:ea typeface="HY신명조" pitchFamily="18" charset="-127"/>
+            </a:endParaRPr>
+          </a:p>
+          <a:p>
+            <a:pPr>
+              <a:lnSpc>
+                <a:spcPct val="150000"/>
+              </a:lnSpc>
+            </a:pPr>
+            <a:r>
+              <a:rPr lang="ko-KR" altLang="en-US" dirty="0" smtClean="0">
+                <a:solidFill>
+                  <a:schemeClr val="tx1"/>
+                </a:solidFill>
+                <a:latin typeface="HY신명조" pitchFamily="18" charset="-127"/>
+                <a:ea typeface="HY신명조" pitchFamily="18" charset="-127"/>
+              </a:rPr>
+              <a:t>이름 </a:t>
+            </a:r>
+            <a:r>
+              <a:rPr lang="en-US" altLang="ko-KR" dirty="0" smtClean="0">
+                <a:solidFill>
+                  <a:schemeClr val="tx1"/>
+                </a:solidFill>
+                <a:latin typeface="HY신명조" pitchFamily="18" charset="-127"/>
+                <a:ea typeface="HY신명조" pitchFamily="18" charset="-127"/>
+              </a:rPr>
+              <a:t>: </a:t>
+            </a:r>
+            <a:r>
+              <a:rPr lang="ko-KR" altLang="en-US" dirty="0" smtClean="0">
+                <a:solidFill>
+                  <a:schemeClr val="tx1"/>
+                </a:solidFill>
+                <a:latin typeface="HY신명조" pitchFamily="18" charset="-127"/>
+                <a:ea typeface="HY신명조" pitchFamily="18" charset="-127"/>
+              </a:rPr>
+              <a:t>이 가을 </a:t>
+            </a:r>
+            <a:r>
+              <a:rPr lang="en-US" altLang="ko-KR" dirty="0" smtClean="0">
+                <a:solidFill>
+                  <a:schemeClr val="tx1"/>
+                </a:solidFill>
+                <a:latin typeface="HY신명조" pitchFamily="18" charset="-127"/>
+                <a:ea typeface="HY신명조" pitchFamily="18" charset="-127"/>
+              </a:rPr>
+              <a:t>(22)</a:t>
+            </a:r>
+          </a:p>
+          <a:p>
+            <a:pPr>
+              <a:lnSpc>
+                <a:spcPct val="150000"/>
+              </a:lnSpc>
+            </a:pPr>
+            <a:r>
+              <a:rPr lang="ko-KR" altLang="en-US" dirty="0" smtClean="0">
+                <a:solidFill>
+                  <a:schemeClr val="tx1"/>
+                </a:solidFill>
+                <a:latin typeface="HY신명조" pitchFamily="18" charset="-127"/>
+                <a:ea typeface="HY신명조" pitchFamily="18" charset="-127"/>
+              </a:rPr>
+              <a:t>학력 </a:t>
+            </a:r>
+            <a:r>
+              <a:rPr lang="en-US" altLang="ko-KR" dirty="0" smtClean="0">
+                <a:solidFill>
+                  <a:schemeClr val="tx1"/>
+                </a:solidFill>
+                <a:latin typeface="HY신명조" pitchFamily="18" charset="-127"/>
+                <a:ea typeface="HY신명조" pitchFamily="18" charset="-127"/>
+              </a:rPr>
+              <a:t>: </a:t>
+            </a:r>
+            <a:r>
+              <a:rPr lang="ko-KR" altLang="en-US" dirty="0" smtClean="0">
+                <a:solidFill>
+                  <a:schemeClr val="tx1"/>
+                </a:solidFill>
+                <a:latin typeface="HY신명조" pitchFamily="18" charset="-127"/>
+                <a:ea typeface="HY신명조" pitchFamily="18" charset="-127"/>
+              </a:rPr>
+              <a:t>명지대학교 컴퓨터공학과 </a:t>
+            </a:r>
+            <a:r>
+              <a:rPr lang="en-US" altLang="ko-KR" dirty="0" smtClean="0">
+                <a:solidFill>
+                  <a:schemeClr val="tx1"/>
+                </a:solidFill>
+                <a:latin typeface="HY신명조" pitchFamily="18" charset="-127"/>
+                <a:ea typeface="HY신명조" pitchFamily="18" charset="-127"/>
+              </a:rPr>
+              <a:t>3</a:t>
+            </a:r>
+            <a:r>
+              <a:rPr lang="ko-KR" altLang="en-US" dirty="0" smtClean="0">
+                <a:solidFill>
+                  <a:schemeClr val="tx1"/>
+                </a:solidFill>
+                <a:latin typeface="HY신명조" pitchFamily="18" charset="-127"/>
+                <a:ea typeface="HY신명조" pitchFamily="18" charset="-127"/>
+              </a:rPr>
+              <a:t>학년 재학 중</a:t>
+            </a:r>
+            <a:endParaRPr lang="en-US" altLang="ko-KR" dirty="0" smtClean="0">
+              <a:solidFill>
+                <a:schemeClr val="tx1"/>
+              </a:solidFill>
+              <a:latin typeface="HY신명조" pitchFamily="18" charset="-127"/>
+              <a:ea typeface="HY신명조" pitchFamily="18" charset="-127"/>
+            </a:endParaRPr>
+          </a:p>
+          <a:p>
+            <a:pPr>
+              <a:lnSpc>
+                <a:spcPct val="150000"/>
+              </a:lnSpc>
+            </a:pPr>
+            <a:r>
+              <a:rPr lang="ko-KR" altLang="en-US" dirty="0" smtClean="0">
+                <a:solidFill>
+                  <a:schemeClr val="tx1"/>
+                </a:solidFill>
+                <a:latin typeface="HY신명조" pitchFamily="18" charset="-127"/>
+                <a:ea typeface="HY신명조" pitchFamily="18" charset="-127"/>
+              </a:rPr>
+              <a:t>특이사항 </a:t>
+            </a:r>
+            <a:r>
+              <a:rPr lang="en-US" altLang="ko-KR" dirty="0" smtClean="0">
+                <a:solidFill>
+                  <a:schemeClr val="tx1"/>
+                </a:solidFill>
+                <a:latin typeface="HY신명조" pitchFamily="18" charset="-127"/>
+                <a:ea typeface="HY신명조" pitchFamily="18" charset="-127"/>
+              </a:rPr>
+              <a:t>: </a:t>
+            </a:r>
+            <a:r>
+              <a:rPr lang="ko-KR" altLang="en-US" dirty="0" smtClean="0">
+                <a:solidFill>
+                  <a:schemeClr val="tx1"/>
+                </a:solidFill>
+                <a:latin typeface="HY신명조" pitchFamily="18" charset="-127"/>
+                <a:ea typeface="HY신명조" pitchFamily="18" charset="-127"/>
+              </a:rPr>
+              <a:t>남자든 여자든 누구라도 좋아요</a:t>
+            </a:r>
+            <a:r>
+              <a:rPr lang="en-US" altLang="ko-KR" dirty="0" smtClean="0">
+                <a:solidFill>
+                  <a:schemeClr val="tx1"/>
+                </a:solidFill>
+                <a:latin typeface="HY신명조" pitchFamily="18" charset="-127"/>
+                <a:ea typeface="HY신명조" pitchFamily="18" charset="-127"/>
+              </a:rPr>
+              <a:t>. </a:t>
+            </a:r>
+          </a:p>
+          <a:p>
+            <a:pPr>
+              <a:lnSpc>
+                <a:spcPct val="150000"/>
+              </a:lnSpc>
+            </a:pPr>
+            <a:endParaRPr lang="ko-KR" altLang="en-US" dirty="0">
+              <a:solidFill>
+                <a:schemeClr val="tx1"/>
+              </a:solidFill>
+              <a:latin typeface="HY신명조" pitchFamily="18" charset="-127"/>
+              <a:ea typeface="HY신명조" pitchFamily="18" charset="-127"/>
+            </a:endParaRPr>
+          </a:p>
+        </p:txBody>
+      </p:sp>
+      <p:pic>
+        <p:nvPicPr>
+          <p:cNvPr id="1026" name="Picture 2" descr="https://fbcdn-sphotos-b-a.akamaihd.net/hphotos-ak-prn1/24446_409376172483585_1329976949_n.jpg"/>
+          <p:cNvPicPr>
+            <a:picLocks noChangeAspect="1" noChangeArrowheads="1"/>
+          </p:cNvPicPr>
+          <p:nvPr/>
+        </p:nvPicPr>
+        <p:blipFill>
+          <a:blip r:embed="rId2" cstate="print"/>
+          <a:srcRect l="7875" r="21251" b="46762"/>
+          <a:stretch>
+            <a:fillRect/>
+          </a:stretch>
+        </p:blipFill>
+        <p:spPr bwMode="auto">
+          <a:xfrm>
+            <a:off x="1115616" y="3140968"/>
+            <a:ext cx="1512168" cy="1512168"/>
+          </a:xfrm>
+          <a:prstGeom prst="rect">
+            <a:avLst/>
+          </a:prstGeom>
+          <a:noFill/>
+        </p:spPr>
+      </p:pic>
+      <p:pic>
+        <p:nvPicPr>
+          <p:cNvPr id="1027" name="Picture 3" descr="C:\Users\q\Desktop\Downloads\CAPTURE_130eb075009.jpg"/>
+          <p:cNvPicPr>
+            <a:picLocks noChangeArrowheads="1"/>
+          </p:cNvPicPr>
+          <p:nvPr/>
+        </p:nvPicPr>
+        <p:blipFill>
+          <a:blip r:embed="rId3" cstate="print"/>
+          <a:srcRect l="17221" t="6294" r="21650" b="14563"/>
+          <a:stretch>
+            <a:fillRect/>
+          </a:stretch>
+        </p:blipFill>
+        <p:spPr bwMode="auto">
+          <a:xfrm>
+            <a:off x="1115616" y="1484952"/>
+            <a:ext cx="1512000" cy="1512000"/>
+          </a:xfrm>
+          <a:prstGeom prst="rect">
+            <a:avLst/>
+          </a:prstGeom>
+          <a:noFill/>
+        </p:spPr>
+      </p:pic>
+      <p:sp>
+        <p:nvSpPr>
+          <p:cNvPr id="9" name="직사각형 8"/>
+          <p:cNvSpPr/>
+          <p:nvPr/>
+        </p:nvSpPr>
+        <p:spPr>
+          <a:xfrm>
+            <a:off x="2699792" y="3140968"/>
+            <a:ext cx="5472608" cy="1512168"/>
+          </a:xfrm>
+          <a:prstGeom prst="rect">
+            <a:avLst/>
+          </a:prstGeom>
+          <a:gradFill flip="none" rotWithShape="1">
+            <a:gsLst>
+              <a:gs pos="0">
+                <a:srgbClr val="F1B50D">
+                  <a:tint val="66000"/>
+                  <a:satMod val="160000"/>
+                </a:srgbClr>
+              </a:gs>
+              <a:gs pos="50000">
+                <a:srgbClr val="F1B50D">
+                  <a:tint val="44500"/>
+                  <a:satMod val="160000"/>
+                </a:srgbClr>
+              </a:gs>
+              <a:gs pos="100000">
+                <a:srgbClr val="F1B50D">
+                  <a:tint val="23500"/>
+                  <a:satMod val="160000"/>
+                </a:srgbClr>
+              </a:gs>
+            </a:gsLst>
+            <a:lin ang="13500000" scaled="1"/>
+            <a:tileRect/>
+          </a:gradFill>
+          <a:ln>
+            <a:noFill/>
+          </a:ln>
+        </p:spPr>
+        <p:style>
+          <a:lnRef idx="2">
+            <a:schemeClr val="accent1">
+              <a:shade val="50000"/>
+            </a:schemeClr>
+          </a:lnRef>
+          <a:fillRef idx="1">
+            <a:schemeClr val="accent1"/>
+          </a:fillRef>
+          <a:effectRef idx="0">
+            <a:schemeClr val="accent1"/>
+          </a:effectRef>
+          <a:fontRef idx="minor">
+            <a:schemeClr val="lt1"/>
+          </a:fontRef>
+        </p:style>
+        <p:txBody>
+          <a:bodyPr rtlCol="0" anchor="ctr"/>
+          <a:lstStyle/>
+          <a:p>
+            <a:pPr>
+              <a:lnSpc>
+                <a:spcPct val="150000"/>
+              </a:lnSpc>
+            </a:pPr>
+            <a:endParaRPr lang="en-US" altLang="ko-KR" dirty="0" smtClean="0">
+              <a:solidFill>
+                <a:schemeClr val="tx1"/>
+              </a:solidFill>
+              <a:latin typeface="HY신명조" pitchFamily="18" charset="-127"/>
+              <a:ea typeface="HY신명조" pitchFamily="18" charset="-127"/>
+            </a:endParaRPr>
+          </a:p>
+          <a:p>
+            <a:pPr>
+              <a:lnSpc>
+                <a:spcPct val="150000"/>
+              </a:lnSpc>
+            </a:pPr>
+            <a:r>
+              <a:rPr lang="ko-KR" altLang="en-US" dirty="0" smtClean="0">
+                <a:solidFill>
+                  <a:schemeClr val="tx1"/>
+                </a:solidFill>
+                <a:latin typeface="HY신명조" pitchFamily="18" charset="-127"/>
+                <a:ea typeface="HY신명조" pitchFamily="18" charset="-127"/>
+              </a:rPr>
+              <a:t>이름 </a:t>
+            </a:r>
+            <a:r>
+              <a:rPr lang="en-US" altLang="ko-KR" dirty="0" smtClean="0">
+                <a:solidFill>
+                  <a:schemeClr val="tx1"/>
+                </a:solidFill>
+                <a:latin typeface="HY신명조" pitchFamily="18" charset="-127"/>
+                <a:ea typeface="HY신명조" pitchFamily="18" charset="-127"/>
+              </a:rPr>
+              <a:t>: </a:t>
+            </a:r>
+            <a:r>
+              <a:rPr lang="ko-KR" altLang="en-US" dirty="0" smtClean="0">
+                <a:solidFill>
+                  <a:schemeClr val="tx1"/>
+                </a:solidFill>
+                <a:latin typeface="HY신명조" pitchFamily="18" charset="-127"/>
+                <a:ea typeface="HY신명조" pitchFamily="18" charset="-127"/>
+              </a:rPr>
+              <a:t>이 윤희 </a:t>
+            </a:r>
+            <a:r>
+              <a:rPr lang="en-US" altLang="ko-KR" dirty="0" smtClean="0">
+                <a:solidFill>
+                  <a:schemeClr val="tx1"/>
+                </a:solidFill>
+                <a:latin typeface="HY신명조" pitchFamily="18" charset="-127"/>
+                <a:ea typeface="HY신명조" pitchFamily="18" charset="-127"/>
+              </a:rPr>
+              <a:t>(23)</a:t>
+            </a:r>
+          </a:p>
+          <a:p>
+            <a:pPr>
+              <a:lnSpc>
+                <a:spcPct val="150000"/>
+              </a:lnSpc>
+            </a:pPr>
+            <a:r>
+              <a:rPr lang="ko-KR" altLang="en-US" dirty="0" smtClean="0">
+                <a:solidFill>
+                  <a:schemeClr val="tx1"/>
+                </a:solidFill>
+                <a:latin typeface="HY신명조" pitchFamily="18" charset="-127"/>
+                <a:ea typeface="HY신명조" pitchFamily="18" charset="-127"/>
+              </a:rPr>
+              <a:t>학력 </a:t>
+            </a:r>
+            <a:r>
+              <a:rPr lang="en-US" altLang="ko-KR" dirty="0" smtClean="0">
+                <a:solidFill>
+                  <a:schemeClr val="tx1"/>
+                </a:solidFill>
+                <a:latin typeface="HY신명조" pitchFamily="18" charset="-127"/>
+                <a:ea typeface="HY신명조" pitchFamily="18" charset="-127"/>
+              </a:rPr>
+              <a:t>: </a:t>
+            </a:r>
+            <a:r>
+              <a:rPr lang="ko-KR" altLang="en-US" dirty="0" smtClean="0">
+                <a:solidFill>
+                  <a:schemeClr val="tx1"/>
+                </a:solidFill>
+                <a:latin typeface="HY신명조" pitchFamily="18" charset="-127"/>
+                <a:ea typeface="HY신명조" pitchFamily="18" charset="-127"/>
+              </a:rPr>
+              <a:t>명지대학교 컴퓨터공학과 </a:t>
+            </a:r>
+            <a:r>
+              <a:rPr lang="en-US" altLang="ko-KR" dirty="0" smtClean="0">
+                <a:solidFill>
+                  <a:schemeClr val="tx1"/>
+                </a:solidFill>
+                <a:latin typeface="HY신명조" pitchFamily="18" charset="-127"/>
+                <a:ea typeface="HY신명조" pitchFamily="18" charset="-127"/>
+              </a:rPr>
+              <a:t>3</a:t>
+            </a:r>
+            <a:r>
+              <a:rPr lang="ko-KR" altLang="en-US" dirty="0" smtClean="0">
+                <a:solidFill>
+                  <a:schemeClr val="tx1"/>
+                </a:solidFill>
+                <a:latin typeface="HY신명조" pitchFamily="18" charset="-127"/>
+                <a:ea typeface="HY신명조" pitchFamily="18" charset="-127"/>
+              </a:rPr>
+              <a:t>학년 재학 중</a:t>
+            </a:r>
+            <a:endParaRPr lang="en-US" altLang="ko-KR" dirty="0" smtClean="0">
+              <a:solidFill>
+                <a:schemeClr val="tx1"/>
+              </a:solidFill>
+              <a:latin typeface="HY신명조" pitchFamily="18" charset="-127"/>
+              <a:ea typeface="HY신명조" pitchFamily="18" charset="-127"/>
+            </a:endParaRPr>
+          </a:p>
+          <a:p>
+            <a:pPr>
+              <a:lnSpc>
+                <a:spcPct val="150000"/>
+              </a:lnSpc>
+            </a:pPr>
+            <a:r>
+              <a:rPr lang="ko-KR" altLang="en-US" dirty="0" smtClean="0">
+                <a:solidFill>
+                  <a:schemeClr val="tx1"/>
+                </a:solidFill>
+                <a:latin typeface="HY신명조" pitchFamily="18" charset="-127"/>
+                <a:ea typeface="HY신명조" pitchFamily="18" charset="-127"/>
+              </a:rPr>
+              <a:t>특이사항 </a:t>
+            </a:r>
+            <a:r>
+              <a:rPr lang="en-US" altLang="ko-KR" dirty="0" smtClean="0">
+                <a:solidFill>
+                  <a:schemeClr val="tx1"/>
+                </a:solidFill>
+                <a:latin typeface="HY신명조" pitchFamily="18" charset="-127"/>
+                <a:ea typeface="HY신명조" pitchFamily="18" charset="-127"/>
+              </a:rPr>
+              <a:t>: </a:t>
+            </a:r>
+            <a:r>
+              <a:rPr lang="ko-KR" altLang="en-US" dirty="0" smtClean="0">
+                <a:solidFill>
+                  <a:schemeClr val="tx1"/>
+                </a:solidFill>
+                <a:latin typeface="HY신명조" pitchFamily="18" charset="-127"/>
+                <a:ea typeface="HY신명조" pitchFamily="18" charset="-127"/>
+              </a:rPr>
+              <a:t>여자지만 하렘이 좋아요</a:t>
+            </a:r>
+            <a:r>
+              <a:rPr lang="en-US" altLang="ko-KR" dirty="0" smtClean="0">
+                <a:solidFill>
+                  <a:schemeClr val="tx1"/>
+                </a:solidFill>
+                <a:latin typeface="HY신명조" pitchFamily="18" charset="-127"/>
+                <a:ea typeface="HY신명조" pitchFamily="18" charset="-127"/>
+              </a:rPr>
+              <a:t>.</a:t>
+            </a:r>
+          </a:p>
+          <a:p>
+            <a:pPr>
+              <a:lnSpc>
+                <a:spcPct val="150000"/>
+              </a:lnSpc>
+            </a:pPr>
+            <a:endParaRPr lang="ko-KR" altLang="en-US" dirty="0">
+              <a:solidFill>
+                <a:schemeClr val="tx1"/>
+              </a:solidFill>
+              <a:latin typeface="HY신명조" pitchFamily="18" charset="-127"/>
+              <a:ea typeface="HY신명조" pitchFamily="18" charset="-127"/>
+            </a:endParaRPr>
+          </a:p>
+        </p:txBody>
+      </p:sp>
+      <p:sp>
+        <p:nvSpPr>
+          <p:cNvPr id="10" name="직사각형 9"/>
+          <p:cNvSpPr/>
+          <p:nvPr/>
+        </p:nvSpPr>
+        <p:spPr>
+          <a:xfrm>
+            <a:off x="2699792" y="1484784"/>
+            <a:ext cx="5472608" cy="1512168"/>
+          </a:xfrm>
+          <a:prstGeom prst="rect">
+            <a:avLst/>
+          </a:prstGeom>
+          <a:gradFill flip="none" rotWithShape="1">
+            <a:gsLst>
+              <a:gs pos="0">
+                <a:srgbClr val="F1B50D">
+                  <a:tint val="66000"/>
+                  <a:satMod val="160000"/>
+                </a:srgbClr>
+              </a:gs>
+              <a:gs pos="50000">
+                <a:srgbClr val="F1B50D">
+                  <a:tint val="44500"/>
+                  <a:satMod val="160000"/>
+                </a:srgbClr>
+              </a:gs>
+              <a:gs pos="100000">
+                <a:srgbClr val="F1B50D">
+                  <a:tint val="23500"/>
+                  <a:satMod val="160000"/>
+                </a:srgbClr>
+              </a:gs>
+            </a:gsLst>
+            <a:lin ang="13500000" scaled="1"/>
+            <a:tileRect/>
+          </a:gradFill>
+          <a:ln>
+            <a:noFill/>
+          </a:ln>
+        </p:spPr>
+        <p:style>
+          <a:lnRef idx="2">
+            <a:schemeClr val="accent1">
+              <a:shade val="50000"/>
+            </a:schemeClr>
+          </a:lnRef>
+          <a:fillRef idx="1">
+            <a:schemeClr val="accent1"/>
+          </a:fillRef>
+          <a:effectRef idx="0">
+            <a:schemeClr val="accent1"/>
+          </a:effectRef>
+          <a:fontRef idx="minor">
+            <a:schemeClr val="lt1"/>
+          </a:fontRef>
+        </p:style>
+        <p:txBody>
+          <a:bodyPr rtlCol="0" anchor="ctr"/>
+          <a:lstStyle/>
+          <a:p>
+            <a:pPr>
+              <a:lnSpc>
+                <a:spcPct val="150000"/>
+              </a:lnSpc>
+            </a:pPr>
+            <a:endParaRPr lang="en-US" altLang="ko-KR" dirty="0" smtClean="0">
+              <a:solidFill>
+                <a:schemeClr val="tx1"/>
+              </a:solidFill>
+              <a:latin typeface="HY신명조" pitchFamily="18" charset="-127"/>
+              <a:ea typeface="HY신명조" pitchFamily="18" charset="-127"/>
+            </a:endParaRPr>
+          </a:p>
+          <a:p>
+            <a:pPr>
+              <a:lnSpc>
+                <a:spcPct val="150000"/>
+              </a:lnSpc>
+            </a:pPr>
+            <a:r>
+              <a:rPr lang="ko-KR" altLang="en-US" dirty="0" smtClean="0">
+                <a:solidFill>
+                  <a:schemeClr val="tx1"/>
+                </a:solidFill>
+                <a:latin typeface="HY신명조" pitchFamily="18" charset="-127"/>
+                <a:ea typeface="HY신명조" pitchFamily="18" charset="-127"/>
+              </a:rPr>
+              <a:t>이름 </a:t>
+            </a:r>
+            <a:r>
+              <a:rPr lang="en-US" altLang="ko-KR" dirty="0" smtClean="0">
+                <a:solidFill>
+                  <a:schemeClr val="tx1"/>
+                </a:solidFill>
+                <a:latin typeface="HY신명조" pitchFamily="18" charset="-127"/>
+                <a:ea typeface="HY신명조" pitchFamily="18" charset="-127"/>
+              </a:rPr>
+              <a:t>: </a:t>
+            </a:r>
+            <a:r>
+              <a:rPr lang="ko-KR" altLang="en-US" dirty="0" smtClean="0">
+                <a:solidFill>
+                  <a:schemeClr val="tx1"/>
+                </a:solidFill>
+                <a:latin typeface="HY신명조" pitchFamily="18" charset="-127"/>
+                <a:ea typeface="HY신명조" pitchFamily="18" charset="-127"/>
+              </a:rPr>
+              <a:t>김 경만</a:t>
+            </a:r>
+            <a:r>
+              <a:rPr lang="en-US" altLang="ko-KR" dirty="0" smtClean="0">
+                <a:solidFill>
+                  <a:schemeClr val="tx1"/>
+                </a:solidFill>
+                <a:latin typeface="HY신명조" pitchFamily="18" charset="-127"/>
+                <a:ea typeface="HY신명조" pitchFamily="18" charset="-127"/>
+              </a:rPr>
+              <a:t>(23)</a:t>
+            </a:r>
+          </a:p>
+          <a:p>
+            <a:pPr>
+              <a:lnSpc>
+                <a:spcPct val="150000"/>
+              </a:lnSpc>
+            </a:pPr>
+            <a:r>
+              <a:rPr lang="ko-KR" altLang="en-US" dirty="0" smtClean="0">
+                <a:solidFill>
+                  <a:schemeClr val="tx1"/>
+                </a:solidFill>
+                <a:latin typeface="HY신명조" pitchFamily="18" charset="-127"/>
+                <a:ea typeface="HY신명조" pitchFamily="18" charset="-127"/>
+              </a:rPr>
+              <a:t>학력 </a:t>
+            </a:r>
+            <a:r>
+              <a:rPr lang="en-US" altLang="ko-KR" dirty="0" smtClean="0">
+                <a:solidFill>
+                  <a:schemeClr val="tx1"/>
+                </a:solidFill>
+                <a:latin typeface="HY신명조" pitchFamily="18" charset="-127"/>
+                <a:ea typeface="HY신명조" pitchFamily="18" charset="-127"/>
+              </a:rPr>
+              <a:t>: </a:t>
+            </a:r>
+            <a:r>
+              <a:rPr lang="ko-KR" altLang="en-US" dirty="0" smtClean="0">
+                <a:solidFill>
+                  <a:schemeClr val="tx1"/>
+                </a:solidFill>
+                <a:latin typeface="HY신명조" pitchFamily="18" charset="-127"/>
+                <a:ea typeface="HY신명조" pitchFamily="18" charset="-127"/>
+              </a:rPr>
+              <a:t>명지대학교 컴퓨터공학과 </a:t>
+            </a:r>
+            <a:r>
+              <a:rPr lang="en-US" altLang="ko-KR" dirty="0" smtClean="0">
+                <a:solidFill>
+                  <a:schemeClr val="tx1"/>
+                </a:solidFill>
+                <a:latin typeface="HY신명조" pitchFamily="18" charset="-127"/>
+                <a:ea typeface="HY신명조" pitchFamily="18" charset="-127"/>
+              </a:rPr>
+              <a:t>3</a:t>
+            </a:r>
+            <a:r>
+              <a:rPr lang="ko-KR" altLang="en-US" dirty="0" smtClean="0">
+                <a:solidFill>
+                  <a:schemeClr val="tx1"/>
+                </a:solidFill>
+                <a:latin typeface="HY신명조" pitchFamily="18" charset="-127"/>
+                <a:ea typeface="HY신명조" pitchFamily="18" charset="-127"/>
+              </a:rPr>
+              <a:t>학년 재학 중</a:t>
+            </a:r>
+            <a:endParaRPr lang="en-US" altLang="ko-KR" dirty="0" smtClean="0">
+              <a:solidFill>
+                <a:schemeClr val="tx1"/>
+              </a:solidFill>
+              <a:latin typeface="HY신명조" pitchFamily="18" charset="-127"/>
+              <a:ea typeface="HY신명조" pitchFamily="18" charset="-127"/>
+            </a:endParaRPr>
+          </a:p>
+          <a:p>
+            <a:pPr>
+              <a:lnSpc>
+                <a:spcPct val="150000"/>
+              </a:lnSpc>
+            </a:pPr>
+            <a:r>
+              <a:rPr lang="ko-KR" altLang="en-US" dirty="0" smtClean="0">
+                <a:solidFill>
+                  <a:schemeClr val="tx1"/>
+                </a:solidFill>
+                <a:latin typeface="HY신명조" pitchFamily="18" charset="-127"/>
+                <a:ea typeface="HY신명조" pitchFamily="18" charset="-127"/>
+              </a:rPr>
+              <a:t>특이사항 </a:t>
+            </a:r>
+            <a:r>
+              <a:rPr lang="en-US" altLang="ko-KR" dirty="0" smtClean="0">
+                <a:solidFill>
+                  <a:schemeClr val="tx1"/>
+                </a:solidFill>
+                <a:latin typeface="HY신명조" pitchFamily="18" charset="-127"/>
+                <a:ea typeface="HY신명조" pitchFamily="18" charset="-127"/>
+              </a:rPr>
+              <a:t>: </a:t>
+            </a:r>
+            <a:r>
+              <a:rPr lang="ko-KR" altLang="en-US" dirty="0" smtClean="0">
+                <a:solidFill>
+                  <a:schemeClr val="tx1"/>
+                </a:solidFill>
+                <a:latin typeface="HY신명조" pitchFamily="18" charset="-127"/>
+                <a:ea typeface="HY신명조" pitchFamily="18" charset="-127"/>
+              </a:rPr>
+              <a:t>남자지만 남자가 좋아요</a:t>
+            </a:r>
+            <a:r>
+              <a:rPr lang="en-US" altLang="ko-KR" dirty="0" smtClean="0">
+                <a:solidFill>
+                  <a:schemeClr val="tx1"/>
+                </a:solidFill>
+                <a:latin typeface="HY신명조" pitchFamily="18" charset="-127"/>
+                <a:ea typeface="HY신명조" pitchFamily="18" charset="-127"/>
+              </a:rPr>
+              <a:t>.</a:t>
+            </a:r>
+          </a:p>
+          <a:p>
+            <a:pPr>
+              <a:lnSpc>
+                <a:spcPct val="150000"/>
+              </a:lnSpc>
+            </a:pPr>
+            <a:endParaRPr lang="ko-KR" altLang="en-US" dirty="0">
+              <a:solidFill>
+                <a:schemeClr val="tx1"/>
+              </a:solidFill>
+              <a:latin typeface="HY신명조" pitchFamily="18" charset="-127"/>
+              <a:ea typeface="HY신명조" pitchFamily="18" charset="-127"/>
+            </a:endParaRPr>
+          </a:p>
+        </p:txBody>
+      </p:sp>
+      <p:pic>
+        <p:nvPicPr>
+          <p:cNvPr id="1028" name="Picture 4" descr="C:\Users\q\Desktop\Downloads\CYMERA_20121130_210824.jpg"/>
+          <p:cNvPicPr>
+            <a:picLocks noChangeArrowheads="1"/>
+          </p:cNvPicPr>
+          <p:nvPr/>
+        </p:nvPicPr>
+        <p:blipFill>
+          <a:blip r:embed="rId4" cstate="print"/>
+          <a:srcRect l="33200" t="35300" r="29000" b="33200"/>
+          <a:stretch>
+            <a:fillRect/>
+          </a:stretch>
+        </p:blipFill>
+        <p:spPr bwMode="auto">
+          <a:xfrm>
+            <a:off x="1115784" y="4797152"/>
+            <a:ext cx="1512000" cy="1512000"/>
+          </a:xfrm>
+          <a:prstGeom prst="rect">
+            <a:avLst/>
+          </a:prstGeom>
+          <a:noFill/>
+        </p:spPr>
+      </p:pic>
+    </p:spTree>
+  </p:cSld>
+  <p:clrMapOvr>
+    <a:masterClrMapping/>
+  </p:clrMapOvr>
+  <p:transition spd="slow">
+    <p:push dir="u"/>
+  </p:transition>
+  <p:timing>
+    <p:tnLst>
+      <p:par>
+        <p:cTn id="1" dur="indefinite" restart="never" nodeType="tmRoot"/>
+      </p:par>
+    </p:tnLst>
+  </p:timing>
+</p:sld>
+</file>
+
+<file path=ppt/slides/slide5.xml><?xml version="1.0" encoding="utf-8"?>
 <p:sld xmlns:a="http://schemas.openxmlformats.org/drawingml/2006/main" xmlns:r="http://schemas.openxmlformats.org/officeDocument/2006/relationships" xmlns:p="http://schemas.openxmlformats.org/presentationml/2006/main">
   <p:cSld>
     <p:spTree>
@@ -10004,7 +15559,7 @@
             <a:blip r:embed="rId2" cstate="print">
               <a:extLst>
                 <a:ext uri="{28A0092B-C50C-407E-A947-70E740481C1C}">
-                  <a14:useLocalDpi xmlns:a14="http://schemas.microsoft.com/office/drawing/2010/main" xmlns="" val="0"/>
+                  <a14:useLocalDpi xmlns="" xmlns:a14="http://schemas.microsoft.com/office/drawing/2010/main" val="0"/>
                 </a:ext>
               </a:extLst>
             </a:blip>
@@ -10207,7 +15762,7 @@
     </p:spTree>
     <p:extLst>
       <p:ext uri="{BB962C8B-B14F-4D97-AF65-F5344CB8AC3E}">
-        <p14:creationId xmlns:p14="http://schemas.microsoft.com/office/powerpoint/2010/main" xmlns="" val="2619248131"/>
+        <p14:creationId xmlns="" xmlns:p14="http://schemas.microsoft.com/office/powerpoint/2010/main" val="2619248131"/>
       </p:ext>
     </p:extLst>
   </p:cSld>
@@ -10227,7 +15782,7 @@
 </p:sld>
 </file>
 
-<file path=ppt/slides/slide5.xml><?xml version="1.0" encoding="utf-8"?>
+<file path=ppt/slides/slide6.xml><?xml version="1.0" encoding="utf-8"?>
 <p:sld xmlns:a="http://schemas.openxmlformats.org/drawingml/2006/main" xmlns:r="http://schemas.openxmlformats.org/officeDocument/2006/relationships" xmlns:p="http://schemas.openxmlformats.org/presentationml/2006/main">
   <p:cSld>
     <p:spTree>
@@ -10270,7 +15825,7 @@
             <a:blip r:embed="rId2" cstate="print">
               <a:extLst>
                 <a:ext uri="{28A0092B-C50C-407E-A947-70E740481C1C}">
-                  <a14:useLocalDpi xmlns:a14="http://schemas.microsoft.com/office/drawing/2010/main" xmlns="" val="0"/>
+                  <a14:useLocalDpi xmlns="" xmlns:a14="http://schemas.microsoft.com/office/drawing/2010/main" val="0"/>
                 </a:ext>
               </a:extLst>
             </a:blip>
@@ -10699,7 +16254,7 @@
     </p:spTree>
     <p:extLst>
       <p:ext uri="{BB962C8B-B14F-4D97-AF65-F5344CB8AC3E}">
-        <p14:creationId xmlns:p14="http://schemas.microsoft.com/office/powerpoint/2010/main" xmlns="" val="527779912"/>
+        <p14:creationId xmlns="" xmlns:p14="http://schemas.microsoft.com/office/powerpoint/2010/main" val="527779912"/>
       </p:ext>
     </p:extLst>
   </p:cSld>
@@ -10719,7 +16274,7 @@
 </p:sld>
 </file>
 
-<file path=ppt/slides/slide6.xml><?xml version="1.0" encoding="utf-8"?>
+<file path=ppt/slides/slide7.xml><?xml version="1.0" encoding="utf-8"?>
 <p:sld xmlns:a="http://schemas.openxmlformats.org/drawingml/2006/main" xmlns:r="http://schemas.openxmlformats.org/officeDocument/2006/relationships" xmlns:p="http://schemas.openxmlformats.org/presentationml/2006/main">
   <p:cSld>
     <p:spTree>
@@ -10762,7 +16317,7 @@
             <a:blip r:embed="rId2" cstate="print">
               <a:extLst>
                 <a:ext uri="{28A0092B-C50C-407E-A947-70E740481C1C}">
-                  <a14:useLocalDpi xmlns:a14="http://schemas.microsoft.com/office/drawing/2010/main" xmlns="" val="0"/>
+                  <a14:useLocalDpi xmlns="" xmlns:a14="http://schemas.microsoft.com/office/drawing/2010/main" val="0"/>
                 </a:ext>
               </a:extLst>
             </a:blip>
@@ -11111,7 +16666,7 @@
     </p:spTree>
     <p:extLst>
       <p:ext uri="{BB962C8B-B14F-4D97-AF65-F5344CB8AC3E}">
-        <p14:creationId xmlns:p14="http://schemas.microsoft.com/office/powerpoint/2010/main" xmlns="" val="527779912"/>
+        <p14:creationId xmlns="" xmlns:p14="http://schemas.microsoft.com/office/powerpoint/2010/main" val="527779912"/>
       </p:ext>
     </p:extLst>
   </p:cSld>
@@ -11131,7 +16686,7 @@
 </p:sld>
 </file>
 
-<file path=ppt/slides/slide7.xml><?xml version="1.0" encoding="utf-8"?>
+<file path=ppt/slides/slide8.xml><?xml version="1.0" encoding="utf-8"?>
 <p:sld xmlns:a="http://schemas.openxmlformats.org/drawingml/2006/main" xmlns:r="http://schemas.openxmlformats.org/officeDocument/2006/relationships" xmlns:p="http://schemas.openxmlformats.org/presentationml/2006/main">
   <p:cSld>
     <p:spTree>
@@ -11166,7 +16721,7 @@
             <a:fld id="{6077AF18-BF2E-40A5-AFCC-D5AE0C2FE057}" type="slidenum">
               <a:rPr lang="ko-KR" altLang="en-US" smtClean="0"/>
               <a:pPr/>
-              <a:t>7</a:t>
+              <a:t>8</a:t>
             </a:fld>
             <a:endParaRPr lang="ko-KR" altLang="en-US" dirty="0"/>
           </a:p>
@@ -11935,612 +17490,6 @@
 </p:sld>
 </file>
 
-<file path=ppt/slides/slide8.xml><?xml version="1.0" encoding="utf-8"?>
-<p:sld xmlns:a="http://schemas.openxmlformats.org/drawingml/2006/main" xmlns:r="http://schemas.openxmlformats.org/officeDocument/2006/relationships" xmlns:p="http://schemas.openxmlformats.org/presentationml/2006/main">
-  <p:cSld>
-    <p:spTree>
-      <p:nvGrpSpPr>
-        <p:cNvPr id="1" name=""/>
-        <p:cNvGrpSpPr/>
-        <p:nvPr/>
-      </p:nvGrpSpPr>
-      <p:grpSpPr>
-        <a:xfrm>
-          <a:off x="0" y="0"/>
-          <a:ext cx="0" cy="0"/>
-          <a:chOff x="0" y="0"/>
-          <a:chExt cx="0" cy="0"/>
-        </a:xfrm>
-      </p:grpSpPr>
-      <p:sp>
-        <p:nvSpPr>
-          <p:cNvPr id="4" name="슬라이드 번호 개체 틀 3"/>
-          <p:cNvSpPr>
-            <a:spLocks noGrp="1"/>
-          </p:cNvSpPr>
-          <p:nvPr>
-            <p:ph type="sldNum" sz="quarter" idx="12"/>
-          </p:nvPr>
-        </p:nvSpPr>
-        <p:spPr/>
-        <p:txBody>
-          <a:bodyPr/>
-          <a:lstStyle/>
-          <a:p>
-            <a:fld id="{6077AF18-BF2E-40A5-AFCC-D5AE0C2FE057}" type="slidenum">
-              <a:rPr lang="ko-KR" altLang="en-US" smtClean="0"/>
-              <a:pPr/>
-              <a:t>8</a:t>
-            </a:fld>
-            <a:endParaRPr lang="ko-KR" altLang="en-US" dirty="0"/>
-          </a:p>
-        </p:txBody>
-      </p:sp>
-      <p:sp>
-        <p:nvSpPr>
-          <p:cNvPr id="5" name="TextBox 4"/>
-          <p:cNvSpPr txBox="1"/>
-          <p:nvPr/>
-        </p:nvSpPr>
-        <p:spPr>
-          <a:xfrm>
-            <a:off x="359869" y="332656"/>
-            <a:ext cx="3025187" cy="646331"/>
-          </a:xfrm>
-          <a:prstGeom prst="rect">
-            <a:avLst/>
-          </a:prstGeom>
-          <a:noFill/>
-        </p:spPr>
-        <p:txBody>
-          <a:bodyPr wrap="none" rtlCol="0">
-            <a:spAutoFit/>
-          </a:bodyPr>
-          <a:lstStyle/>
-          <a:p>
-            <a:r>
-              <a:rPr lang="en-US" altLang="ko-KR" sz="3600" dirty="0" smtClean="0">
-                <a:ln>
-                  <a:solidFill>
-                    <a:schemeClr val="bg1">
-                      <a:alpha val="0"/>
-                    </a:schemeClr>
-                  </a:solidFill>
-                </a:ln>
-                <a:solidFill>
-                  <a:schemeClr val="accent6">
-                    <a:lumMod val="50000"/>
-                  </a:schemeClr>
-                </a:solidFill>
-                <a:latin typeface="-윤고딕330" pitchFamily="18" charset="-127"/>
-                <a:ea typeface="-윤고딕330" pitchFamily="18" charset="-127"/>
-              </a:rPr>
-              <a:t>2.4 </a:t>
-            </a:r>
-            <a:r>
-              <a:rPr lang="ko-KR" altLang="en-US" sz="3600" dirty="0" smtClean="0">
-                <a:ln>
-                  <a:solidFill>
-                    <a:schemeClr val="bg1">
-                      <a:alpha val="0"/>
-                    </a:schemeClr>
-                  </a:solidFill>
-                </a:ln>
-                <a:solidFill>
-                  <a:schemeClr val="accent6">
-                    <a:lumMod val="50000"/>
-                  </a:schemeClr>
-                </a:solidFill>
-                <a:latin typeface="-윤고딕330" pitchFamily="18" charset="-127"/>
-                <a:ea typeface="-윤고딕330" pitchFamily="18" charset="-127"/>
-              </a:rPr>
-              <a:t>주요 메뉴</a:t>
-            </a:r>
-            <a:endParaRPr lang="ko-KR" altLang="en-US" sz="2000" dirty="0">
-              <a:ln>
-                <a:solidFill>
-                  <a:schemeClr val="bg1">
-                    <a:alpha val="0"/>
-                  </a:schemeClr>
-                </a:solidFill>
-              </a:ln>
-              <a:solidFill>
-                <a:schemeClr val="accent6">
-                  <a:lumMod val="50000"/>
-                </a:schemeClr>
-              </a:solidFill>
-              <a:latin typeface="-윤고딕330" pitchFamily="18" charset="-127"/>
-              <a:ea typeface="-윤고딕330" pitchFamily="18" charset="-127"/>
-            </a:endParaRPr>
-          </a:p>
-        </p:txBody>
-      </p:sp>
-      <p:sp>
-        <p:nvSpPr>
-          <p:cNvPr id="7" name="TextBox 6"/>
-          <p:cNvSpPr txBox="1"/>
-          <p:nvPr/>
-        </p:nvSpPr>
-        <p:spPr>
-          <a:xfrm>
-            <a:off x="827584" y="1340768"/>
-            <a:ext cx="3096344" cy="4401205"/>
-          </a:xfrm>
-          <a:prstGeom prst="rect">
-            <a:avLst/>
-          </a:prstGeom>
-          <a:noFill/>
-        </p:spPr>
-        <p:txBody>
-          <a:bodyPr wrap="square" rtlCol="0">
-            <a:spAutoFit/>
-          </a:bodyPr>
-          <a:lstStyle/>
-          <a:p>
-            <a:pPr marL="285750" indent="-285750">
-              <a:lnSpc>
-                <a:spcPct val="200000"/>
-              </a:lnSpc>
-              <a:buFont typeface="Arial" pitchFamily="34" charset="0"/>
-              <a:buChar char="•"/>
-            </a:pPr>
-            <a:r>
-              <a:rPr lang="en-US" altLang="ko-KR" sz="2000" dirty="0" smtClean="0">
-                <a:solidFill>
-                  <a:schemeClr val="accent6">
-                    <a:lumMod val="50000"/>
-                  </a:schemeClr>
-                </a:solidFill>
-              </a:rPr>
-              <a:t>1. </a:t>
-            </a:r>
-            <a:r>
-              <a:rPr lang="ko-KR" altLang="en-US" sz="2000" dirty="0" smtClean="0">
-                <a:solidFill>
-                  <a:schemeClr val="accent6">
-                    <a:lumMod val="50000"/>
-                  </a:schemeClr>
-                </a:solidFill>
-              </a:rPr>
-              <a:t>로그인 </a:t>
-            </a:r>
-            <a:endParaRPr lang="en-US" altLang="ko-KR" sz="2000" dirty="0" smtClean="0">
-              <a:solidFill>
-                <a:schemeClr val="accent6">
-                  <a:lumMod val="50000"/>
-                </a:schemeClr>
-              </a:solidFill>
-            </a:endParaRPr>
-          </a:p>
-          <a:p>
-            <a:pPr marL="285750" indent="-285750">
-              <a:lnSpc>
-                <a:spcPct val="200000"/>
-              </a:lnSpc>
-              <a:buFont typeface="Arial" pitchFamily="34" charset="0"/>
-              <a:buChar char="•"/>
-            </a:pPr>
-            <a:r>
-              <a:rPr lang="en-US" altLang="ko-KR" sz="2000" dirty="0" smtClean="0">
-                <a:solidFill>
-                  <a:schemeClr val="accent6">
-                    <a:lumMod val="50000"/>
-                  </a:schemeClr>
-                </a:solidFill>
-              </a:rPr>
-              <a:t>2. </a:t>
-            </a:r>
-            <a:r>
-              <a:rPr lang="ko-KR" altLang="en-US" sz="2000" dirty="0" smtClean="0">
-                <a:solidFill>
-                  <a:schemeClr val="accent6">
-                    <a:lumMod val="50000"/>
-                  </a:schemeClr>
-                </a:solidFill>
-              </a:rPr>
-              <a:t>환경설정</a:t>
-            </a:r>
-            <a:endParaRPr lang="en-US" altLang="ko-KR" sz="2000" dirty="0" smtClean="0">
-              <a:solidFill>
-                <a:schemeClr val="accent6">
-                  <a:lumMod val="50000"/>
-                </a:schemeClr>
-              </a:solidFill>
-            </a:endParaRPr>
-          </a:p>
-          <a:p>
-            <a:pPr marL="285750" indent="-285750">
-              <a:lnSpc>
-                <a:spcPct val="200000"/>
-              </a:lnSpc>
-              <a:buFont typeface="Arial" pitchFamily="34" charset="0"/>
-              <a:buChar char="•"/>
-            </a:pPr>
-            <a:r>
-              <a:rPr lang="en-US" altLang="ko-KR" sz="2000" dirty="0" smtClean="0">
-                <a:solidFill>
-                  <a:schemeClr val="accent6">
-                    <a:lumMod val="50000"/>
-                  </a:schemeClr>
-                </a:solidFill>
-              </a:rPr>
-              <a:t>3. </a:t>
-            </a:r>
-            <a:r>
-              <a:rPr lang="ko-KR" altLang="en-US" sz="2000" dirty="0" smtClean="0">
-                <a:solidFill>
-                  <a:schemeClr val="accent6">
-                    <a:lumMod val="50000"/>
-                  </a:schemeClr>
-                </a:solidFill>
-              </a:rPr>
-              <a:t>도움말</a:t>
-            </a:r>
-            <a:endParaRPr lang="en-US" altLang="ko-KR" sz="2000" dirty="0" smtClean="0">
-              <a:solidFill>
-                <a:schemeClr val="accent6">
-                  <a:lumMod val="50000"/>
-                </a:schemeClr>
-              </a:solidFill>
-            </a:endParaRPr>
-          </a:p>
-          <a:p>
-            <a:pPr marL="285750" indent="-285750">
-              <a:lnSpc>
-                <a:spcPct val="200000"/>
-              </a:lnSpc>
-              <a:buFont typeface="Arial" pitchFamily="34" charset="0"/>
-              <a:buChar char="•"/>
-            </a:pPr>
-            <a:r>
-              <a:rPr lang="en-US" altLang="ko-KR" sz="2000" dirty="0" smtClean="0">
-                <a:solidFill>
-                  <a:schemeClr val="accent6">
-                    <a:lumMod val="50000"/>
-                  </a:schemeClr>
-                </a:solidFill>
-              </a:rPr>
-              <a:t>4. </a:t>
-            </a:r>
-            <a:r>
-              <a:rPr lang="ko-KR" altLang="en-US" sz="2000" dirty="0" smtClean="0">
-                <a:solidFill>
-                  <a:schemeClr val="accent6">
-                    <a:lumMod val="50000"/>
-                  </a:schemeClr>
-                </a:solidFill>
-              </a:rPr>
-              <a:t>캐릭터 선택</a:t>
-            </a:r>
-            <a:endParaRPr lang="en-US" altLang="ko-KR" sz="2000" dirty="0" smtClean="0">
-              <a:solidFill>
-                <a:schemeClr val="accent6">
-                  <a:lumMod val="50000"/>
-                </a:schemeClr>
-              </a:solidFill>
-            </a:endParaRPr>
-          </a:p>
-          <a:p>
-            <a:pPr marL="285750" indent="-285750">
-              <a:lnSpc>
-                <a:spcPct val="200000"/>
-              </a:lnSpc>
-              <a:buFont typeface="Arial" pitchFamily="34" charset="0"/>
-              <a:buChar char="•"/>
-            </a:pPr>
-            <a:r>
-              <a:rPr lang="en-US" altLang="ko-KR" sz="2000" dirty="0" smtClean="0">
-                <a:solidFill>
-                  <a:schemeClr val="accent6">
-                    <a:lumMod val="50000"/>
-                  </a:schemeClr>
-                </a:solidFill>
-              </a:rPr>
-              <a:t>5. </a:t>
-            </a:r>
-            <a:r>
-              <a:rPr lang="ko-KR" altLang="en-US" sz="2000" dirty="0" smtClean="0">
-                <a:solidFill>
-                  <a:schemeClr val="accent6">
-                    <a:lumMod val="50000"/>
-                  </a:schemeClr>
-                </a:solidFill>
-              </a:rPr>
-              <a:t>게임 시작</a:t>
-            </a:r>
-            <a:endParaRPr lang="en-US" altLang="ko-KR" sz="2000" dirty="0" smtClean="0">
-              <a:solidFill>
-                <a:schemeClr val="accent6">
-                  <a:lumMod val="50000"/>
-                </a:schemeClr>
-              </a:solidFill>
-            </a:endParaRPr>
-          </a:p>
-          <a:p>
-            <a:pPr marL="285750" indent="-285750">
-              <a:lnSpc>
-                <a:spcPct val="200000"/>
-              </a:lnSpc>
-              <a:buFont typeface="Arial" pitchFamily="34" charset="0"/>
-              <a:buChar char="•"/>
-            </a:pPr>
-            <a:r>
-              <a:rPr lang="en-US" altLang="ko-KR" sz="2000" dirty="0" smtClean="0">
-                <a:solidFill>
-                  <a:schemeClr val="accent6">
-                    <a:lumMod val="50000"/>
-                  </a:schemeClr>
-                </a:solidFill>
-              </a:rPr>
-              <a:t>6. </a:t>
-            </a:r>
-            <a:r>
-              <a:rPr lang="ko-KR" altLang="en-US" sz="2000" dirty="0" smtClean="0">
-                <a:solidFill>
-                  <a:schemeClr val="accent6">
-                    <a:lumMod val="50000"/>
-                  </a:schemeClr>
-                </a:solidFill>
-              </a:rPr>
-              <a:t>랭킹 보기</a:t>
-            </a:r>
-            <a:endParaRPr lang="en-US" altLang="ko-KR" sz="2000" dirty="0" smtClean="0">
-              <a:solidFill>
-                <a:schemeClr val="accent6">
-                  <a:lumMod val="50000"/>
-                </a:schemeClr>
-              </a:solidFill>
-            </a:endParaRPr>
-          </a:p>
-          <a:p>
-            <a:pPr marL="285750" indent="-285750">
-              <a:lnSpc>
-                <a:spcPct val="200000"/>
-              </a:lnSpc>
-              <a:buFont typeface="Arial" pitchFamily="34" charset="0"/>
-              <a:buChar char="•"/>
-            </a:pPr>
-            <a:r>
-              <a:rPr lang="en-US" altLang="ko-KR" sz="2000" dirty="0" smtClean="0">
-                <a:solidFill>
-                  <a:schemeClr val="accent6">
-                    <a:lumMod val="50000"/>
-                  </a:schemeClr>
-                </a:solidFill>
-              </a:rPr>
-              <a:t>7. </a:t>
-            </a:r>
-            <a:r>
-              <a:rPr lang="ko-KR" altLang="en-US" sz="2000" dirty="0" smtClean="0">
-                <a:solidFill>
-                  <a:schemeClr val="accent6">
-                    <a:lumMod val="50000"/>
-                  </a:schemeClr>
-                </a:solidFill>
-              </a:rPr>
-              <a:t>종료하기</a:t>
-            </a:r>
-            <a:endParaRPr lang="en-US" altLang="ko-KR" sz="2000" dirty="0" smtClean="0">
-              <a:solidFill>
-                <a:schemeClr val="accent6">
-                  <a:lumMod val="50000"/>
-                </a:schemeClr>
-              </a:solidFill>
-            </a:endParaRPr>
-          </a:p>
-        </p:txBody>
-      </p:sp>
-      <p:sp>
-        <p:nvSpPr>
-          <p:cNvPr id="8" name="TextBox 7"/>
-          <p:cNvSpPr txBox="1"/>
-          <p:nvPr/>
-        </p:nvSpPr>
-        <p:spPr>
-          <a:xfrm>
-            <a:off x="4644008" y="1340768"/>
-            <a:ext cx="3096344" cy="2554545"/>
-          </a:xfrm>
-          <a:prstGeom prst="rect">
-            <a:avLst/>
-          </a:prstGeom>
-          <a:noFill/>
-        </p:spPr>
-        <p:txBody>
-          <a:bodyPr wrap="square" rtlCol="0">
-            <a:spAutoFit/>
-          </a:bodyPr>
-          <a:lstStyle/>
-          <a:p>
-            <a:pPr marL="285750" indent="-285750">
-              <a:lnSpc>
-                <a:spcPct val="200000"/>
-              </a:lnSpc>
-              <a:buFont typeface="Arial" pitchFamily="34" charset="0"/>
-              <a:buChar char="•"/>
-            </a:pPr>
-            <a:r>
-              <a:rPr lang="en-US" altLang="ko-KR" sz="2000" dirty="0" smtClean="0">
-                <a:solidFill>
-                  <a:schemeClr val="accent6">
-                    <a:lumMod val="50000"/>
-                  </a:schemeClr>
-                </a:solidFill>
-              </a:rPr>
-              <a:t>8. </a:t>
-            </a:r>
-            <a:r>
-              <a:rPr lang="ko-KR" altLang="en-US" sz="2000" dirty="0" smtClean="0">
-                <a:solidFill>
-                  <a:schemeClr val="accent6">
-                    <a:lumMod val="50000"/>
-                  </a:schemeClr>
-                </a:solidFill>
-              </a:rPr>
-              <a:t>항해</a:t>
-            </a:r>
-            <a:endParaRPr lang="en-US" altLang="ko-KR" sz="2000" dirty="0" smtClean="0">
-              <a:solidFill>
-                <a:schemeClr val="accent6">
-                  <a:lumMod val="50000"/>
-                </a:schemeClr>
-              </a:solidFill>
-            </a:endParaRPr>
-          </a:p>
-          <a:p>
-            <a:pPr marL="285750" indent="-285750">
-              <a:lnSpc>
-                <a:spcPct val="200000"/>
-              </a:lnSpc>
-              <a:buFont typeface="Arial" pitchFamily="34" charset="0"/>
-              <a:buChar char="•"/>
-            </a:pPr>
-            <a:r>
-              <a:rPr lang="en-US" altLang="ko-KR" sz="2000" dirty="0" smtClean="0">
-                <a:solidFill>
-                  <a:schemeClr val="accent6">
-                    <a:lumMod val="50000"/>
-                  </a:schemeClr>
-                </a:solidFill>
-              </a:rPr>
-              <a:t>9. </a:t>
-            </a:r>
-            <a:r>
-              <a:rPr lang="ko-KR" altLang="en-US" sz="2000" dirty="0" smtClean="0">
-                <a:solidFill>
-                  <a:schemeClr val="accent6">
-                    <a:lumMod val="50000"/>
-                  </a:schemeClr>
-                </a:solidFill>
-              </a:rPr>
-              <a:t>전투</a:t>
-            </a:r>
-            <a:endParaRPr lang="en-US" altLang="ko-KR" sz="2000" dirty="0" smtClean="0">
-              <a:solidFill>
-                <a:schemeClr val="accent6">
-                  <a:lumMod val="50000"/>
-                </a:schemeClr>
-              </a:solidFill>
-            </a:endParaRPr>
-          </a:p>
-          <a:p>
-            <a:pPr marL="285750" indent="-285750">
-              <a:lnSpc>
-                <a:spcPct val="200000"/>
-              </a:lnSpc>
-              <a:buFont typeface="Arial" pitchFamily="34" charset="0"/>
-              <a:buChar char="•"/>
-            </a:pPr>
-            <a:r>
-              <a:rPr lang="en-US" altLang="ko-KR" sz="2000" dirty="0" smtClean="0">
-                <a:solidFill>
-                  <a:schemeClr val="accent6">
-                    <a:lumMod val="50000"/>
-                  </a:schemeClr>
-                </a:solidFill>
-              </a:rPr>
-              <a:t>10. </a:t>
-            </a:r>
-            <a:r>
-              <a:rPr lang="ko-KR" altLang="en-US" sz="2000" dirty="0" smtClean="0">
-                <a:solidFill>
-                  <a:schemeClr val="accent6">
-                    <a:lumMod val="50000"/>
-                  </a:schemeClr>
-                </a:solidFill>
-              </a:rPr>
-              <a:t>거래</a:t>
-            </a:r>
-            <a:r>
-              <a:rPr lang="en-US" altLang="ko-KR" sz="2000" dirty="0" smtClean="0">
-                <a:solidFill>
-                  <a:schemeClr val="accent6">
-                    <a:lumMod val="50000"/>
-                  </a:schemeClr>
-                </a:solidFill>
-              </a:rPr>
-              <a:t>(</a:t>
-            </a:r>
-            <a:r>
-              <a:rPr lang="ko-KR" altLang="en-US" sz="2000" dirty="0" smtClean="0">
-                <a:solidFill>
-                  <a:schemeClr val="accent6">
-                    <a:lumMod val="50000"/>
-                  </a:schemeClr>
-                </a:solidFill>
-              </a:rPr>
-              <a:t>무역</a:t>
-            </a:r>
-            <a:r>
-              <a:rPr lang="en-US" altLang="ko-KR" sz="2000" dirty="0" smtClean="0">
-                <a:solidFill>
-                  <a:schemeClr val="accent6">
-                    <a:lumMod val="50000"/>
-                  </a:schemeClr>
-                </a:solidFill>
-              </a:rPr>
-              <a:t>)</a:t>
-            </a:r>
-          </a:p>
-          <a:p>
-            <a:pPr marL="285750" indent="-285750">
-              <a:lnSpc>
-                <a:spcPct val="200000"/>
-              </a:lnSpc>
-              <a:buFont typeface="Arial" pitchFamily="34" charset="0"/>
-              <a:buChar char="•"/>
-            </a:pPr>
-            <a:r>
-              <a:rPr lang="en-US" altLang="ko-KR" sz="2000" dirty="0" smtClean="0">
-                <a:solidFill>
-                  <a:schemeClr val="accent6">
-                    <a:lumMod val="50000"/>
-                  </a:schemeClr>
-                </a:solidFill>
-              </a:rPr>
-              <a:t>11. </a:t>
-            </a:r>
-            <a:r>
-              <a:rPr lang="ko-KR" altLang="en-US" sz="2000" dirty="0" err="1" smtClean="0">
-                <a:solidFill>
-                  <a:schemeClr val="accent6">
-                    <a:lumMod val="50000"/>
-                  </a:schemeClr>
-                </a:solidFill>
-              </a:rPr>
-              <a:t>던전</a:t>
-            </a:r>
-            <a:r>
-              <a:rPr lang="ko-KR" altLang="en-US" sz="2000" dirty="0" smtClean="0">
-                <a:solidFill>
-                  <a:schemeClr val="accent6">
-                    <a:lumMod val="50000"/>
-                  </a:schemeClr>
-                </a:solidFill>
-              </a:rPr>
-              <a:t> 입장</a:t>
-            </a:r>
-            <a:endParaRPr lang="en-US" altLang="ko-KR" sz="2000" dirty="0" smtClean="0">
-              <a:solidFill>
-                <a:schemeClr val="accent6">
-                  <a:lumMod val="50000"/>
-                </a:schemeClr>
-              </a:solidFill>
-            </a:endParaRPr>
-          </a:p>
-        </p:txBody>
-      </p:sp>
-    </p:spTree>
-  </p:cSld>
-  <p:clrMapOvr>
-    <a:masterClrMapping/>
-  </p:clrMapOvr>
-  <p:transition spd="slow">
-    <p:push dir="u"/>
-  </p:transition>
-</p:sld>
-</file>
-
 <file path=ppt/slides/slide9.xml><?xml version="1.0" encoding="utf-8"?>
 <p:sld xmlns:a="http://schemas.openxmlformats.org/drawingml/2006/main" xmlns:r="http://schemas.openxmlformats.org/officeDocument/2006/relationships" xmlns:p="http://schemas.openxmlformats.org/presentationml/2006/main">
   <p:cSld>
@@ -12591,7 +17540,7 @@
         <p:spPr>
           <a:xfrm>
             <a:off x="359869" y="332656"/>
-            <a:ext cx="4102405" cy="646331"/>
+            <a:ext cx="3025187" cy="646331"/>
           </a:xfrm>
           <a:prstGeom prst="rect">
             <a:avLst/>
@@ -12621,7 +17570,7 @@
                 <a:latin typeface="-윤고딕330" pitchFamily="18" charset="-127"/>
                 <a:ea typeface="-윤고딕330" pitchFamily="18" charset="-127"/>
               </a:rPr>
-              <a:t>2.5 </a:t>
+              <a:t>2.4 </a:t>
             </a:r>
             <a:r>
               <a:rPr lang="ko-KR" altLang="en-US" sz="3600" dirty="0" smtClean="0">
@@ -12640,7 +17589,7 @@
                 <a:latin typeface="-윤고딕330" pitchFamily="18" charset="-127"/>
                 <a:ea typeface="-윤고딕330" pitchFamily="18" charset="-127"/>
               </a:rPr>
-              <a:t>목표 대상 고객</a:t>
+              <a:t>주요 메뉴</a:t>
             </a:r>
             <a:endParaRPr lang="ko-KR" altLang="en-US" sz="2000" dirty="0">
               <a:ln>
@@ -12661,42 +17610,16 @@
           </a:p>
         </p:txBody>
       </p:sp>
-      <p:pic>
-        <p:nvPicPr>
-          <p:cNvPr id="1027" name="Picture 3" descr="C:\Users\q\Desktop\Documents\네이트온 받은 파일\스마트폰.png"/>
-          <p:cNvPicPr>
-            <a:picLocks noChangeAspect="1" noChangeArrowheads="1"/>
-          </p:cNvPicPr>
-          <p:nvPr/>
-        </p:nvPicPr>
-        <p:blipFill>
-          <a:blip r:embed="rId2" cstate="print"/>
-          <a:srcRect/>
-          <a:stretch>
-            <a:fillRect/>
-          </a:stretch>
-        </p:blipFill>
-        <p:spPr bwMode="auto">
-          <a:xfrm>
-            <a:off x="323528" y="1907135"/>
-            <a:ext cx="5112568" cy="3662298"/>
-          </a:xfrm>
-          <a:prstGeom prst="rect">
-            <a:avLst/>
-          </a:prstGeom>
-          <a:noFill/>
-        </p:spPr>
-      </p:pic>
       <p:sp>
         <p:nvSpPr>
-          <p:cNvPr id="6" name="TextBox 5"/>
+          <p:cNvPr id="7" name="TextBox 6"/>
           <p:cNvSpPr txBox="1"/>
           <p:nvPr/>
         </p:nvSpPr>
         <p:spPr>
           <a:xfrm>
-            <a:off x="1979712" y="1484784"/>
-            <a:ext cx="3534942" cy="369332"/>
+            <a:off x="3023828" y="1484784"/>
+            <a:ext cx="3096344" cy="4401205"/>
           </a:xfrm>
           <a:prstGeom prst="rect">
             <a:avLst/>
@@ -12704,278 +17627,261 @@
           <a:noFill/>
         </p:spPr>
         <p:txBody>
-          <a:bodyPr wrap="none" rtlCol="0">
+          <a:bodyPr wrap="square" rtlCol="0">
             <a:spAutoFit/>
           </a:bodyPr>
           <a:lstStyle/>
           <a:p>
-            <a:r>
-              <a:rPr lang="ko-KR" altLang="en-US" dirty="0" err="1" smtClean="0"/>
-              <a:t>스마트폰</a:t>
-            </a:r>
-            <a:r>
-              <a:rPr lang="ko-KR" altLang="en-US" dirty="0" smtClean="0"/>
-              <a:t> 보급률</a:t>
-            </a:r>
-            <a:r>
-              <a:rPr lang="en-US" altLang="ko-KR" dirty="0" smtClean="0"/>
-              <a:t>(2010</a:t>
-            </a:r>
-            <a:r>
-              <a:rPr lang="ko-KR" altLang="en-US" dirty="0" smtClean="0"/>
-              <a:t>년 통계청</a:t>
-            </a:r>
-            <a:r>
-              <a:rPr lang="en-US" altLang="ko-KR" dirty="0" smtClean="0"/>
-              <a:t>)</a:t>
-            </a:r>
-            <a:endParaRPr lang="ko-KR" altLang="en-US" dirty="0"/>
-          </a:p>
-        </p:txBody>
-      </p:sp>
-      <p:sp>
-        <p:nvSpPr>
-          <p:cNvPr id="9" name="사각형 설명선 8"/>
-          <p:cNvSpPr/>
-          <p:nvPr/>
-        </p:nvSpPr>
-        <p:spPr>
-          <a:xfrm>
-            <a:off x="5652120" y="1700808"/>
-            <a:ext cx="3168352" cy="2232248"/>
-          </a:xfrm>
-          <a:prstGeom prst="wedgeRectCallout">
-            <a:avLst>
-              <a:gd name="adj1" fmla="val -56469"/>
-              <a:gd name="adj2" fmla="val 74149"/>
-            </a:avLst>
-          </a:prstGeom>
-          <a:solidFill>
-            <a:schemeClr val="accent2">
-              <a:lumMod val="40000"/>
-              <a:lumOff val="60000"/>
-            </a:schemeClr>
-          </a:solidFill>
-          <a:ln>
-            <a:noFill/>
-          </a:ln>
-        </p:spPr>
-        <p:style>
-          <a:lnRef idx="2">
-            <a:schemeClr val="accent1">
-              <a:shade val="50000"/>
-            </a:schemeClr>
-          </a:lnRef>
-          <a:fillRef idx="1">
-            <a:schemeClr val="accent1"/>
-          </a:fillRef>
-          <a:effectRef idx="0">
-            <a:schemeClr val="accent1"/>
-          </a:effectRef>
-          <a:fontRef idx="minor">
-            <a:schemeClr val="lt1"/>
-          </a:fontRef>
-        </p:style>
-        <p:txBody>
-          <a:bodyPr rtlCol="0" anchor="ctr"/>
-          <a:lstStyle/>
-          <a:p>
-            <a:pPr algn="ctr"/>
+            <a:pPr marL="285750" indent="-285750">
+              <a:lnSpc>
+                <a:spcPct val="200000"/>
+              </a:lnSpc>
+              <a:buFont typeface="Arial" pitchFamily="34" charset="0"/>
+              <a:buChar char="•"/>
+            </a:pPr>
             <a:r>
               <a:rPr lang="en-US" altLang="ko-KR" sz="2000" dirty="0" smtClean="0">
                 <a:solidFill>
-                  <a:schemeClr val="tx1"/>
-                </a:solidFill>
-              </a:rPr>
-              <a:t>‘</a:t>
-            </a:r>
-          </a:p>
-          <a:p>
-            <a:pPr algn="ctr"/>
-            <a:endParaRPr lang="en-US" altLang="ko-KR" sz="2000" smtClean="0">
+                  <a:schemeClr val="accent6">
+                    <a:lumMod val="50000"/>
+                  </a:schemeClr>
+                </a:solidFill>
+              </a:rPr>
+              <a:t>1. </a:t>
+            </a:r>
+            <a:r>
+              <a:rPr lang="ko-KR" altLang="en-US" sz="2000" dirty="0" smtClean="0">
+                <a:solidFill>
+                  <a:schemeClr val="accent6">
+                    <a:lumMod val="50000"/>
+                  </a:schemeClr>
+                </a:solidFill>
+              </a:rPr>
+              <a:t>로그인 </a:t>
+            </a:r>
+            <a:endParaRPr lang="en-US" altLang="ko-KR" sz="2000" dirty="0" smtClean="0">
               <a:solidFill>
-                <a:schemeClr val="tx1"/>
+                <a:schemeClr val="accent6">
+                  <a:lumMod val="50000"/>
+                </a:schemeClr>
               </a:solidFill>
             </a:endParaRPr>
           </a:p>
           <a:p>
-            <a:pPr algn="ctr"/>
-            <a:r>
-              <a:rPr lang="ko-KR" altLang="en-US" sz="2000" smtClean="0">
-                <a:solidFill>
-                  <a:schemeClr val="tx1"/>
-                </a:solidFill>
-              </a:rPr>
-              <a:t>토투가</a:t>
+            <a:pPr marL="285750" indent="-285750">
+              <a:lnSpc>
+                <a:spcPct val="200000"/>
+              </a:lnSpc>
+              <a:buFont typeface="Arial" pitchFamily="34" charset="0"/>
+              <a:buChar char="•"/>
+            </a:pPr>
+            <a:r>
+              <a:rPr lang="en-US" altLang="ko-KR" sz="2000" dirty="0" smtClean="0">
+                <a:solidFill>
+                  <a:schemeClr val="accent6">
+                    <a:lumMod val="50000"/>
+                  </a:schemeClr>
+                </a:solidFill>
+              </a:rPr>
+              <a:t>2. </a:t>
             </a:r>
             <a:r>
               <a:rPr lang="ko-KR" altLang="en-US" sz="2000" dirty="0" smtClean="0">
                 <a:solidFill>
-                  <a:schemeClr val="tx1"/>
-                </a:solidFill>
-              </a:rPr>
-              <a:t> </a:t>
-            </a:r>
-            <a:r>
-              <a:rPr lang="ko-KR" altLang="en-US" sz="2000" dirty="0" err="1" smtClean="0">
-                <a:solidFill>
-                  <a:schemeClr val="tx1"/>
-                </a:solidFill>
-              </a:rPr>
-              <a:t>베이</a:t>
-            </a:r>
-            <a:r>
-              <a:rPr lang="en-US" altLang="ko-KR" sz="2000" dirty="0" smtClean="0">
-                <a:solidFill>
-                  <a:schemeClr val="tx1"/>
-                </a:solidFill>
-              </a:rPr>
-              <a:t>’</a:t>
-            </a:r>
-            <a:r>
-              <a:rPr lang="ko-KR" altLang="en-US" sz="2000" dirty="0" smtClean="0">
-                <a:solidFill>
-                  <a:schemeClr val="tx1"/>
-                </a:solidFill>
-              </a:rPr>
-              <a:t>는 </a:t>
+                  <a:schemeClr val="accent6">
+                    <a:lumMod val="50000"/>
+                  </a:schemeClr>
+                </a:solidFill>
+              </a:rPr>
+              <a:t>환경설정</a:t>
             </a:r>
             <a:endParaRPr lang="en-US" altLang="ko-KR" sz="2000" dirty="0" smtClean="0">
               <a:solidFill>
-                <a:schemeClr val="tx1"/>
+                <a:schemeClr val="accent6">
+                  <a:lumMod val="50000"/>
+                </a:schemeClr>
               </a:solidFill>
             </a:endParaRPr>
           </a:p>
           <a:p>
-            <a:pPr algn="ctr"/>
+            <a:pPr marL="285750" indent="-285750">
+              <a:lnSpc>
+                <a:spcPct val="200000"/>
+              </a:lnSpc>
+              <a:buFont typeface="Arial" pitchFamily="34" charset="0"/>
+              <a:buChar char="•"/>
+            </a:pPr>
+            <a:r>
+              <a:rPr lang="en-US" altLang="ko-KR" sz="2000" dirty="0" smtClean="0">
+                <a:solidFill>
+                  <a:schemeClr val="accent6">
+                    <a:lumMod val="50000"/>
+                  </a:schemeClr>
+                </a:solidFill>
+              </a:rPr>
+              <a:t>3. </a:t>
+            </a:r>
             <a:r>
               <a:rPr lang="ko-KR" altLang="en-US" sz="2000" dirty="0" smtClean="0">
                 <a:solidFill>
-                  <a:schemeClr val="tx1"/>
-                </a:solidFill>
-              </a:rPr>
-              <a:t>주요 </a:t>
-            </a:r>
-            <a:r>
-              <a:rPr lang="ko-KR" altLang="en-US" sz="2000" dirty="0" err="1" smtClean="0">
-                <a:solidFill>
-                  <a:schemeClr val="tx1"/>
-                </a:solidFill>
-              </a:rPr>
-              <a:t>타겟층을</a:t>
-            </a:r>
-            <a:r>
-              <a:rPr lang="ko-KR" altLang="en-US" sz="2000" dirty="0" smtClean="0">
-                <a:solidFill>
-                  <a:schemeClr val="tx1"/>
-                </a:solidFill>
-              </a:rPr>
-              <a:t> </a:t>
+                  <a:schemeClr val="accent6">
+                    <a:lumMod val="50000"/>
+                  </a:schemeClr>
+                </a:solidFill>
+              </a:rPr>
+              <a:t>도움말</a:t>
             </a:r>
             <a:endParaRPr lang="en-US" altLang="ko-KR" sz="2000" dirty="0" smtClean="0">
               <a:solidFill>
-                <a:schemeClr val="tx1"/>
+                <a:schemeClr val="accent6">
+                  <a:lumMod val="50000"/>
+                </a:schemeClr>
               </a:solidFill>
             </a:endParaRPr>
           </a:p>
           <a:p>
-            <a:pPr algn="ctr"/>
-            <a:r>
-              <a:rPr lang="ko-KR" altLang="en-US" sz="2000" dirty="0" err="1" smtClean="0">
-                <a:solidFill>
-                  <a:schemeClr val="tx1"/>
-                </a:solidFill>
-              </a:rPr>
-              <a:t>스마트폰을</a:t>
+            <a:pPr marL="285750" indent="-285750">
+              <a:lnSpc>
+                <a:spcPct val="200000"/>
+              </a:lnSpc>
+              <a:buFont typeface="Arial" pitchFamily="34" charset="0"/>
+              <a:buChar char="•"/>
+            </a:pPr>
+            <a:r>
+              <a:rPr lang="en-US" altLang="ko-KR" sz="2000" dirty="0" smtClean="0">
+                <a:solidFill>
+                  <a:schemeClr val="accent6">
+                    <a:lumMod val="50000"/>
+                  </a:schemeClr>
+                </a:solidFill>
+              </a:rPr>
+              <a:t>4. </a:t>
             </a:r>
             <a:r>
               <a:rPr lang="ko-KR" altLang="en-US" sz="2000" dirty="0" smtClean="0">
                 <a:solidFill>
-                  <a:schemeClr val="tx1"/>
-                </a:solidFill>
-              </a:rPr>
-              <a:t> 보유한</a:t>
+                  <a:schemeClr val="accent6">
+                    <a:lumMod val="50000"/>
+                  </a:schemeClr>
+                </a:solidFill>
+              </a:rPr>
+              <a:t>캐릭터 선택</a:t>
             </a:r>
             <a:endParaRPr lang="en-US" altLang="ko-KR" sz="2000" dirty="0" smtClean="0">
               <a:solidFill>
-                <a:schemeClr val="tx1"/>
+                <a:schemeClr val="accent6">
+                  <a:lumMod val="50000"/>
+                </a:schemeClr>
               </a:solidFill>
             </a:endParaRPr>
           </a:p>
           <a:p>
-            <a:pPr algn="ctr"/>
+            <a:pPr marL="285750" indent="-285750">
+              <a:lnSpc>
+                <a:spcPct val="200000"/>
+              </a:lnSpc>
+              <a:buFont typeface="Arial" pitchFamily="34" charset="0"/>
+              <a:buChar char="•"/>
+            </a:pPr>
             <a:r>
               <a:rPr lang="en-US" altLang="ko-KR" sz="2000" dirty="0" smtClean="0">
                 <a:solidFill>
-                  <a:schemeClr val="tx1"/>
-                </a:solidFill>
-              </a:rPr>
-              <a:t>20</a:t>
+                  <a:schemeClr val="accent6">
+                    <a:lumMod val="50000"/>
+                  </a:schemeClr>
+                </a:solidFill>
+              </a:rPr>
+              <a:t>5. </a:t>
             </a:r>
             <a:r>
               <a:rPr lang="ko-KR" altLang="en-US" sz="2000" dirty="0" smtClean="0">
                 <a:solidFill>
-                  <a:schemeClr val="tx1"/>
-                </a:solidFill>
-              </a:rPr>
-              <a:t>대</a:t>
-            </a:r>
-            <a:r>
-              <a:rPr lang="en-US" altLang="ko-KR" sz="2000" dirty="0" smtClean="0">
-                <a:solidFill>
-                  <a:schemeClr val="tx1"/>
-                </a:solidFill>
-              </a:rPr>
-              <a:t>, 30</a:t>
-            </a:r>
-            <a:r>
-              <a:rPr lang="ko-KR" altLang="en-US" sz="2000" dirty="0" smtClean="0">
-                <a:solidFill>
-                  <a:schemeClr val="tx1"/>
-                </a:solidFill>
-              </a:rPr>
-              <a:t>대의 </a:t>
+                  <a:schemeClr val="accent6">
+                    <a:lumMod val="50000"/>
+                  </a:schemeClr>
+                </a:solidFill>
+              </a:rPr>
+              <a:t>게임 시작</a:t>
             </a:r>
             <a:endParaRPr lang="en-US" altLang="ko-KR" sz="2000" dirty="0" smtClean="0">
               <a:solidFill>
-                <a:schemeClr val="tx1"/>
+                <a:schemeClr val="accent6">
+                  <a:lumMod val="50000"/>
+                </a:schemeClr>
               </a:solidFill>
             </a:endParaRPr>
           </a:p>
           <a:p>
-            <a:pPr algn="ctr"/>
+            <a:pPr marL="285750" indent="-285750">
+              <a:lnSpc>
+                <a:spcPct val="200000"/>
+              </a:lnSpc>
+              <a:buFont typeface="Arial" pitchFamily="34" charset="0"/>
+              <a:buChar char="•"/>
+            </a:pPr>
+            <a:r>
+              <a:rPr lang="en-US" altLang="ko-KR" sz="2000" dirty="0" smtClean="0">
+                <a:solidFill>
+                  <a:schemeClr val="accent6">
+                    <a:lumMod val="50000"/>
+                  </a:schemeClr>
+                </a:solidFill>
+              </a:rPr>
+              <a:t>6. </a:t>
+            </a:r>
             <a:r>
               <a:rPr lang="ko-KR" altLang="en-US" sz="2000" dirty="0" smtClean="0">
                 <a:solidFill>
-                  <a:schemeClr val="tx1"/>
-                </a:solidFill>
-              </a:rPr>
-              <a:t>성인 </a:t>
+                  <a:schemeClr val="accent6">
+                    <a:lumMod val="50000"/>
+                  </a:schemeClr>
+                </a:solidFill>
+              </a:rPr>
+              <a:t>랭킹 보기</a:t>
+            </a:r>
+            <a:endParaRPr lang="en-US" altLang="ko-KR" sz="2000" dirty="0" smtClean="0">
+              <a:solidFill>
+                <a:schemeClr val="accent6">
+                  <a:lumMod val="50000"/>
+                </a:schemeClr>
+              </a:solidFill>
+            </a:endParaRPr>
+          </a:p>
+          <a:p>
+            <a:pPr marL="285750" indent="-285750">
+              <a:lnSpc>
+                <a:spcPct val="200000"/>
+              </a:lnSpc>
+              <a:buFont typeface="Arial" pitchFamily="34" charset="0"/>
+              <a:buChar char="•"/>
+            </a:pPr>
+            <a:r>
+              <a:rPr lang="en-US" altLang="ko-KR" sz="2000" dirty="0" smtClean="0">
+                <a:solidFill>
+                  <a:schemeClr val="accent6">
+                    <a:lumMod val="50000"/>
+                  </a:schemeClr>
+                </a:solidFill>
+              </a:rPr>
+              <a:t>7. </a:t>
             </a:r>
             <a:r>
               <a:rPr lang="ko-KR" altLang="en-US" sz="2000" dirty="0" smtClean="0">
                 <a:solidFill>
-                  <a:schemeClr val="tx1"/>
-                </a:solidFill>
-              </a:rPr>
-              <a:t>남녀로 선정</a:t>
-            </a:r>
-            <a:r>
-              <a:rPr lang="en-US" altLang="ko-KR" sz="2000" dirty="0" smtClean="0">
-                <a:solidFill>
-                  <a:schemeClr val="tx1"/>
-                </a:solidFill>
-              </a:rPr>
-              <a:t>, </a:t>
-            </a:r>
-          </a:p>
-          <a:p>
-            <a:pPr algn="ctr"/>
-            <a:endParaRPr lang="en-US" altLang="ko-KR" dirty="0" smtClean="0"/>
-          </a:p>
-          <a:p>
-            <a:pPr algn="ctr"/>
-            <a:endParaRPr lang="ko-KR" altLang="en-US" dirty="0"/>
+                  <a:schemeClr val="accent6">
+                    <a:lumMod val="50000"/>
+                  </a:schemeClr>
+                </a:solidFill>
+              </a:rPr>
+              <a:t>종료하기</a:t>
+            </a:r>
+            <a:endParaRPr lang="en-US" altLang="ko-KR" sz="2000" dirty="0" smtClean="0">
+              <a:solidFill>
+                <a:schemeClr val="accent6">
+                  <a:lumMod val="50000"/>
+                </a:schemeClr>
+              </a:solidFill>
+            </a:endParaRPr>
           </a:p>
         </p:txBody>
       </p:sp>
